--- a/report/report.pptx
+++ b/report/report.pptx
@@ -4,11 +4,21 @@
   <p:sldMasterIdLst>
     <p:sldMasterId id="2147483648" r:id="rId2"/>
     <p:sldMasterId id="2147483661" r:id="rId3"/>
+    <p:sldMasterId id="2147483674" r:id="rId4"/>
   </p:sldMasterIdLst>
   <p:sldIdLst>
-    <p:sldId id="256" r:id="rId4"/>
-    <p:sldId id="257" r:id="rId5"/>
-    <p:sldId id="258" r:id="rId6"/>
+    <p:sldId id="256" r:id="rId5"/>
+    <p:sldId id="257" r:id="rId6"/>
+    <p:sldId id="258" r:id="rId7"/>
+    <p:sldId id="259" r:id="rId8"/>
+    <p:sldId id="260" r:id="rId9"/>
+    <p:sldId id="261" r:id="rId10"/>
+    <p:sldId id="262" r:id="rId11"/>
+    <p:sldId id="263" r:id="rId12"/>
+    <p:sldId id="264" r:id="rId13"/>
+    <p:sldId id="265" r:id="rId14"/>
+    <p:sldId id="266" r:id="rId15"/>
+    <p:sldId id="267" r:id="rId16"/>
   </p:sldIdLst>
   <p:sldSz cx="10080625" cy="7559675"/>
   <p:notesSz cx="7559675" cy="10691812"/>
@@ -56,7 +66,7 @@
       </p:grpSpPr>
       <p:sp>
         <p:nvSpPr>
-          <p:cNvPr id="26" name="PlaceHolder 1"/>
+          <p:cNvPr id="23" name="PlaceHolder 1"/>
           <p:cNvSpPr>
             <a:spLocks noGrp="1"/>
           </p:cNvSpPr>
@@ -66,8 +76,8 @@
         </p:nvSpPr>
         <p:spPr>
           <a:xfrm>
-            <a:off x="504000" y="1080000"/>
-            <a:ext cx="9071640" cy="1728000"/>
+            <a:off x="504000" y="301320"/>
+            <a:ext cx="9072000" cy="1261800"/>
           </a:xfrm>
           <a:prstGeom prst="rect">
             <a:avLst/>
@@ -79,18 +89,15 @@
           </a:bodyPr>
           <a:p>
             <a:pPr algn="ctr"/>
-            <a:endParaRPr b="0" lang="en-US" sz="5860" spc="-1" strike="noStrike">
-              <a:solidFill>
-                <a:srgbClr val="ffffff"/>
-              </a:solidFill>
-              <a:latin typeface="Arial"/>
-            </a:endParaRPr>
-          </a:p>
-        </p:txBody>
-      </p:sp>
-      <p:sp>
-        <p:nvSpPr>
-          <p:cNvPr id="27" name="PlaceHolder 2"/>
+            <a:endParaRPr b="0" lang="en-US" sz="4400" spc="-1" strike="noStrike">
+              <a:latin typeface="Arial"/>
+            </a:endParaRPr>
+          </a:p>
+        </p:txBody>
+      </p:sp>
+      <p:sp>
+        <p:nvSpPr>
+          <p:cNvPr id="24" name="PlaceHolder 2"/>
           <p:cNvSpPr>
             <a:spLocks noGrp="1"/>
           </p:cNvSpPr>
@@ -100,8 +107,8 @@
         </p:nvSpPr>
         <p:spPr>
           <a:xfrm>
-            <a:off x="504000" y="3168000"/>
-            <a:ext cx="9071640" cy="1751400"/>
+            <a:off x="504000" y="1768680"/>
+            <a:ext cx="9072000" cy="2090880"/>
           </a:xfrm>
           <a:prstGeom prst="rect">
             <a:avLst/>
@@ -112,18 +119,15 @@
             <a:normAutofit/>
           </a:bodyPr>
           <a:p>
-            <a:endParaRPr b="0" lang="en-US" sz="4200" spc="-1" strike="noStrike">
-              <a:solidFill>
-                <a:srgbClr val="ffffff"/>
-              </a:solidFill>
-              <a:latin typeface="Arial"/>
-            </a:endParaRPr>
-          </a:p>
-        </p:txBody>
-      </p:sp>
-      <p:sp>
-        <p:nvSpPr>
-          <p:cNvPr id="28" name="PlaceHolder 3"/>
+            <a:endParaRPr b="0" lang="en-US" sz="3200" spc="-1" strike="noStrike">
+              <a:latin typeface="Arial"/>
+            </a:endParaRPr>
+          </a:p>
+        </p:txBody>
+      </p:sp>
+      <p:sp>
+        <p:nvSpPr>
+          <p:cNvPr id="25" name="PlaceHolder 3"/>
           <p:cNvSpPr>
             <a:spLocks noGrp="1"/>
           </p:cNvSpPr>
@@ -133,8 +137,8 @@
         </p:nvSpPr>
         <p:spPr>
           <a:xfrm>
-            <a:off x="504000" y="5086080"/>
-            <a:ext cx="9071640" cy="1751400"/>
+            <a:off x="504000" y="4058640"/>
+            <a:ext cx="9072000" cy="2090880"/>
           </a:xfrm>
           <a:prstGeom prst="rect">
             <a:avLst/>
@@ -145,10 +149,7 @@
             <a:normAutofit/>
           </a:bodyPr>
           <a:p>
-            <a:endParaRPr b="0" lang="en-US" sz="4200" spc="-1" strike="noStrike">
-              <a:solidFill>
-                <a:srgbClr val="ffffff"/>
-              </a:solidFill>
+            <a:endParaRPr b="0" lang="en-US" sz="3200" spc="-1" strike="noStrike">
               <a:latin typeface="Arial"/>
             </a:endParaRPr>
           </a:p>
@@ -178,7 +179,7 @@
       </p:grpSpPr>
       <p:sp>
         <p:nvSpPr>
-          <p:cNvPr id="29" name="PlaceHolder 1"/>
+          <p:cNvPr id="26" name="PlaceHolder 1"/>
           <p:cNvSpPr>
             <a:spLocks noGrp="1"/>
           </p:cNvSpPr>
@@ -188,8 +189,8 @@
         </p:nvSpPr>
         <p:spPr>
           <a:xfrm>
-            <a:off x="504000" y="1080000"/>
-            <a:ext cx="9071640" cy="1728000"/>
+            <a:off x="504000" y="301320"/>
+            <a:ext cx="9072000" cy="1261800"/>
           </a:xfrm>
           <a:prstGeom prst="rect">
             <a:avLst/>
@@ -201,18 +202,15 @@
           </a:bodyPr>
           <a:p>
             <a:pPr algn="ctr"/>
-            <a:endParaRPr b="0" lang="en-US" sz="5860" spc="-1" strike="noStrike">
-              <a:solidFill>
-                <a:srgbClr val="ffffff"/>
-              </a:solidFill>
-              <a:latin typeface="Arial"/>
-            </a:endParaRPr>
-          </a:p>
-        </p:txBody>
-      </p:sp>
-      <p:sp>
-        <p:nvSpPr>
-          <p:cNvPr id="30" name="PlaceHolder 2"/>
+            <a:endParaRPr b="0" lang="en-US" sz="4400" spc="-1" strike="noStrike">
+              <a:latin typeface="Arial"/>
+            </a:endParaRPr>
+          </a:p>
+        </p:txBody>
+      </p:sp>
+      <p:sp>
+        <p:nvSpPr>
+          <p:cNvPr id="27" name="PlaceHolder 2"/>
           <p:cNvSpPr>
             <a:spLocks noGrp="1"/>
           </p:cNvSpPr>
@@ -222,8 +220,8 @@
         </p:nvSpPr>
         <p:spPr>
           <a:xfrm>
-            <a:off x="504000" y="3168000"/>
-            <a:ext cx="4426920" cy="1751400"/>
+            <a:off x="504000" y="1768680"/>
+            <a:ext cx="4426920" cy="2090880"/>
           </a:xfrm>
           <a:prstGeom prst="rect">
             <a:avLst/>
@@ -234,18 +232,15 @@
             <a:normAutofit/>
           </a:bodyPr>
           <a:p>
-            <a:endParaRPr b="0" lang="en-US" sz="4200" spc="-1" strike="noStrike">
-              <a:solidFill>
-                <a:srgbClr val="ffffff"/>
-              </a:solidFill>
-              <a:latin typeface="Arial"/>
-            </a:endParaRPr>
-          </a:p>
-        </p:txBody>
-      </p:sp>
-      <p:sp>
-        <p:nvSpPr>
-          <p:cNvPr id="31" name="PlaceHolder 3"/>
+            <a:endParaRPr b="0" lang="en-US" sz="3200" spc="-1" strike="noStrike">
+              <a:latin typeface="Arial"/>
+            </a:endParaRPr>
+          </a:p>
+        </p:txBody>
+      </p:sp>
+      <p:sp>
+        <p:nvSpPr>
+          <p:cNvPr id="28" name="PlaceHolder 3"/>
           <p:cNvSpPr>
             <a:spLocks noGrp="1"/>
           </p:cNvSpPr>
@@ -255,8 +250,8 @@
         </p:nvSpPr>
         <p:spPr>
           <a:xfrm>
-            <a:off x="5152680" y="3168000"/>
-            <a:ext cx="4426920" cy="1751400"/>
+            <a:off x="5152680" y="1768680"/>
+            <a:ext cx="4426920" cy="2090880"/>
           </a:xfrm>
           <a:prstGeom prst="rect">
             <a:avLst/>
@@ -267,18 +262,15 @@
             <a:normAutofit/>
           </a:bodyPr>
           <a:p>
-            <a:endParaRPr b="0" lang="en-US" sz="4200" spc="-1" strike="noStrike">
-              <a:solidFill>
-                <a:srgbClr val="ffffff"/>
-              </a:solidFill>
-              <a:latin typeface="Arial"/>
-            </a:endParaRPr>
-          </a:p>
-        </p:txBody>
-      </p:sp>
-      <p:sp>
-        <p:nvSpPr>
-          <p:cNvPr id="32" name="PlaceHolder 4"/>
+            <a:endParaRPr b="0" lang="en-US" sz="3200" spc="-1" strike="noStrike">
+              <a:latin typeface="Arial"/>
+            </a:endParaRPr>
+          </a:p>
+        </p:txBody>
+      </p:sp>
+      <p:sp>
+        <p:nvSpPr>
+          <p:cNvPr id="29" name="PlaceHolder 4"/>
           <p:cNvSpPr>
             <a:spLocks noGrp="1"/>
           </p:cNvSpPr>
@@ -288,8 +280,8 @@
         </p:nvSpPr>
         <p:spPr>
           <a:xfrm>
-            <a:off x="504000" y="5086080"/>
-            <a:ext cx="4426920" cy="1751400"/>
+            <a:off x="504000" y="4058640"/>
+            <a:ext cx="4426920" cy="2090880"/>
           </a:xfrm>
           <a:prstGeom prst="rect">
             <a:avLst/>
@@ -300,18 +292,15 @@
             <a:normAutofit/>
           </a:bodyPr>
           <a:p>
-            <a:endParaRPr b="0" lang="en-US" sz="4200" spc="-1" strike="noStrike">
-              <a:solidFill>
-                <a:srgbClr val="ffffff"/>
-              </a:solidFill>
-              <a:latin typeface="Arial"/>
-            </a:endParaRPr>
-          </a:p>
-        </p:txBody>
-      </p:sp>
-      <p:sp>
-        <p:nvSpPr>
-          <p:cNvPr id="33" name="PlaceHolder 5"/>
+            <a:endParaRPr b="0" lang="en-US" sz="3200" spc="-1" strike="noStrike">
+              <a:latin typeface="Arial"/>
+            </a:endParaRPr>
+          </a:p>
+        </p:txBody>
+      </p:sp>
+      <p:sp>
+        <p:nvSpPr>
+          <p:cNvPr id="30" name="PlaceHolder 5"/>
           <p:cNvSpPr>
             <a:spLocks noGrp="1"/>
           </p:cNvSpPr>
@@ -321,8 +310,8 @@
         </p:nvSpPr>
         <p:spPr>
           <a:xfrm>
-            <a:off x="5152680" y="5086080"/>
-            <a:ext cx="4426920" cy="1751400"/>
+            <a:off x="5152680" y="4058640"/>
+            <a:ext cx="4426920" cy="2090880"/>
           </a:xfrm>
           <a:prstGeom prst="rect">
             <a:avLst/>
@@ -333,10 +322,7 @@
             <a:normAutofit/>
           </a:bodyPr>
           <a:p>
-            <a:endParaRPr b="0" lang="en-US" sz="4200" spc="-1" strike="noStrike">
-              <a:solidFill>
-                <a:srgbClr val="ffffff"/>
-              </a:solidFill>
+            <a:endParaRPr b="0" lang="en-US" sz="3200" spc="-1" strike="noStrike">
               <a:latin typeface="Arial"/>
             </a:endParaRPr>
           </a:p>
@@ -366,7 +352,7 @@
       </p:grpSpPr>
       <p:sp>
         <p:nvSpPr>
-          <p:cNvPr id="34" name="PlaceHolder 1"/>
+          <p:cNvPr id="31" name="PlaceHolder 1"/>
           <p:cNvSpPr>
             <a:spLocks noGrp="1"/>
           </p:cNvSpPr>
@@ -376,8 +362,8 @@
         </p:nvSpPr>
         <p:spPr>
           <a:xfrm>
-            <a:off x="504000" y="1080000"/>
-            <a:ext cx="9071640" cy="1728000"/>
+            <a:off x="504000" y="301320"/>
+            <a:ext cx="9072000" cy="1261800"/>
           </a:xfrm>
           <a:prstGeom prst="rect">
             <a:avLst/>
@@ -389,18 +375,15 @@
           </a:bodyPr>
           <a:p>
             <a:pPr algn="ctr"/>
-            <a:endParaRPr b="0" lang="en-US" sz="5860" spc="-1" strike="noStrike">
-              <a:solidFill>
-                <a:srgbClr val="ffffff"/>
-              </a:solidFill>
-              <a:latin typeface="Arial"/>
-            </a:endParaRPr>
-          </a:p>
-        </p:txBody>
-      </p:sp>
-      <p:sp>
-        <p:nvSpPr>
-          <p:cNvPr id="35" name="PlaceHolder 2"/>
+            <a:endParaRPr b="0" lang="en-US" sz="4400" spc="-1" strike="noStrike">
+              <a:latin typeface="Arial"/>
+            </a:endParaRPr>
+          </a:p>
+        </p:txBody>
+      </p:sp>
+      <p:sp>
+        <p:nvSpPr>
+          <p:cNvPr id="32" name="PlaceHolder 2"/>
           <p:cNvSpPr>
             <a:spLocks noGrp="1"/>
           </p:cNvSpPr>
@@ -410,8 +393,8 @@
         </p:nvSpPr>
         <p:spPr>
           <a:xfrm>
-            <a:off x="504000" y="3168000"/>
-            <a:ext cx="2920680" cy="1751400"/>
+            <a:off x="504000" y="1768680"/>
+            <a:ext cx="2921040" cy="2090880"/>
           </a:xfrm>
           <a:prstGeom prst="rect">
             <a:avLst/>
@@ -422,18 +405,15 @@
             <a:normAutofit/>
           </a:bodyPr>
           <a:p>
-            <a:endParaRPr b="0" lang="en-US" sz="4200" spc="-1" strike="noStrike">
-              <a:solidFill>
-                <a:srgbClr val="ffffff"/>
-              </a:solidFill>
-              <a:latin typeface="Arial"/>
-            </a:endParaRPr>
-          </a:p>
-        </p:txBody>
-      </p:sp>
-      <p:sp>
-        <p:nvSpPr>
-          <p:cNvPr id="36" name="PlaceHolder 3"/>
+            <a:endParaRPr b="0" lang="en-US" sz="3200" spc="-1" strike="noStrike">
+              <a:latin typeface="Arial"/>
+            </a:endParaRPr>
+          </a:p>
+        </p:txBody>
+      </p:sp>
+      <p:sp>
+        <p:nvSpPr>
+          <p:cNvPr id="33" name="PlaceHolder 3"/>
           <p:cNvSpPr>
             <a:spLocks noGrp="1"/>
           </p:cNvSpPr>
@@ -443,8 +423,8 @@
         </p:nvSpPr>
         <p:spPr>
           <a:xfrm>
-            <a:off x="3571200" y="3168000"/>
-            <a:ext cx="2920680" cy="1751400"/>
+            <a:off x="3571560" y="1768680"/>
+            <a:ext cx="2921040" cy="2090880"/>
           </a:xfrm>
           <a:prstGeom prst="rect">
             <a:avLst/>
@@ -455,18 +435,15 @@
             <a:normAutofit/>
           </a:bodyPr>
           <a:p>
-            <a:endParaRPr b="0" lang="en-US" sz="4200" spc="-1" strike="noStrike">
-              <a:solidFill>
-                <a:srgbClr val="ffffff"/>
-              </a:solidFill>
-              <a:latin typeface="Arial"/>
-            </a:endParaRPr>
-          </a:p>
-        </p:txBody>
-      </p:sp>
-      <p:sp>
-        <p:nvSpPr>
-          <p:cNvPr id="37" name="PlaceHolder 4"/>
+            <a:endParaRPr b="0" lang="en-US" sz="3200" spc="-1" strike="noStrike">
+              <a:latin typeface="Arial"/>
+            </a:endParaRPr>
+          </a:p>
+        </p:txBody>
+      </p:sp>
+      <p:sp>
+        <p:nvSpPr>
+          <p:cNvPr id="34" name="PlaceHolder 4"/>
           <p:cNvSpPr>
             <a:spLocks noGrp="1"/>
           </p:cNvSpPr>
@@ -476,8 +453,8 @@
         </p:nvSpPr>
         <p:spPr>
           <a:xfrm>
-            <a:off x="6638040" y="3168000"/>
-            <a:ext cx="2920680" cy="1751400"/>
+            <a:off x="6639120" y="1768680"/>
+            <a:ext cx="2921040" cy="2090880"/>
           </a:xfrm>
           <a:prstGeom prst="rect">
             <a:avLst/>
@@ -488,18 +465,15 @@
             <a:normAutofit/>
           </a:bodyPr>
           <a:p>
-            <a:endParaRPr b="0" lang="en-US" sz="4200" spc="-1" strike="noStrike">
-              <a:solidFill>
-                <a:srgbClr val="ffffff"/>
-              </a:solidFill>
-              <a:latin typeface="Arial"/>
-            </a:endParaRPr>
-          </a:p>
-        </p:txBody>
-      </p:sp>
-      <p:sp>
-        <p:nvSpPr>
-          <p:cNvPr id="38" name="PlaceHolder 5"/>
+            <a:endParaRPr b="0" lang="en-US" sz="3200" spc="-1" strike="noStrike">
+              <a:latin typeface="Arial"/>
+            </a:endParaRPr>
+          </a:p>
+        </p:txBody>
+      </p:sp>
+      <p:sp>
+        <p:nvSpPr>
+          <p:cNvPr id="35" name="PlaceHolder 5"/>
           <p:cNvSpPr>
             <a:spLocks noGrp="1"/>
           </p:cNvSpPr>
@@ -509,8 +483,8 @@
         </p:nvSpPr>
         <p:spPr>
           <a:xfrm>
-            <a:off x="504000" y="5086080"/>
-            <a:ext cx="2920680" cy="1751400"/>
+            <a:off x="504000" y="4058640"/>
+            <a:ext cx="2921040" cy="2090880"/>
           </a:xfrm>
           <a:prstGeom prst="rect">
             <a:avLst/>
@@ -521,18 +495,15 @@
             <a:normAutofit/>
           </a:bodyPr>
           <a:p>
-            <a:endParaRPr b="0" lang="en-US" sz="4200" spc="-1" strike="noStrike">
-              <a:solidFill>
-                <a:srgbClr val="ffffff"/>
-              </a:solidFill>
-              <a:latin typeface="Arial"/>
-            </a:endParaRPr>
-          </a:p>
-        </p:txBody>
-      </p:sp>
-      <p:sp>
-        <p:nvSpPr>
-          <p:cNvPr id="39" name="PlaceHolder 6"/>
+            <a:endParaRPr b="0" lang="en-US" sz="3200" spc="-1" strike="noStrike">
+              <a:latin typeface="Arial"/>
+            </a:endParaRPr>
+          </a:p>
+        </p:txBody>
+      </p:sp>
+      <p:sp>
+        <p:nvSpPr>
+          <p:cNvPr id="36" name="PlaceHolder 6"/>
           <p:cNvSpPr>
             <a:spLocks noGrp="1"/>
           </p:cNvSpPr>
@@ -542,8 +513,8 @@
         </p:nvSpPr>
         <p:spPr>
           <a:xfrm>
-            <a:off x="3571200" y="5086080"/>
-            <a:ext cx="2920680" cy="1751400"/>
+            <a:off x="3571560" y="4058640"/>
+            <a:ext cx="2921040" cy="2090880"/>
           </a:xfrm>
           <a:prstGeom prst="rect">
             <a:avLst/>
@@ -554,18 +525,15 @@
             <a:normAutofit/>
           </a:bodyPr>
           <a:p>
-            <a:endParaRPr b="0" lang="en-US" sz="4200" spc="-1" strike="noStrike">
-              <a:solidFill>
-                <a:srgbClr val="ffffff"/>
-              </a:solidFill>
-              <a:latin typeface="Arial"/>
-            </a:endParaRPr>
-          </a:p>
-        </p:txBody>
-      </p:sp>
-      <p:sp>
-        <p:nvSpPr>
-          <p:cNvPr id="40" name="PlaceHolder 7"/>
+            <a:endParaRPr b="0" lang="en-US" sz="3200" spc="-1" strike="noStrike">
+              <a:latin typeface="Arial"/>
+            </a:endParaRPr>
+          </a:p>
+        </p:txBody>
+      </p:sp>
+      <p:sp>
+        <p:nvSpPr>
+          <p:cNvPr id="37" name="PlaceHolder 7"/>
           <p:cNvSpPr>
             <a:spLocks noGrp="1"/>
           </p:cNvSpPr>
@@ -575,8 +543,8 @@
         </p:nvSpPr>
         <p:spPr>
           <a:xfrm>
-            <a:off x="6638040" y="5086080"/>
-            <a:ext cx="2920680" cy="1751400"/>
+            <a:off x="6639120" y="4058640"/>
+            <a:ext cx="2921040" cy="2090880"/>
           </a:xfrm>
           <a:prstGeom prst="rect">
             <a:avLst/>
@@ -587,10 +555,7 @@
             <a:normAutofit/>
           </a:bodyPr>
           <a:p>
-            <a:endParaRPr b="0" lang="en-US" sz="4200" spc="-1" strike="noStrike">
-              <a:solidFill>
-                <a:srgbClr val="ffffff"/>
-              </a:solidFill>
+            <a:endParaRPr b="0" lang="en-US" sz="3200" spc="-1" strike="noStrike">
               <a:latin typeface="Arial"/>
             </a:endParaRPr>
           </a:p>
@@ -642,7 +607,7 @@
       </p:grpSpPr>
       <p:sp>
         <p:nvSpPr>
-          <p:cNvPr id="46" name="PlaceHolder 1"/>
+          <p:cNvPr id="40" name="PlaceHolder 1"/>
           <p:cNvSpPr>
             <a:spLocks noGrp="1"/>
           </p:cNvSpPr>
@@ -652,8 +617,8 @@
         </p:nvSpPr>
         <p:spPr>
           <a:xfrm>
-            <a:off x="504000" y="1080000"/>
-            <a:ext cx="9071640" cy="1728000"/>
+            <a:off x="504000" y="301320"/>
+            <a:ext cx="9072000" cy="1261800"/>
           </a:xfrm>
           <a:prstGeom prst="rect">
             <a:avLst/>
@@ -665,18 +630,15 @@
           </a:bodyPr>
           <a:p>
             <a:pPr algn="ctr"/>
-            <a:endParaRPr b="0" lang="en-US" sz="5860" spc="-1" strike="noStrike">
-              <a:solidFill>
-                <a:srgbClr val="ffffff"/>
-              </a:solidFill>
-              <a:latin typeface="Arial"/>
-            </a:endParaRPr>
-          </a:p>
-        </p:txBody>
-      </p:sp>
-      <p:sp>
-        <p:nvSpPr>
-          <p:cNvPr id="47" name="PlaceHolder 2"/>
+            <a:endParaRPr b="0" lang="en-US" sz="4400" spc="-1" strike="noStrike">
+              <a:latin typeface="Arial"/>
+            </a:endParaRPr>
+          </a:p>
+        </p:txBody>
+      </p:sp>
+      <p:sp>
+        <p:nvSpPr>
+          <p:cNvPr id="41" name="PlaceHolder 2"/>
           <p:cNvSpPr>
             <a:spLocks noGrp="1"/>
           </p:cNvSpPr>
@@ -686,8 +648,8 @@
         </p:nvSpPr>
         <p:spPr>
           <a:xfrm>
-            <a:off x="504000" y="3168000"/>
-            <a:ext cx="9071640" cy="3672000"/>
+            <a:off x="504000" y="1768680"/>
+            <a:ext cx="9072000" cy="4384080"/>
           </a:xfrm>
           <a:prstGeom prst="rect">
             <a:avLst/>
@@ -700,9 +662,6 @@
           <a:p>
             <a:pPr algn="ctr"/>
             <a:endParaRPr b="0" lang="en-US" sz="3200" spc="-1" strike="noStrike">
-              <a:solidFill>
-                <a:srgbClr val="ffffff"/>
-              </a:solidFill>
               <a:latin typeface="Arial"/>
             </a:endParaRPr>
           </a:p>
@@ -732,7 +691,7 @@
       </p:grpSpPr>
       <p:sp>
         <p:nvSpPr>
-          <p:cNvPr id="48" name="PlaceHolder 1"/>
+          <p:cNvPr id="42" name="PlaceHolder 1"/>
           <p:cNvSpPr>
             <a:spLocks noGrp="1"/>
           </p:cNvSpPr>
@@ -742,8 +701,8 @@
         </p:nvSpPr>
         <p:spPr>
           <a:xfrm>
-            <a:off x="504000" y="1080000"/>
-            <a:ext cx="9071640" cy="1728000"/>
+            <a:off x="504000" y="301320"/>
+            <a:ext cx="9072000" cy="1261800"/>
           </a:xfrm>
           <a:prstGeom prst="rect">
             <a:avLst/>
@@ -755,18 +714,15 @@
           </a:bodyPr>
           <a:p>
             <a:pPr algn="ctr"/>
-            <a:endParaRPr b="0" lang="en-US" sz="5860" spc="-1" strike="noStrike">
-              <a:solidFill>
-                <a:srgbClr val="ffffff"/>
-              </a:solidFill>
-              <a:latin typeface="Arial"/>
-            </a:endParaRPr>
-          </a:p>
-        </p:txBody>
-      </p:sp>
-      <p:sp>
-        <p:nvSpPr>
-          <p:cNvPr id="49" name="PlaceHolder 2"/>
+            <a:endParaRPr b="0" lang="en-US" sz="4400" spc="-1" strike="noStrike">
+              <a:latin typeface="Arial"/>
+            </a:endParaRPr>
+          </a:p>
+        </p:txBody>
+      </p:sp>
+      <p:sp>
+        <p:nvSpPr>
+          <p:cNvPr id="43" name="PlaceHolder 2"/>
           <p:cNvSpPr>
             <a:spLocks noGrp="1"/>
           </p:cNvSpPr>
@@ -776,8 +732,8 @@
         </p:nvSpPr>
         <p:spPr>
           <a:xfrm>
-            <a:off x="504000" y="3168000"/>
-            <a:ext cx="9071640" cy="3672000"/>
+            <a:off x="504000" y="1768680"/>
+            <a:ext cx="9072000" cy="4384080"/>
           </a:xfrm>
           <a:prstGeom prst="rect">
             <a:avLst/>
@@ -788,10 +744,7 @@
             <a:normAutofit/>
           </a:bodyPr>
           <a:p>
-            <a:endParaRPr b="0" lang="en-US" sz="4200" spc="-1" strike="noStrike">
-              <a:solidFill>
-                <a:srgbClr val="ffffff"/>
-              </a:solidFill>
+            <a:endParaRPr b="0" lang="en-US" sz="3200" spc="-1" strike="noStrike">
               <a:latin typeface="Arial"/>
             </a:endParaRPr>
           </a:p>
@@ -821,7 +774,7 @@
       </p:grpSpPr>
       <p:sp>
         <p:nvSpPr>
-          <p:cNvPr id="50" name="PlaceHolder 1"/>
+          <p:cNvPr id="44" name="PlaceHolder 1"/>
           <p:cNvSpPr>
             <a:spLocks noGrp="1"/>
           </p:cNvSpPr>
@@ -831,8 +784,8 @@
         </p:nvSpPr>
         <p:spPr>
           <a:xfrm>
-            <a:off x="504000" y="1080000"/>
-            <a:ext cx="9071640" cy="1728000"/>
+            <a:off x="504000" y="301320"/>
+            <a:ext cx="9072000" cy="1261800"/>
           </a:xfrm>
           <a:prstGeom prst="rect">
             <a:avLst/>
@@ -844,18 +797,15 @@
           </a:bodyPr>
           <a:p>
             <a:pPr algn="ctr"/>
-            <a:endParaRPr b="0" lang="en-US" sz="5860" spc="-1" strike="noStrike">
-              <a:solidFill>
-                <a:srgbClr val="ffffff"/>
-              </a:solidFill>
-              <a:latin typeface="Arial"/>
-            </a:endParaRPr>
-          </a:p>
-        </p:txBody>
-      </p:sp>
-      <p:sp>
-        <p:nvSpPr>
-          <p:cNvPr id="51" name="PlaceHolder 2"/>
+            <a:endParaRPr b="0" lang="en-US" sz="4400" spc="-1" strike="noStrike">
+              <a:latin typeface="Arial"/>
+            </a:endParaRPr>
+          </a:p>
+        </p:txBody>
+      </p:sp>
+      <p:sp>
+        <p:nvSpPr>
+          <p:cNvPr id="45" name="PlaceHolder 2"/>
           <p:cNvSpPr>
             <a:spLocks noGrp="1"/>
           </p:cNvSpPr>
@@ -865,8 +815,8 @@
         </p:nvSpPr>
         <p:spPr>
           <a:xfrm>
-            <a:off x="504000" y="3168000"/>
-            <a:ext cx="4426920" cy="3672000"/>
+            <a:off x="504000" y="1768680"/>
+            <a:ext cx="4426920" cy="4384080"/>
           </a:xfrm>
           <a:prstGeom prst="rect">
             <a:avLst/>
@@ -877,18 +827,15 @@
             <a:normAutofit/>
           </a:bodyPr>
           <a:p>
-            <a:endParaRPr b="0" lang="en-US" sz="4200" spc="-1" strike="noStrike">
-              <a:solidFill>
-                <a:srgbClr val="ffffff"/>
-              </a:solidFill>
-              <a:latin typeface="Arial"/>
-            </a:endParaRPr>
-          </a:p>
-        </p:txBody>
-      </p:sp>
-      <p:sp>
-        <p:nvSpPr>
-          <p:cNvPr id="52" name="PlaceHolder 3"/>
+            <a:endParaRPr b="0" lang="en-US" sz="3200" spc="-1" strike="noStrike">
+              <a:latin typeface="Arial"/>
+            </a:endParaRPr>
+          </a:p>
+        </p:txBody>
+      </p:sp>
+      <p:sp>
+        <p:nvSpPr>
+          <p:cNvPr id="46" name="PlaceHolder 3"/>
           <p:cNvSpPr>
             <a:spLocks noGrp="1"/>
           </p:cNvSpPr>
@@ -898,8 +845,8 @@
         </p:nvSpPr>
         <p:spPr>
           <a:xfrm>
-            <a:off x="5152680" y="3168000"/>
-            <a:ext cx="4426920" cy="3672000"/>
+            <a:off x="5152680" y="1768680"/>
+            <a:ext cx="4426920" cy="4384080"/>
           </a:xfrm>
           <a:prstGeom prst="rect">
             <a:avLst/>
@@ -910,10 +857,7 @@
             <a:normAutofit/>
           </a:bodyPr>
           <a:p>
-            <a:endParaRPr b="0" lang="en-US" sz="4200" spc="-1" strike="noStrike">
-              <a:solidFill>
-                <a:srgbClr val="ffffff"/>
-              </a:solidFill>
+            <a:endParaRPr b="0" lang="en-US" sz="3200" spc="-1" strike="noStrike">
               <a:latin typeface="Arial"/>
             </a:endParaRPr>
           </a:p>
@@ -943,7 +887,7 @@
       </p:grpSpPr>
       <p:sp>
         <p:nvSpPr>
-          <p:cNvPr id="53" name="PlaceHolder 1"/>
+          <p:cNvPr id="47" name="PlaceHolder 1"/>
           <p:cNvSpPr>
             <a:spLocks noGrp="1"/>
           </p:cNvSpPr>
@@ -953,8 +897,8 @@
         </p:nvSpPr>
         <p:spPr>
           <a:xfrm>
-            <a:off x="504000" y="1080000"/>
-            <a:ext cx="9071640" cy="1728000"/>
+            <a:off x="504000" y="301320"/>
+            <a:ext cx="9072000" cy="1261800"/>
           </a:xfrm>
           <a:prstGeom prst="rect">
             <a:avLst/>
@@ -966,10 +910,7 @@
           </a:bodyPr>
           <a:p>
             <a:pPr algn="ctr"/>
-            <a:endParaRPr b="0" lang="en-US" sz="5860" spc="-1" strike="noStrike">
-              <a:solidFill>
-                <a:srgbClr val="ffffff"/>
-              </a:solidFill>
+            <a:endParaRPr b="0" lang="en-US" sz="4400" spc="-1" strike="noStrike">
               <a:latin typeface="Arial"/>
             </a:endParaRPr>
           </a:p>
@@ -999,7 +940,7 @@
       </p:grpSpPr>
       <p:sp>
         <p:nvSpPr>
-          <p:cNvPr id="54" name="PlaceHolder 1"/>
+          <p:cNvPr id="48" name="PlaceHolder 1"/>
           <p:cNvSpPr>
             <a:spLocks noGrp="1"/>
           </p:cNvSpPr>
@@ -1009,8 +950,8 @@
         </p:nvSpPr>
         <p:spPr>
           <a:xfrm>
-            <a:off x="504000" y="1080000"/>
-            <a:ext cx="9071640" cy="8011440"/>
+            <a:off x="504000" y="301320"/>
+            <a:ext cx="9072000" cy="5850360"/>
           </a:xfrm>
           <a:prstGeom prst="rect">
             <a:avLst/>
@@ -1023,9 +964,6 @@
           <a:p>
             <a:pPr algn="ctr"/>
             <a:endParaRPr b="0" lang="en-US" sz="3200" spc="-1" strike="noStrike">
-              <a:solidFill>
-                <a:srgbClr val="ffffff"/>
-              </a:solidFill>
               <a:latin typeface="Arial"/>
             </a:endParaRPr>
           </a:p>
@@ -1055,7 +993,7 @@
       </p:grpSpPr>
       <p:sp>
         <p:nvSpPr>
-          <p:cNvPr id="55" name="PlaceHolder 1"/>
+          <p:cNvPr id="49" name="PlaceHolder 1"/>
           <p:cNvSpPr>
             <a:spLocks noGrp="1"/>
           </p:cNvSpPr>
@@ -1065,8 +1003,8 @@
         </p:nvSpPr>
         <p:spPr>
           <a:xfrm>
-            <a:off x="504000" y="1080000"/>
-            <a:ext cx="9071640" cy="1728000"/>
+            <a:off x="504000" y="301320"/>
+            <a:ext cx="9072000" cy="1261800"/>
           </a:xfrm>
           <a:prstGeom prst="rect">
             <a:avLst/>
@@ -1078,18 +1016,15 @@
           </a:bodyPr>
           <a:p>
             <a:pPr algn="ctr"/>
-            <a:endParaRPr b="0" lang="en-US" sz="5860" spc="-1" strike="noStrike">
-              <a:solidFill>
-                <a:srgbClr val="ffffff"/>
-              </a:solidFill>
-              <a:latin typeface="Arial"/>
-            </a:endParaRPr>
-          </a:p>
-        </p:txBody>
-      </p:sp>
-      <p:sp>
-        <p:nvSpPr>
-          <p:cNvPr id="56" name="PlaceHolder 2"/>
+            <a:endParaRPr b="0" lang="en-US" sz="4400" spc="-1" strike="noStrike">
+              <a:latin typeface="Arial"/>
+            </a:endParaRPr>
+          </a:p>
+        </p:txBody>
+      </p:sp>
+      <p:sp>
+        <p:nvSpPr>
+          <p:cNvPr id="50" name="PlaceHolder 2"/>
           <p:cNvSpPr>
             <a:spLocks noGrp="1"/>
           </p:cNvSpPr>
@@ -1099,8 +1034,8 @@
         </p:nvSpPr>
         <p:spPr>
           <a:xfrm>
-            <a:off x="504000" y="3168000"/>
-            <a:ext cx="4426920" cy="1751400"/>
+            <a:off x="504000" y="1768680"/>
+            <a:ext cx="4426920" cy="2090880"/>
           </a:xfrm>
           <a:prstGeom prst="rect">
             <a:avLst/>
@@ -1111,18 +1046,15 @@
             <a:normAutofit/>
           </a:bodyPr>
           <a:p>
-            <a:endParaRPr b="0" lang="en-US" sz="4200" spc="-1" strike="noStrike">
-              <a:solidFill>
-                <a:srgbClr val="ffffff"/>
-              </a:solidFill>
-              <a:latin typeface="Arial"/>
-            </a:endParaRPr>
-          </a:p>
-        </p:txBody>
-      </p:sp>
-      <p:sp>
-        <p:nvSpPr>
-          <p:cNvPr id="57" name="PlaceHolder 3"/>
+            <a:endParaRPr b="0" lang="en-US" sz="3200" spc="-1" strike="noStrike">
+              <a:latin typeface="Arial"/>
+            </a:endParaRPr>
+          </a:p>
+        </p:txBody>
+      </p:sp>
+      <p:sp>
+        <p:nvSpPr>
+          <p:cNvPr id="51" name="PlaceHolder 3"/>
           <p:cNvSpPr>
             <a:spLocks noGrp="1"/>
           </p:cNvSpPr>
@@ -1132,8 +1064,8 @@
         </p:nvSpPr>
         <p:spPr>
           <a:xfrm>
-            <a:off x="5152680" y="3168000"/>
-            <a:ext cx="4426920" cy="3672000"/>
+            <a:off x="5152680" y="1768680"/>
+            <a:ext cx="4426920" cy="4384080"/>
           </a:xfrm>
           <a:prstGeom prst="rect">
             <a:avLst/>
@@ -1144,18 +1076,15 @@
             <a:normAutofit/>
           </a:bodyPr>
           <a:p>
-            <a:endParaRPr b="0" lang="en-US" sz="4200" spc="-1" strike="noStrike">
-              <a:solidFill>
-                <a:srgbClr val="ffffff"/>
-              </a:solidFill>
-              <a:latin typeface="Arial"/>
-            </a:endParaRPr>
-          </a:p>
-        </p:txBody>
-      </p:sp>
-      <p:sp>
-        <p:nvSpPr>
-          <p:cNvPr id="58" name="PlaceHolder 4"/>
+            <a:endParaRPr b="0" lang="en-US" sz="3200" spc="-1" strike="noStrike">
+              <a:latin typeface="Arial"/>
+            </a:endParaRPr>
+          </a:p>
+        </p:txBody>
+      </p:sp>
+      <p:sp>
+        <p:nvSpPr>
+          <p:cNvPr id="52" name="PlaceHolder 4"/>
           <p:cNvSpPr>
             <a:spLocks noGrp="1"/>
           </p:cNvSpPr>
@@ -1165,8 +1094,8 @@
         </p:nvSpPr>
         <p:spPr>
           <a:xfrm>
-            <a:off x="504000" y="5086080"/>
-            <a:ext cx="4426920" cy="1751400"/>
+            <a:off x="504000" y="4058640"/>
+            <a:ext cx="4426920" cy="2090880"/>
           </a:xfrm>
           <a:prstGeom prst="rect">
             <a:avLst/>
@@ -1177,10 +1106,7 @@
             <a:normAutofit/>
           </a:bodyPr>
           <a:p>
-            <a:endParaRPr b="0" lang="en-US" sz="4200" spc="-1" strike="noStrike">
-              <a:solidFill>
-                <a:srgbClr val="ffffff"/>
-              </a:solidFill>
+            <a:endParaRPr b="0" lang="en-US" sz="3200" spc="-1" strike="noStrike">
               <a:latin typeface="Arial"/>
             </a:endParaRPr>
           </a:p>
@@ -1210,7 +1136,7 @@
       </p:grpSpPr>
       <p:sp>
         <p:nvSpPr>
-          <p:cNvPr id="5" name="PlaceHolder 1"/>
+          <p:cNvPr id="2" name="PlaceHolder 1"/>
           <p:cNvSpPr>
             <a:spLocks noGrp="1"/>
           </p:cNvSpPr>
@@ -1220,8 +1146,8 @@
         </p:nvSpPr>
         <p:spPr>
           <a:xfrm>
-            <a:off x="504000" y="1080000"/>
-            <a:ext cx="9071640" cy="1728000"/>
+            <a:off x="504000" y="301320"/>
+            <a:ext cx="9072000" cy="1261800"/>
           </a:xfrm>
           <a:prstGeom prst="rect">
             <a:avLst/>
@@ -1233,18 +1159,15 @@
           </a:bodyPr>
           <a:p>
             <a:pPr algn="ctr"/>
-            <a:endParaRPr b="0" lang="en-US" sz="5860" spc="-1" strike="noStrike">
-              <a:solidFill>
-                <a:srgbClr val="ffffff"/>
-              </a:solidFill>
-              <a:latin typeface="Arial"/>
-            </a:endParaRPr>
-          </a:p>
-        </p:txBody>
-      </p:sp>
-      <p:sp>
-        <p:nvSpPr>
-          <p:cNvPr id="6" name="PlaceHolder 2"/>
+            <a:endParaRPr b="0" lang="en-US" sz="4400" spc="-1" strike="noStrike">
+              <a:latin typeface="Arial"/>
+            </a:endParaRPr>
+          </a:p>
+        </p:txBody>
+      </p:sp>
+      <p:sp>
+        <p:nvSpPr>
+          <p:cNvPr id="3" name="PlaceHolder 2"/>
           <p:cNvSpPr>
             <a:spLocks noGrp="1"/>
           </p:cNvSpPr>
@@ -1254,8 +1177,8 @@
         </p:nvSpPr>
         <p:spPr>
           <a:xfrm>
-            <a:off x="504000" y="3168000"/>
-            <a:ext cx="9071640" cy="3672000"/>
+            <a:off x="504000" y="1768680"/>
+            <a:ext cx="9072000" cy="4384080"/>
           </a:xfrm>
           <a:prstGeom prst="rect">
             <a:avLst/>
@@ -1268,9 +1191,6 @@
           <a:p>
             <a:pPr algn="ctr"/>
             <a:endParaRPr b="0" lang="en-US" sz="3200" spc="-1" strike="noStrike">
-              <a:solidFill>
-                <a:srgbClr val="ffffff"/>
-              </a:solidFill>
               <a:latin typeface="Arial"/>
             </a:endParaRPr>
           </a:p>
@@ -1300,7 +1220,7 @@
       </p:grpSpPr>
       <p:sp>
         <p:nvSpPr>
-          <p:cNvPr id="59" name="PlaceHolder 1"/>
+          <p:cNvPr id="53" name="PlaceHolder 1"/>
           <p:cNvSpPr>
             <a:spLocks noGrp="1"/>
           </p:cNvSpPr>
@@ -1310,8 +1230,8 @@
         </p:nvSpPr>
         <p:spPr>
           <a:xfrm>
-            <a:off x="504000" y="1080000"/>
-            <a:ext cx="9071640" cy="1728000"/>
+            <a:off x="504000" y="301320"/>
+            <a:ext cx="9072000" cy="1261800"/>
           </a:xfrm>
           <a:prstGeom prst="rect">
             <a:avLst/>
@@ -1323,18 +1243,15 @@
           </a:bodyPr>
           <a:p>
             <a:pPr algn="ctr"/>
-            <a:endParaRPr b="0" lang="en-US" sz="5860" spc="-1" strike="noStrike">
-              <a:solidFill>
-                <a:srgbClr val="ffffff"/>
-              </a:solidFill>
-              <a:latin typeface="Arial"/>
-            </a:endParaRPr>
-          </a:p>
-        </p:txBody>
-      </p:sp>
-      <p:sp>
-        <p:nvSpPr>
-          <p:cNvPr id="60" name="PlaceHolder 2"/>
+            <a:endParaRPr b="0" lang="en-US" sz="4400" spc="-1" strike="noStrike">
+              <a:latin typeface="Arial"/>
+            </a:endParaRPr>
+          </a:p>
+        </p:txBody>
+      </p:sp>
+      <p:sp>
+        <p:nvSpPr>
+          <p:cNvPr id="54" name="PlaceHolder 2"/>
           <p:cNvSpPr>
             <a:spLocks noGrp="1"/>
           </p:cNvSpPr>
@@ -1344,8 +1261,8 @@
         </p:nvSpPr>
         <p:spPr>
           <a:xfrm>
-            <a:off x="504000" y="3168000"/>
-            <a:ext cx="4426920" cy="3672000"/>
+            <a:off x="504000" y="1768680"/>
+            <a:ext cx="4426920" cy="4384080"/>
           </a:xfrm>
           <a:prstGeom prst="rect">
             <a:avLst/>
@@ -1356,18 +1273,15 @@
             <a:normAutofit/>
           </a:bodyPr>
           <a:p>
-            <a:endParaRPr b="0" lang="en-US" sz="4200" spc="-1" strike="noStrike">
-              <a:solidFill>
-                <a:srgbClr val="ffffff"/>
-              </a:solidFill>
-              <a:latin typeface="Arial"/>
-            </a:endParaRPr>
-          </a:p>
-        </p:txBody>
-      </p:sp>
-      <p:sp>
-        <p:nvSpPr>
-          <p:cNvPr id="61" name="PlaceHolder 3"/>
+            <a:endParaRPr b="0" lang="en-US" sz="3200" spc="-1" strike="noStrike">
+              <a:latin typeface="Arial"/>
+            </a:endParaRPr>
+          </a:p>
+        </p:txBody>
+      </p:sp>
+      <p:sp>
+        <p:nvSpPr>
+          <p:cNvPr id="55" name="PlaceHolder 3"/>
           <p:cNvSpPr>
             <a:spLocks noGrp="1"/>
           </p:cNvSpPr>
@@ -1377,8 +1291,8 @@
         </p:nvSpPr>
         <p:spPr>
           <a:xfrm>
-            <a:off x="5152680" y="3168000"/>
-            <a:ext cx="4426920" cy="1751400"/>
+            <a:off x="5152680" y="1768680"/>
+            <a:ext cx="4426920" cy="2090880"/>
           </a:xfrm>
           <a:prstGeom prst="rect">
             <a:avLst/>
@@ -1389,18 +1303,15 @@
             <a:normAutofit/>
           </a:bodyPr>
           <a:p>
-            <a:endParaRPr b="0" lang="en-US" sz="4200" spc="-1" strike="noStrike">
-              <a:solidFill>
-                <a:srgbClr val="ffffff"/>
-              </a:solidFill>
-              <a:latin typeface="Arial"/>
-            </a:endParaRPr>
-          </a:p>
-        </p:txBody>
-      </p:sp>
-      <p:sp>
-        <p:nvSpPr>
-          <p:cNvPr id="62" name="PlaceHolder 4"/>
+            <a:endParaRPr b="0" lang="en-US" sz="3200" spc="-1" strike="noStrike">
+              <a:latin typeface="Arial"/>
+            </a:endParaRPr>
+          </a:p>
+        </p:txBody>
+      </p:sp>
+      <p:sp>
+        <p:nvSpPr>
+          <p:cNvPr id="56" name="PlaceHolder 4"/>
           <p:cNvSpPr>
             <a:spLocks noGrp="1"/>
           </p:cNvSpPr>
@@ -1410,8 +1321,8 @@
         </p:nvSpPr>
         <p:spPr>
           <a:xfrm>
-            <a:off x="5152680" y="5086080"/>
-            <a:ext cx="4426920" cy="1751400"/>
+            <a:off x="5152680" y="4058640"/>
+            <a:ext cx="4426920" cy="2090880"/>
           </a:xfrm>
           <a:prstGeom prst="rect">
             <a:avLst/>
@@ -1422,10 +1333,7 @@
             <a:normAutofit/>
           </a:bodyPr>
           <a:p>
-            <a:endParaRPr b="0" lang="en-US" sz="4200" spc="-1" strike="noStrike">
-              <a:solidFill>
-                <a:srgbClr val="ffffff"/>
-              </a:solidFill>
+            <a:endParaRPr b="0" lang="en-US" sz="3200" spc="-1" strike="noStrike">
               <a:latin typeface="Arial"/>
             </a:endParaRPr>
           </a:p>
@@ -1455,7 +1363,7 @@
       </p:grpSpPr>
       <p:sp>
         <p:nvSpPr>
-          <p:cNvPr id="63" name="PlaceHolder 1"/>
+          <p:cNvPr id="57" name="PlaceHolder 1"/>
           <p:cNvSpPr>
             <a:spLocks noGrp="1"/>
           </p:cNvSpPr>
@@ -1465,8 +1373,8 @@
         </p:nvSpPr>
         <p:spPr>
           <a:xfrm>
-            <a:off x="504000" y="1080000"/>
-            <a:ext cx="9071640" cy="1728000"/>
+            <a:off x="504000" y="301320"/>
+            <a:ext cx="9072000" cy="1261800"/>
           </a:xfrm>
           <a:prstGeom prst="rect">
             <a:avLst/>
@@ -1478,18 +1386,15 @@
           </a:bodyPr>
           <a:p>
             <a:pPr algn="ctr"/>
-            <a:endParaRPr b="0" lang="en-US" sz="5860" spc="-1" strike="noStrike">
-              <a:solidFill>
-                <a:srgbClr val="ffffff"/>
-              </a:solidFill>
-              <a:latin typeface="Arial"/>
-            </a:endParaRPr>
-          </a:p>
-        </p:txBody>
-      </p:sp>
-      <p:sp>
-        <p:nvSpPr>
-          <p:cNvPr id="64" name="PlaceHolder 2"/>
+            <a:endParaRPr b="0" lang="en-US" sz="4400" spc="-1" strike="noStrike">
+              <a:latin typeface="Arial"/>
+            </a:endParaRPr>
+          </a:p>
+        </p:txBody>
+      </p:sp>
+      <p:sp>
+        <p:nvSpPr>
+          <p:cNvPr id="58" name="PlaceHolder 2"/>
           <p:cNvSpPr>
             <a:spLocks noGrp="1"/>
           </p:cNvSpPr>
@@ -1499,8 +1404,8 @@
         </p:nvSpPr>
         <p:spPr>
           <a:xfrm>
-            <a:off x="504000" y="3168000"/>
-            <a:ext cx="4426920" cy="1751400"/>
+            <a:off x="504000" y="1768680"/>
+            <a:ext cx="4426920" cy="2090880"/>
           </a:xfrm>
           <a:prstGeom prst="rect">
             <a:avLst/>
@@ -1511,18 +1416,15 @@
             <a:normAutofit/>
           </a:bodyPr>
           <a:p>
-            <a:endParaRPr b="0" lang="en-US" sz="4200" spc="-1" strike="noStrike">
-              <a:solidFill>
-                <a:srgbClr val="ffffff"/>
-              </a:solidFill>
-              <a:latin typeface="Arial"/>
-            </a:endParaRPr>
-          </a:p>
-        </p:txBody>
-      </p:sp>
-      <p:sp>
-        <p:nvSpPr>
-          <p:cNvPr id="65" name="PlaceHolder 3"/>
+            <a:endParaRPr b="0" lang="en-US" sz="3200" spc="-1" strike="noStrike">
+              <a:latin typeface="Arial"/>
+            </a:endParaRPr>
+          </a:p>
+        </p:txBody>
+      </p:sp>
+      <p:sp>
+        <p:nvSpPr>
+          <p:cNvPr id="59" name="PlaceHolder 3"/>
           <p:cNvSpPr>
             <a:spLocks noGrp="1"/>
           </p:cNvSpPr>
@@ -1532,8 +1434,8 @@
         </p:nvSpPr>
         <p:spPr>
           <a:xfrm>
-            <a:off x="5152680" y="3168000"/>
-            <a:ext cx="4426920" cy="1751400"/>
+            <a:off x="5152680" y="1768680"/>
+            <a:ext cx="4426920" cy="2090880"/>
           </a:xfrm>
           <a:prstGeom prst="rect">
             <a:avLst/>
@@ -1544,18 +1446,15 @@
             <a:normAutofit/>
           </a:bodyPr>
           <a:p>
-            <a:endParaRPr b="0" lang="en-US" sz="4200" spc="-1" strike="noStrike">
-              <a:solidFill>
-                <a:srgbClr val="ffffff"/>
-              </a:solidFill>
-              <a:latin typeface="Arial"/>
-            </a:endParaRPr>
-          </a:p>
-        </p:txBody>
-      </p:sp>
-      <p:sp>
-        <p:nvSpPr>
-          <p:cNvPr id="66" name="PlaceHolder 4"/>
+            <a:endParaRPr b="0" lang="en-US" sz="3200" spc="-1" strike="noStrike">
+              <a:latin typeface="Arial"/>
+            </a:endParaRPr>
+          </a:p>
+        </p:txBody>
+      </p:sp>
+      <p:sp>
+        <p:nvSpPr>
+          <p:cNvPr id="60" name="PlaceHolder 4"/>
           <p:cNvSpPr>
             <a:spLocks noGrp="1"/>
           </p:cNvSpPr>
@@ -1565,8 +1464,8 @@
         </p:nvSpPr>
         <p:spPr>
           <a:xfrm>
-            <a:off x="504000" y="5086080"/>
-            <a:ext cx="9071640" cy="1751400"/>
+            <a:off x="504000" y="4058640"/>
+            <a:ext cx="9072000" cy="2090880"/>
           </a:xfrm>
           <a:prstGeom prst="rect">
             <a:avLst/>
@@ -1577,10 +1476,7 @@
             <a:normAutofit/>
           </a:bodyPr>
           <a:p>
-            <a:endParaRPr b="0" lang="en-US" sz="4200" spc="-1" strike="noStrike">
-              <a:solidFill>
-                <a:srgbClr val="ffffff"/>
-              </a:solidFill>
+            <a:endParaRPr b="0" lang="en-US" sz="3200" spc="-1" strike="noStrike">
               <a:latin typeface="Arial"/>
             </a:endParaRPr>
           </a:p>
@@ -1610,7 +1506,7 @@
       </p:grpSpPr>
       <p:sp>
         <p:nvSpPr>
-          <p:cNvPr id="67" name="PlaceHolder 1"/>
+          <p:cNvPr id="61" name="PlaceHolder 1"/>
           <p:cNvSpPr>
             <a:spLocks noGrp="1"/>
           </p:cNvSpPr>
@@ -1620,8 +1516,8 @@
         </p:nvSpPr>
         <p:spPr>
           <a:xfrm>
-            <a:off x="504000" y="1080000"/>
-            <a:ext cx="9071640" cy="1728000"/>
+            <a:off x="504000" y="301320"/>
+            <a:ext cx="9072000" cy="1261800"/>
           </a:xfrm>
           <a:prstGeom prst="rect">
             <a:avLst/>
@@ -1633,18 +1529,15 @@
           </a:bodyPr>
           <a:p>
             <a:pPr algn="ctr"/>
-            <a:endParaRPr b="0" lang="en-US" sz="5860" spc="-1" strike="noStrike">
-              <a:solidFill>
-                <a:srgbClr val="ffffff"/>
-              </a:solidFill>
-              <a:latin typeface="Arial"/>
-            </a:endParaRPr>
-          </a:p>
-        </p:txBody>
-      </p:sp>
-      <p:sp>
-        <p:nvSpPr>
-          <p:cNvPr id="68" name="PlaceHolder 2"/>
+            <a:endParaRPr b="0" lang="en-US" sz="4400" spc="-1" strike="noStrike">
+              <a:latin typeface="Arial"/>
+            </a:endParaRPr>
+          </a:p>
+        </p:txBody>
+      </p:sp>
+      <p:sp>
+        <p:nvSpPr>
+          <p:cNvPr id="62" name="PlaceHolder 2"/>
           <p:cNvSpPr>
             <a:spLocks noGrp="1"/>
           </p:cNvSpPr>
@@ -1654,8 +1547,8 @@
         </p:nvSpPr>
         <p:spPr>
           <a:xfrm>
-            <a:off x="504000" y="3168000"/>
-            <a:ext cx="9071640" cy="1751400"/>
+            <a:off x="504000" y="1768680"/>
+            <a:ext cx="9072000" cy="2090880"/>
           </a:xfrm>
           <a:prstGeom prst="rect">
             <a:avLst/>
@@ -1666,18 +1559,15 @@
             <a:normAutofit/>
           </a:bodyPr>
           <a:p>
-            <a:endParaRPr b="0" lang="en-US" sz="4200" spc="-1" strike="noStrike">
-              <a:solidFill>
-                <a:srgbClr val="ffffff"/>
-              </a:solidFill>
-              <a:latin typeface="Arial"/>
-            </a:endParaRPr>
-          </a:p>
-        </p:txBody>
-      </p:sp>
-      <p:sp>
-        <p:nvSpPr>
-          <p:cNvPr id="69" name="PlaceHolder 3"/>
+            <a:endParaRPr b="0" lang="en-US" sz="3200" spc="-1" strike="noStrike">
+              <a:latin typeface="Arial"/>
+            </a:endParaRPr>
+          </a:p>
+        </p:txBody>
+      </p:sp>
+      <p:sp>
+        <p:nvSpPr>
+          <p:cNvPr id="63" name="PlaceHolder 3"/>
           <p:cNvSpPr>
             <a:spLocks noGrp="1"/>
           </p:cNvSpPr>
@@ -1687,8 +1577,8 @@
         </p:nvSpPr>
         <p:spPr>
           <a:xfrm>
-            <a:off x="504000" y="5086080"/>
-            <a:ext cx="9071640" cy="1751400"/>
+            <a:off x="504000" y="4058640"/>
+            <a:ext cx="9072000" cy="2090880"/>
           </a:xfrm>
           <a:prstGeom prst="rect">
             <a:avLst/>
@@ -1699,10 +1589,7 @@
             <a:normAutofit/>
           </a:bodyPr>
           <a:p>
-            <a:endParaRPr b="0" lang="en-US" sz="4200" spc="-1" strike="noStrike">
-              <a:solidFill>
-                <a:srgbClr val="ffffff"/>
-              </a:solidFill>
+            <a:endParaRPr b="0" lang="en-US" sz="3200" spc="-1" strike="noStrike">
               <a:latin typeface="Arial"/>
             </a:endParaRPr>
           </a:p>
@@ -1732,7 +1619,7 @@
       </p:grpSpPr>
       <p:sp>
         <p:nvSpPr>
-          <p:cNvPr id="70" name="PlaceHolder 1"/>
+          <p:cNvPr id="64" name="PlaceHolder 1"/>
           <p:cNvSpPr>
             <a:spLocks noGrp="1"/>
           </p:cNvSpPr>
@@ -1742,8 +1629,8 @@
         </p:nvSpPr>
         <p:spPr>
           <a:xfrm>
-            <a:off x="504000" y="1080000"/>
-            <a:ext cx="9071640" cy="1728000"/>
+            <a:off x="504000" y="301320"/>
+            <a:ext cx="9072000" cy="1261800"/>
           </a:xfrm>
           <a:prstGeom prst="rect">
             <a:avLst/>
@@ -1755,18 +1642,15 @@
           </a:bodyPr>
           <a:p>
             <a:pPr algn="ctr"/>
-            <a:endParaRPr b="0" lang="en-US" sz="5860" spc="-1" strike="noStrike">
-              <a:solidFill>
-                <a:srgbClr val="ffffff"/>
-              </a:solidFill>
-              <a:latin typeface="Arial"/>
-            </a:endParaRPr>
-          </a:p>
-        </p:txBody>
-      </p:sp>
-      <p:sp>
-        <p:nvSpPr>
-          <p:cNvPr id="71" name="PlaceHolder 2"/>
+            <a:endParaRPr b="0" lang="en-US" sz="4400" spc="-1" strike="noStrike">
+              <a:latin typeface="Arial"/>
+            </a:endParaRPr>
+          </a:p>
+        </p:txBody>
+      </p:sp>
+      <p:sp>
+        <p:nvSpPr>
+          <p:cNvPr id="65" name="PlaceHolder 2"/>
           <p:cNvSpPr>
             <a:spLocks noGrp="1"/>
           </p:cNvSpPr>
@@ -1776,8 +1660,8 @@
         </p:nvSpPr>
         <p:spPr>
           <a:xfrm>
-            <a:off x="504000" y="3168000"/>
-            <a:ext cx="4426920" cy="1751400"/>
+            <a:off x="504000" y="1768680"/>
+            <a:ext cx="4426920" cy="2090880"/>
           </a:xfrm>
           <a:prstGeom prst="rect">
             <a:avLst/>
@@ -1788,18 +1672,15 @@
             <a:normAutofit/>
           </a:bodyPr>
           <a:p>
-            <a:endParaRPr b="0" lang="en-US" sz="4200" spc="-1" strike="noStrike">
-              <a:solidFill>
-                <a:srgbClr val="ffffff"/>
-              </a:solidFill>
-              <a:latin typeface="Arial"/>
-            </a:endParaRPr>
-          </a:p>
-        </p:txBody>
-      </p:sp>
-      <p:sp>
-        <p:nvSpPr>
-          <p:cNvPr id="72" name="PlaceHolder 3"/>
+            <a:endParaRPr b="0" lang="en-US" sz="3200" spc="-1" strike="noStrike">
+              <a:latin typeface="Arial"/>
+            </a:endParaRPr>
+          </a:p>
+        </p:txBody>
+      </p:sp>
+      <p:sp>
+        <p:nvSpPr>
+          <p:cNvPr id="66" name="PlaceHolder 3"/>
           <p:cNvSpPr>
             <a:spLocks noGrp="1"/>
           </p:cNvSpPr>
@@ -1809,8 +1690,8 @@
         </p:nvSpPr>
         <p:spPr>
           <a:xfrm>
-            <a:off x="5152680" y="3168000"/>
-            <a:ext cx="4426920" cy="1751400"/>
+            <a:off x="5152680" y="1768680"/>
+            <a:ext cx="4426920" cy="2090880"/>
           </a:xfrm>
           <a:prstGeom prst="rect">
             <a:avLst/>
@@ -1821,18 +1702,15 @@
             <a:normAutofit/>
           </a:bodyPr>
           <a:p>
-            <a:endParaRPr b="0" lang="en-US" sz="4200" spc="-1" strike="noStrike">
-              <a:solidFill>
-                <a:srgbClr val="ffffff"/>
-              </a:solidFill>
-              <a:latin typeface="Arial"/>
-            </a:endParaRPr>
-          </a:p>
-        </p:txBody>
-      </p:sp>
-      <p:sp>
-        <p:nvSpPr>
-          <p:cNvPr id="73" name="PlaceHolder 4"/>
+            <a:endParaRPr b="0" lang="en-US" sz="3200" spc="-1" strike="noStrike">
+              <a:latin typeface="Arial"/>
+            </a:endParaRPr>
+          </a:p>
+        </p:txBody>
+      </p:sp>
+      <p:sp>
+        <p:nvSpPr>
+          <p:cNvPr id="67" name="PlaceHolder 4"/>
           <p:cNvSpPr>
             <a:spLocks noGrp="1"/>
           </p:cNvSpPr>
@@ -1842,8 +1720,8 @@
         </p:nvSpPr>
         <p:spPr>
           <a:xfrm>
-            <a:off x="504000" y="5086080"/>
-            <a:ext cx="4426920" cy="1751400"/>
+            <a:off x="504000" y="4058640"/>
+            <a:ext cx="4426920" cy="2090880"/>
           </a:xfrm>
           <a:prstGeom prst="rect">
             <a:avLst/>
@@ -1854,18 +1732,15 @@
             <a:normAutofit/>
           </a:bodyPr>
           <a:p>
-            <a:endParaRPr b="0" lang="en-US" sz="4200" spc="-1" strike="noStrike">
-              <a:solidFill>
-                <a:srgbClr val="ffffff"/>
-              </a:solidFill>
-              <a:latin typeface="Arial"/>
-            </a:endParaRPr>
-          </a:p>
-        </p:txBody>
-      </p:sp>
-      <p:sp>
-        <p:nvSpPr>
-          <p:cNvPr id="74" name="PlaceHolder 5"/>
+            <a:endParaRPr b="0" lang="en-US" sz="3200" spc="-1" strike="noStrike">
+              <a:latin typeface="Arial"/>
+            </a:endParaRPr>
+          </a:p>
+        </p:txBody>
+      </p:sp>
+      <p:sp>
+        <p:nvSpPr>
+          <p:cNvPr id="68" name="PlaceHolder 5"/>
           <p:cNvSpPr>
             <a:spLocks noGrp="1"/>
           </p:cNvSpPr>
@@ -1875,8 +1750,8 @@
         </p:nvSpPr>
         <p:spPr>
           <a:xfrm>
-            <a:off x="5152680" y="5086080"/>
-            <a:ext cx="4426920" cy="1751400"/>
+            <a:off x="5152680" y="4058640"/>
+            <a:ext cx="4426920" cy="2090880"/>
           </a:xfrm>
           <a:prstGeom prst="rect">
             <a:avLst/>
@@ -1887,10 +1762,7 @@
             <a:normAutofit/>
           </a:bodyPr>
           <a:p>
-            <a:endParaRPr b="0" lang="en-US" sz="4200" spc="-1" strike="noStrike">
-              <a:solidFill>
-                <a:srgbClr val="ffffff"/>
-              </a:solidFill>
+            <a:endParaRPr b="0" lang="en-US" sz="3200" spc="-1" strike="noStrike">
               <a:latin typeface="Arial"/>
             </a:endParaRPr>
           </a:p>
@@ -1920,7 +1792,7 @@
       </p:grpSpPr>
       <p:sp>
         <p:nvSpPr>
-          <p:cNvPr id="75" name="PlaceHolder 1"/>
+          <p:cNvPr id="69" name="PlaceHolder 1"/>
           <p:cNvSpPr>
             <a:spLocks noGrp="1"/>
           </p:cNvSpPr>
@@ -1930,8 +1802,8 @@
         </p:nvSpPr>
         <p:spPr>
           <a:xfrm>
-            <a:off x="504000" y="1080000"/>
-            <a:ext cx="9071640" cy="1728000"/>
+            <a:off x="504000" y="301320"/>
+            <a:ext cx="9072000" cy="1261800"/>
           </a:xfrm>
           <a:prstGeom prst="rect">
             <a:avLst/>
@@ -1943,18 +1815,15 @@
           </a:bodyPr>
           <a:p>
             <a:pPr algn="ctr"/>
-            <a:endParaRPr b="0" lang="en-US" sz="5860" spc="-1" strike="noStrike">
-              <a:solidFill>
-                <a:srgbClr val="ffffff"/>
-              </a:solidFill>
-              <a:latin typeface="Arial"/>
-            </a:endParaRPr>
-          </a:p>
-        </p:txBody>
-      </p:sp>
-      <p:sp>
-        <p:nvSpPr>
-          <p:cNvPr id="76" name="PlaceHolder 2"/>
+            <a:endParaRPr b="0" lang="en-US" sz="4400" spc="-1" strike="noStrike">
+              <a:latin typeface="Arial"/>
+            </a:endParaRPr>
+          </a:p>
+        </p:txBody>
+      </p:sp>
+      <p:sp>
+        <p:nvSpPr>
+          <p:cNvPr id="70" name="PlaceHolder 2"/>
           <p:cNvSpPr>
             <a:spLocks noGrp="1"/>
           </p:cNvSpPr>
@@ -1964,8 +1833,8 @@
         </p:nvSpPr>
         <p:spPr>
           <a:xfrm>
-            <a:off x="504000" y="3168000"/>
-            <a:ext cx="2920680" cy="1751400"/>
+            <a:off x="504000" y="1768680"/>
+            <a:ext cx="2921040" cy="2090880"/>
           </a:xfrm>
           <a:prstGeom prst="rect">
             <a:avLst/>
@@ -1976,18 +1845,15 @@
             <a:normAutofit/>
           </a:bodyPr>
           <a:p>
-            <a:endParaRPr b="0" lang="en-US" sz="4200" spc="-1" strike="noStrike">
-              <a:solidFill>
-                <a:srgbClr val="ffffff"/>
-              </a:solidFill>
-              <a:latin typeface="Arial"/>
-            </a:endParaRPr>
-          </a:p>
-        </p:txBody>
-      </p:sp>
-      <p:sp>
-        <p:nvSpPr>
-          <p:cNvPr id="77" name="PlaceHolder 3"/>
+            <a:endParaRPr b="0" lang="en-US" sz="3200" spc="-1" strike="noStrike">
+              <a:latin typeface="Arial"/>
+            </a:endParaRPr>
+          </a:p>
+        </p:txBody>
+      </p:sp>
+      <p:sp>
+        <p:nvSpPr>
+          <p:cNvPr id="71" name="PlaceHolder 3"/>
           <p:cNvSpPr>
             <a:spLocks noGrp="1"/>
           </p:cNvSpPr>
@@ -1997,8 +1863,8 @@
         </p:nvSpPr>
         <p:spPr>
           <a:xfrm>
-            <a:off x="3571200" y="3168000"/>
-            <a:ext cx="2920680" cy="1751400"/>
+            <a:off x="3571560" y="1768680"/>
+            <a:ext cx="2921040" cy="2090880"/>
           </a:xfrm>
           <a:prstGeom prst="rect">
             <a:avLst/>
@@ -2009,18 +1875,15 @@
             <a:normAutofit/>
           </a:bodyPr>
           <a:p>
-            <a:endParaRPr b="0" lang="en-US" sz="4200" spc="-1" strike="noStrike">
-              <a:solidFill>
-                <a:srgbClr val="ffffff"/>
-              </a:solidFill>
-              <a:latin typeface="Arial"/>
-            </a:endParaRPr>
-          </a:p>
-        </p:txBody>
-      </p:sp>
-      <p:sp>
-        <p:nvSpPr>
-          <p:cNvPr id="78" name="PlaceHolder 4"/>
+            <a:endParaRPr b="0" lang="en-US" sz="3200" spc="-1" strike="noStrike">
+              <a:latin typeface="Arial"/>
+            </a:endParaRPr>
+          </a:p>
+        </p:txBody>
+      </p:sp>
+      <p:sp>
+        <p:nvSpPr>
+          <p:cNvPr id="72" name="PlaceHolder 4"/>
           <p:cNvSpPr>
             <a:spLocks noGrp="1"/>
           </p:cNvSpPr>
@@ -2030,8 +1893,8 @@
         </p:nvSpPr>
         <p:spPr>
           <a:xfrm>
-            <a:off x="6638040" y="3168000"/>
-            <a:ext cx="2920680" cy="1751400"/>
+            <a:off x="6639120" y="1768680"/>
+            <a:ext cx="2921040" cy="2090880"/>
           </a:xfrm>
           <a:prstGeom prst="rect">
             <a:avLst/>
@@ -2042,18 +1905,15 @@
             <a:normAutofit/>
           </a:bodyPr>
           <a:p>
-            <a:endParaRPr b="0" lang="en-US" sz="4200" spc="-1" strike="noStrike">
-              <a:solidFill>
-                <a:srgbClr val="ffffff"/>
-              </a:solidFill>
-              <a:latin typeface="Arial"/>
-            </a:endParaRPr>
-          </a:p>
-        </p:txBody>
-      </p:sp>
-      <p:sp>
-        <p:nvSpPr>
-          <p:cNvPr id="79" name="PlaceHolder 5"/>
+            <a:endParaRPr b="0" lang="en-US" sz="3200" spc="-1" strike="noStrike">
+              <a:latin typeface="Arial"/>
+            </a:endParaRPr>
+          </a:p>
+        </p:txBody>
+      </p:sp>
+      <p:sp>
+        <p:nvSpPr>
+          <p:cNvPr id="73" name="PlaceHolder 5"/>
           <p:cNvSpPr>
             <a:spLocks noGrp="1"/>
           </p:cNvSpPr>
@@ -2063,8 +1923,8 @@
         </p:nvSpPr>
         <p:spPr>
           <a:xfrm>
-            <a:off x="504000" y="5086080"/>
-            <a:ext cx="2920680" cy="1751400"/>
+            <a:off x="504000" y="4058640"/>
+            <a:ext cx="2921040" cy="2090880"/>
           </a:xfrm>
           <a:prstGeom prst="rect">
             <a:avLst/>
@@ -2075,18 +1935,15 @@
             <a:normAutofit/>
           </a:bodyPr>
           <a:p>
-            <a:endParaRPr b="0" lang="en-US" sz="4200" spc="-1" strike="noStrike">
-              <a:solidFill>
-                <a:srgbClr val="ffffff"/>
-              </a:solidFill>
-              <a:latin typeface="Arial"/>
-            </a:endParaRPr>
-          </a:p>
-        </p:txBody>
-      </p:sp>
-      <p:sp>
-        <p:nvSpPr>
-          <p:cNvPr id="80" name="PlaceHolder 6"/>
+            <a:endParaRPr b="0" lang="en-US" sz="3200" spc="-1" strike="noStrike">
+              <a:latin typeface="Arial"/>
+            </a:endParaRPr>
+          </a:p>
+        </p:txBody>
+      </p:sp>
+      <p:sp>
+        <p:nvSpPr>
+          <p:cNvPr id="74" name="PlaceHolder 6"/>
           <p:cNvSpPr>
             <a:spLocks noGrp="1"/>
           </p:cNvSpPr>
@@ -2096,8 +1953,8 @@
         </p:nvSpPr>
         <p:spPr>
           <a:xfrm>
-            <a:off x="3571200" y="5086080"/>
-            <a:ext cx="2920680" cy="1751400"/>
+            <a:off x="3571560" y="4058640"/>
+            <a:ext cx="2921040" cy="2090880"/>
           </a:xfrm>
           <a:prstGeom prst="rect">
             <a:avLst/>
@@ -2108,18 +1965,15 @@
             <a:normAutofit/>
           </a:bodyPr>
           <a:p>
-            <a:endParaRPr b="0" lang="en-US" sz="4200" spc="-1" strike="noStrike">
-              <a:solidFill>
-                <a:srgbClr val="ffffff"/>
-              </a:solidFill>
-              <a:latin typeface="Arial"/>
-            </a:endParaRPr>
-          </a:p>
-        </p:txBody>
-      </p:sp>
-      <p:sp>
-        <p:nvSpPr>
-          <p:cNvPr id="81" name="PlaceHolder 7"/>
+            <a:endParaRPr b="0" lang="en-US" sz="3200" spc="-1" strike="noStrike">
+              <a:latin typeface="Arial"/>
+            </a:endParaRPr>
+          </a:p>
+        </p:txBody>
+      </p:sp>
+      <p:sp>
+        <p:nvSpPr>
+          <p:cNvPr id="75" name="PlaceHolder 7"/>
           <p:cNvSpPr>
             <a:spLocks noGrp="1"/>
           </p:cNvSpPr>
@@ -2129,8 +1983,8 @@
         </p:nvSpPr>
         <p:spPr>
           <a:xfrm>
-            <a:off x="6638040" y="5086080"/>
-            <a:ext cx="2920680" cy="1751400"/>
+            <a:off x="6639120" y="4058640"/>
+            <a:ext cx="2921040" cy="2090880"/>
           </a:xfrm>
           <a:prstGeom prst="rect">
             <a:avLst/>
@@ -2141,10 +1995,362 @@
             <a:normAutofit/>
           </a:bodyPr>
           <a:p>
-            <a:endParaRPr b="0" lang="en-US" sz="4200" spc="-1" strike="noStrike">
-              <a:solidFill>
-                <a:srgbClr val="ffffff"/>
-              </a:solidFill>
+            <a:endParaRPr b="0" lang="en-US" sz="3200" spc="-1" strike="noStrike">
+              <a:latin typeface="Arial"/>
+            </a:endParaRPr>
+          </a:p>
+        </p:txBody>
+      </p:sp>
+    </p:spTree>
+  </p:cSld>
+</p:sldLayout>
+</file>
+
+<file path=ppt/slideLayouts/slideLayout25.xml><?xml version="1.0" encoding="utf-8"?>
+<p:sldLayout xmlns:a="http://schemas.openxmlformats.org/drawingml/2006/main" xmlns:p="http://schemas.openxmlformats.org/presentationml/2006/main" xmlns:r="http://schemas.openxmlformats.org/officeDocument/2006/relationships" xmlns:p14="http://schemas.microsoft.com/office/powerpoint/2010/main" xmlns:p15="http://schemas.microsoft.com/office/powerpoint/2012/main" xmlns:mc="http://schemas.openxmlformats.org/markup-compatibility/2006" type="blank" preserve="1">
+  <p:cSld name="Blank Slide">
+    <p:spTree>
+      <p:nvGrpSpPr>
+        <p:cNvPr id="1" name=""/>
+        <p:cNvGrpSpPr/>
+        <p:nvPr/>
+      </p:nvGrpSpPr>
+      <p:grpSpPr>
+        <a:xfrm>
+          <a:off x="0" y="0"/>
+          <a:ext cx="0" cy="0"/>
+          <a:chOff x="0" y="0"/>
+          <a:chExt cx="0" cy="0"/>
+        </a:xfrm>
+      </p:grpSpPr>
+    </p:spTree>
+  </p:cSld>
+</p:sldLayout>
+</file>
+
+<file path=ppt/slideLayouts/slideLayout26.xml><?xml version="1.0" encoding="utf-8"?>
+<p:sldLayout xmlns:a="http://schemas.openxmlformats.org/drawingml/2006/main" xmlns:p="http://schemas.openxmlformats.org/presentationml/2006/main" xmlns:r="http://schemas.openxmlformats.org/officeDocument/2006/relationships" xmlns:p14="http://schemas.microsoft.com/office/powerpoint/2010/main" xmlns:p15="http://schemas.microsoft.com/office/powerpoint/2012/main" xmlns:mc="http://schemas.openxmlformats.org/markup-compatibility/2006" type="tx" preserve="1">
+  <p:cSld name="Title Slide">
+    <p:spTree>
+      <p:nvGrpSpPr>
+        <p:cNvPr id="1" name=""/>
+        <p:cNvGrpSpPr/>
+        <p:nvPr/>
+      </p:nvGrpSpPr>
+      <p:grpSpPr>
+        <a:xfrm>
+          <a:off x="0" y="0"/>
+          <a:ext cx="0" cy="0"/>
+          <a:chOff x="0" y="0"/>
+          <a:chExt cx="0" cy="0"/>
+        </a:xfrm>
+      </p:grpSpPr>
+      <p:sp>
+        <p:nvSpPr>
+          <p:cNvPr id="78" name="PlaceHolder 1"/>
+          <p:cNvSpPr>
+            <a:spLocks noGrp="1"/>
+          </p:cNvSpPr>
+          <p:nvPr>
+            <p:ph type="title"/>
+          </p:nvPr>
+        </p:nvSpPr>
+        <p:spPr>
+          <a:xfrm>
+            <a:off x="504000" y="301320"/>
+            <a:ext cx="9072000" cy="1261800"/>
+          </a:xfrm>
+          <a:prstGeom prst="rect">
+            <a:avLst/>
+          </a:prstGeom>
+        </p:spPr>
+        <p:txBody>
+          <a:bodyPr lIns="0" rIns="0" tIns="0" bIns="0" anchor="ctr">
+            <a:noAutofit/>
+          </a:bodyPr>
+          <a:p>
+            <a:pPr algn="ctr"/>
+            <a:endParaRPr b="0" lang="en-US" sz="4400" spc="-1" strike="noStrike">
+              <a:latin typeface="Arial"/>
+            </a:endParaRPr>
+          </a:p>
+        </p:txBody>
+      </p:sp>
+      <p:sp>
+        <p:nvSpPr>
+          <p:cNvPr id="79" name="PlaceHolder 2"/>
+          <p:cNvSpPr>
+            <a:spLocks noGrp="1"/>
+          </p:cNvSpPr>
+          <p:nvPr>
+            <p:ph type="subTitle"/>
+          </p:nvPr>
+        </p:nvSpPr>
+        <p:spPr>
+          <a:xfrm>
+            <a:off x="504000" y="1768680"/>
+            <a:ext cx="9072000" cy="4384080"/>
+          </a:xfrm>
+          <a:prstGeom prst="rect">
+            <a:avLst/>
+          </a:prstGeom>
+        </p:spPr>
+        <p:txBody>
+          <a:bodyPr lIns="0" rIns="0" tIns="0" bIns="0" anchor="ctr">
+            <a:noAutofit/>
+          </a:bodyPr>
+          <a:p>
+            <a:pPr algn="ctr"/>
+            <a:endParaRPr b="0" lang="en-US" sz="3200" spc="-1" strike="noStrike">
+              <a:latin typeface="Arial"/>
+            </a:endParaRPr>
+          </a:p>
+        </p:txBody>
+      </p:sp>
+    </p:spTree>
+  </p:cSld>
+</p:sldLayout>
+</file>
+
+<file path=ppt/slideLayouts/slideLayout27.xml><?xml version="1.0" encoding="utf-8"?>
+<p:sldLayout xmlns:a="http://schemas.openxmlformats.org/drawingml/2006/main" xmlns:p="http://schemas.openxmlformats.org/presentationml/2006/main" xmlns:r="http://schemas.openxmlformats.org/officeDocument/2006/relationships" xmlns:p14="http://schemas.microsoft.com/office/powerpoint/2010/main" xmlns:p15="http://schemas.microsoft.com/office/powerpoint/2012/main" xmlns:mc="http://schemas.openxmlformats.org/markup-compatibility/2006" type="obj" preserve="1">
+  <p:cSld name="Title, Content">
+    <p:spTree>
+      <p:nvGrpSpPr>
+        <p:cNvPr id="1" name=""/>
+        <p:cNvGrpSpPr/>
+        <p:nvPr/>
+      </p:nvGrpSpPr>
+      <p:grpSpPr>
+        <a:xfrm>
+          <a:off x="0" y="0"/>
+          <a:ext cx="0" cy="0"/>
+          <a:chOff x="0" y="0"/>
+          <a:chExt cx="0" cy="0"/>
+        </a:xfrm>
+      </p:grpSpPr>
+      <p:sp>
+        <p:nvSpPr>
+          <p:cNvPr id="80" name="PlaceHolder 1"/>
+          <p:cNvSpPr>
+            <a:spLocks noGrp="1"/>
+          </p:cNvSpPr>
+          <p:nvPr>
+            <p:ph type="title"/>
+          </p:nvPr>
+        </p:nvSpPr>
+        <p:spPr>
+          <a:xfrm>
+            <a:off x="504000" y="301320"/>
+            <a:ext cx="9072000" cy="1261800"/>
+          </a:xfrm>
+          <a:prstGeom prst="rect">
+            <a:avLst/>
+          </a:prstGeom>
+        </p:spPr>
+        <p:txBody>
+          <a:bodyPr lIns="0" rIns="0" tIns="0" bIns="0" anchor="ctr">
+            <a:noAutofit/>
+          </a:bodyPr>
+          <a:p>
+            <a:pPr algn="ctr"/>
+            <a:endParaRPr b="0" lang="en-US" sz="4400" spc="-1" strike="noStrike">
+              <a:latin typeface="Arial"/>
+            </a:endParaRPr>
+          </a:p>
+        </p:txBody>
+      </p:sp>
+      <p:sp>
+        <p:nvSpPr>
+          <p:cNvPr id="81" name="PlaceHolder 2"/>
+          <p:cNvSpPr>
+            <a:spLocks noGrp="1"/>
+          </p:cNvSpPr>
+          <p:nvPr>
+            <p:ph type="body"/>
+          </p:nvPr>
+        </p:nvSpPr>
+        <p:spPr>
+          <a:xfrm>
+            <a:off x="504000" y="1768680"/>
+            <a:ext cx="9072000" cy="4384080"/>
+          </a:xfrm>
+          <a:prstGeom prst="rect">
+            <a:avLst/>
+          </a:prstGeom>
+        </p:spPr>
+        <p:txBody>
+          <a:bodyPr lIns="0" rIns="0" tIns="0" bIns="0">
+            <a:normAutofit/>
+          </a:bodyPr>
+          <a:p>
+            <a:endParaRPr b="0" lang="en-US" sz="3200" spc="-1" strike="noStrike">
+              <a:latin typeface="Arial"/>
+            </a:endParaRPr>
+          </a:p>
+        </p:txBody>
+      </p:sp>
+    </p:spTree>
+  </p:cSld>
+</p:sldLayout>
+</file>
+
+<file path=ppt/slideLayouts/slideLayout28.xml><?xml version="1.0" encoding="utf-8"?>
+<p:sldLayout xmlns:a="http://schemas.openxmlformats.org/drawingml/2006/main" xmlns:p="http://schemas.openxmlformats.org/presentationml/2006/main" xmlns:r="http://schemas.openxmlformats.org/officeDocument/2006/relationships" xmlns:p14="http://schemas.microsoft.com/office/powerpoint/2010/main" xmlns:p15="http://schemas.microsoft.com/office/powerpoint/2012/main" xmlns:mc="http://schemas.openxmlformats.org/markup-compatibility/2006" type="twoObj" preserve="1">
+  <p:cSld name="Title, 2 Content">
+    <p:spTree>
+      <p:nvGrpSpPr>
+        <p:cNvPr id="1" name=""/>
+        <p:cNvGrpSpPr/>
+        <p:nvPr/>
+      </p:nvGrpSpPr>
+      <p:grpSpPr>
+        <a:xfrm>
+          <a:off x="0" y="0"/>
+          <a:ext cx="0" cy="0"/>
+          <a:chOff x="0" y="0"/>
+          <a:chExt cx="0" cy="0"/>
+        </a:xfrm>
+      </p:grpSpPr>
+      <p:sp>
+        <p:nvSpPr>
+          <p:cNvPr id="82" name="PlaceHolder 1"/>
+          <p:cNvSpPr>
+            <a:spLocks noGrp="1"/>
+          </p:cNvSpPr>
+          <p:nvPr>
+            <p:ph type="title"/>
+          </p:nvPr>
+        </p:nvSpPr>
+        <p:spPr>
+          <a:xfrm>
+            <a:off x="504000" y="301320"/>
+            <a:ext cx="9072000" cy="1261800"/>
+          </a:xfrm>
+          <a:prstGeom prst="rect">
+            <a:avLst/>
+          </a:prstGeom>
+        </p:spPr>
+        <p:txBody>
+          <a:bodyPr lIns="0" rIns="0" tIns="0" bIns="0" anchor="ctr">
+            <a:noAutofit/>
+          </a:bodyPr>
+          <a:p>
+            <a:pPr algn="ctr"/>
+            <a:endParaRPr b="0" lang="en-US" sz="4400" spc="-1" strike="noStrike">
+              <a:latin typeface="Arial"/>
+            </a:endParaRPr>
+          </a:p>
+        </p:txBody>
+      </p:sp>
+      <p:sp>
+        <p:nvSpPr>
+          <p:cNvPr id="83" name="PlaceHolder 2"/>
+          <p:cNvSpPr>
+            <a:spLocks noGrp="1"/>
+          </p:cNvSpPr>
+          <p:nvPr>
+            <p:ph type="body"/>
+          </p:nvPr>
+        </p:nvSpPr>
+        <p:spPr>
+          <a:xfrm>
+            <a:off x="504000" y="1768680"/>
+            <a:ext cx="4426920" cy="4384080"/>
+          </a:xfrm>
+          <a:prstGeom prst="rect">
+            <a:avLst/>
+          </a:prstGeom>
+        </p:spPr>
+        <p:txBody>
+          <a:bodyPr lIns="0" rIns="0" tIns="0" bIns="0">
+            <a:normAutofit/>
+          </a:bodyPr>
+          <a:p>
+            <a:endParaRPr b="0" lang="en-US" sz="3200" spc="-1" strike="noStrike">
+              <a:latin typeface="Arial"/>
+            </a:endParaRPr>
+          </a:p>
+        </p:txBody>
+      </p:sp>
+      <p:sp>
+        <p:nvSpPr>
+          <p:cNvPr id="84" name="PlaceHolder 3"/>
+          <p:cNvSpPr>
+            <a:spLocks noGrp="1"/>
+          </p:cNvSpPr>
+          <p:nvPr>
+            <p:ph type="body"/>
+          </p:nvPr>
+        </p:nvSpPr>
+        <p:spPr>
+          <a:xfrm>
+            <a:off x="5152680" y="1768680"/>
+            <a:ext cx="4426920" cy="4384080"/>
+          </a:xfrm>
+          <a:prstGeom prst="rect">
+            <a:avLst/>
+          </a:prstGeom>
+        </p:spPr>
+        <p:txBody>
+          <a:bodyPr lIns="0" rIns="0" tIns="0" bIns="0">
+            <a:normAutofit/>
+          </a:bodyPr>
+          <a:p>
+            <a:endParaRPr b="0" lang="en-US" sz="3200" spc="-1" strike="noStrike">
+              <a:latin typeface="Arial"/>
+            </a:endParaRPr>
+          </a:p>
+        </p:txBody>
+      </p:sp>
+    </p:spTree>
+  </p:cSld>
+</p:sldLayout>
+</file>
+
+<file path=ppt/slideLayouts/slideLayout29.xml><?xml version="1.0" encoding="utf-8"?>
+<p:sldLayout xmlns:a="http://schemas.openxmlformats.org/drawingml/2006/main" xmlns:p="http://schemas.openxmlformats.org/presentationml/2006/main" xmlns:r="http://schemas.openxmlformats.org/officeDocument/2006/relationships" xmlns:p14="http://schemas.microsoft.com/office/powerpoint/2010/main" xmlns:p15="http://schemas.microsoft.com/office/powerpoint/2012/main" xmlns:mc="http://schemas.openxmlformats.org/markup-compatibility/2006" type="titleOnly" preserve="1">
+  <p:cSld name="Title Only">
+    <p:spTree>
+      <p:nvGrpSpPr>
+        <p:cNvPr id="1" name=""/>
+        <p:cNvGrpSpPr/>
+        <p:nvPr/>
+      </p:nvGrpSpPr>
+      <p:grpSpPr>
+        <a:xfrm>
+          <a:off x="0" y="0"/>
+          <a:ext cx="0" cy="0"/>
+          <a:chOff x="0" y="0"/>
+          <a:chExt cx="0" cy="0"/>
+        </a:xfrm>
+      </p:grpSpPr>
+      <p:sp>
+        <p:nvSpPr>
+          <p:cNvPr id="85" name="PlaceHolder 1"/>
+          <p:cNvSpPr>
+            <a:spLocks noGrp="1"/>
+          </p:cNvSpPr>
+          <p:nvPr>
+            <p:ph type="title"/>
+          </p:nvPr>
+        </p:nvSpPr>
+        <p:spPr>
+          <a:xfrm>
+            <a:off x="504000" y="301320"/>
+            <a:ext cx="9072000" cy="1261800"/>
+          </a:xfrm>
+          <a:prstGeom prst="rect">
+            <a:avLst/>
+          </a:prstGeom>
+        </p:spPr>
+        <p:txBody>
+          <a:bodyPr lIns="0" rIns="0" tIns="0" bIns="0" anchor="ctr">
+            <a:noAutofit/>
+          </a:bodyPr>
+          <a:p>
+            <a:pPr algn="ctr"/>
+            <a:endParaRPr b="0" lang="en-US" sz="4400" spc="-1" strike="noStrike">
               <a:latin typeface="Arial"/>
             </a:endParaRPr>
           </a:p>
@@ -2174,7 +2380,7 @@
       </p:grpSpPr>
       <p:sp>
         <p:nvSpPr>
-          <p:cNvPr id="7" name="PlaceHolder 1"/>
+          <p:cNvPr id="4" name="PlaceHolder 1"/>
           <p:cNvSpPr>
             <a:spLocks noGrp="1"/>
           </p:cNvSpPr>
@@ -2184,8 +2390,8 @@
         </p:nvSpPr>
         <p:spPr>
           <a:xfrm>
-            <a:off x="504000" y="1080000"/>
-            <a:ext cx="9071640" cy="1728000"/>
+            <a:off x="504000" y="301320"/>
+            <a:ext cx="9072000" cy="1261800"/>
           </a:xfrm>
           <a:prstGeom prst="rect">
             <a:avLst/>
@@ -2197,18 +2403,15 @@
           </a:bodyPr>
           <a:p>
             <a:pPr algn="ctr"/>
-            <a:endParaRPr b="0" lang="en-US" sz="5860" spc="-1" strike="noStrike">
-              <a:solidFill>
-                <a:srgbClr val="ffffff"/>
-              </a:solidFill>
-              <a:latin typeface="Arial"/>
-            </a:endParaRPr>
-          </a:p>
-        </p:txBody>
-      </p:sp>
-      <p:sp>
-        <p:nvSpPr>
-          <p:cNvPr id="8" name="PlaceHolder 2"/>
+            <a:endParaRPr b="0" lang="en-US" sz="4400" spc="-1" strike="noStrike">
+              <a:latin typeface="Arial"/>
+            </a:endParaRPr>
+          </a:p>
+        </p:txBody>
+      </p:sp>
+      <p:sp>
+        <p:nvSpPr>
+          <p:cNvPr id="5" name="PlaceHolder 2"/>
           <p:cNvSpPr>
             <a:spLocks noGrp="1"/>
           </p:cNvSpPr>
@@ -2218,8 +2421,8 @@
         </p:nvSpPr>
         <p:spPr>
           <a:xfrm>
-            <a:off x="504000" y="3168000"/>
-            <a:ext cx="9071640" cy="3672000"/>
+            <a:off x="504000" y="1768680"/>
+            <a:ext cx="9072000" cy="4384080"/>
           </a:xfrm>
           <a:prstGeom prst="rect">
             <a:avLst/>
@@ -2230,10 +2433,1008 @@
             <a:normAutofit/>
           </a:bodyPr>
           <a:p>
-            <a:endParaRPr b="0" lang="en-US" sz="4200" spc="-1" strike="noStrike">
-              <a:solidFill>
-                <a:srgbClr val="ffffff"/>
-              </a:solidFill>
+            <a:endParaRPr b="0" lang="en-US" sz="3200" spc="-1" strike="noStrike">
+              <a:latin typeface="Arial"/>
+            </a:endParaRPr>
+          </a:p>
+        </p:txBody>
+      </p:sp>
+    </p:spTree>
+  </p:cSld>
+</p:sldLayout>
+</file>
+
+<file path=ppt/slideLayouts/slideLayout30.xml><?xml version="1.0" encoding="utf-8"?>
+<p:sldLayout xmlns:a="http://schemas.openxmlformats.org/drawingml/2006/main" xmlns:p="http://schemas.openxmlformats.org/presentationml/2006/main" xmlns:r="http://schemas.openxmlformats.org/officeDocument/2006/relationships" xmlns:p14="http://schemas.microsoft.com/office/powerpoint/2010/main" xmlns:p15="http://schemas.microsoft.com/office/powerpoint/2012/main" xmlns:mc="http://schemas.openxmlformats.org/markup-compatibility/2006" type="objOnly" preserve="1">
+  <p:cSld name="Centered Text">
+    <p:spTree>
+      <p:nvGrpSpPr>
+        <p:cNvPr id="1" name=""/>
+        <p:cNvGrpSpPr/>
+        <p:nvPr/>
+      </p:nvGrpSpPr>
+      <p:grpSpPr>
+        <a:xfrm>
+          <a:off x="0" y="0"/>
+          <a:ext cx="0" cy="0"/>
+          <a:chOff x="0" y="0"/>
+          <a:chExt cx="0" cy="0"/>
+        </a:xfrm>
+      </p:grpSpPr>
+      <p:sp>
+        <p:nvSpPr>
+          <p:cNvPr id="86" name="PlaceHolder 1"/>
+          <p:cNvSpPr>
+            <a:spLocks noGrp="1"/>
+          </p:cNvSpPr>
+          <p:nvPr>
+            <p:ph type="subTitle"/>
+          </p:nvPr>
+        </p:nvSpPr>
+        <p:spPr>
+          <a:xfrm>
+            <a:off x="504000" y="301320"/>
+            <a:ext cx="9072000" cy="5850360"/>
+          </a:xfrm>
+          <a:prstGeom prst="rect">
+            <a:avLst/>
+          </a:prstGeom>
+        </p:spPr>
+        <p:txBody>
+          <a:bodyPr lIns="0" rIns="0" tIns="0" bIns="0" anchor="ctr">
+            <a:noAutofit/>
+          </a:bodyPr>
+          <a:p>
+            <a:pPr algn="ctr"/>
+            <a:endParaRPr b="0" lang="en-US" sz="3200" spc="-1" strike="noStrike">
+              <a:latin typeface="Arial"/>
+            </a:endParaRPr>
+          </a:p>
+        </p:txBody>
+      </p:sp>
+    </p:spTree>
+  </p:cSld>
+</p:sldLayout>
+</file>
+
+<file path=ppt/slideLayouts/slideLayout31.xml><?xml version="1.0" encoding="utf-8"?>
+<p:sldLayout xmlns:a="http://schemas.openxmlformats.org/drawingml/2006/main" xmlns:p="http://schemas.openxmlformats.org/presentationml/2006/main" xmlns:r="http://schemas.openxmlformats.org/officeDocument/2006/relationships" xmlns:p14="http://schemas.microsoft.com/office/powerpoint/2010/main" xmlns:p15="http://schemas.microsoft.com/office/powerpoint/2012/main" xmlns:mc="http://schemas.openxmlformats.org/markup-compatibility/2006" type="twoObjAndObj" preserve="1">
+  <p:cSld name="Title, 2 Content and Content">
+    <p:spTree>
+      <p:nvGrpSpPr>
+        <p:cNvPr id="1" name=""/>
+        <p:cNvGrpSpPr/>
+        <p:nvPr/>
+      </p:nvGrpSpPr>
+      <p:grpSpPr>
+        <a:xfrm>
+          <a:off x="0" y="0"/>
+          <a:ext cx="0" cy="0"/>
+          <a:chOff x="0" y="0"/>
+          <a:chExt cx="0" cy="0"/>
+        </a:xfrm>
+      </p:grpSpPr>
+      <p:sp>
+        <p:nvSpPr>
+          <p:cNvPr id="87" name="PlaceHolder 1"/>
+          <p:cNvSpPr>
+            <a:spLocks noGrp="1"/>
+          </p:cNvSpPr>
+          <p:nvPr>
+            <p:ph type="title"/>
+          </p:nvPr>
+        </p:nvSpPr>
+        <p:spPr>
+          <a:xfrm>
+            <a:off x="504000" y="301320"/>
+            <a:ext cx="9072000" cy="1261800"/>
+          </a:xfrm>
+          <a:prstGeom prst="rect">
+            <a:avLst/>
+          </a:prstGeom>
+        </p:spPr>
+        <p:txBody>
+          <a:bodyPr lIns="0" rIns="0" tIns="0" bIns="0" anchor="ctr">
+            <a:noAutofit/>
+          </a:bodyPr>
+          <a:p>
+            <a:pPr algn="ctr"/>
+            <a:endParaRPr b="0" lang="en-US" sz="4400" spc="-1" strike="noStrike">
+              <a:latin typeface="Arial"/>
+            </a:endParaRPr>
+          </a:p>
+        </p:txBody>
+      </p:sp>
+      <p:sp>
+        <p:nvSpPr>
+          <p:cNvPr id="88" name="PlaceHolder 2"/>
+          <p:cNvSpPr>
+            <a:spLocks noGrp="1"/>
+          </p:cNvSpPr>
+          <p:nvPr>
+            <p:ph type="body"/>
+          </p:nvPr>
+        </p:nvSpPr>
+        <p:spPr>
+          <a:xfrm>
+            <a:off x="504000" y="1768680"/>
+            <a:ext cx="4426920" cy="2090880"/>
+          </a:xfrm>
+          <a:prstGeom prst="rect">
+            <a:avLst/>
+          </a:prstGeom>
+        </p:spPr>
+        <p:txBody>
+          <a:bodyPr lIns="0" rIns="0" tIns="0" bIns="0">
+            <a:normAutofit/>
+          </a:bodyPr>
+          <a:p>
+            <a:endParaRPr b="0" lang="en-US" sz="3200" spc="-1" strike="noStrike">
+              <a:latin typeface="Arial"/>
+            </a:endParaRPr>
+          </a:p>
+        </p:txBody>
+      </p:sp>
+      <p:sp>
+        <p:nvSpPr>
+          <p:cNvPr id="89" name="PlaceHolder 3"/>
+          <p:cNvSpPr>
+            <a:spLocks noGrp="1"/>
+          </p:cNvSpPr>
+          <p:nvPr>
+            <p:ph type="body"/>
+          </p:nvPr>
+        </p:nvSpPr>
+        <p:spPr>
+          <a:xfrm>
+            <a:off x="5152680" y="1768680"/>
+            <a:ext cx="4426920" cy="4384080"/>
+          </a:xfrm>
+          <a:prstGeom prst="rect">
+            <a:avLst/>
+          </a:prstGeom>
+        </p:spPr>
+        <p:txBody>
+          <a:bodyPr lIns="0" rIns="0" tIns="0" bIns="0">
+            <a:normAutofit/>
+          </a:bodyPr>
+          <a:p>
+            <a:endParaRPr b="0" lang="en-US" sz="3200" spc="-1" strike="noStrike">
+              <a:latin typeface="Arial"/>
+            </a:endParaRPr>
+          </a:p>
+        </p:txBody>
+      </p:sp>
+      <p:sp>
+        <p:nvSpPr>
+          <p:cNvPr id="90" name="PlaceHolder 4"/>
+          <p:cNvSpPr>
+            <a:spLocks noGrp="1"/>
+          </p:cNvSpPr>
+          <p:nvPr>
+            <p:ph type="body"/>
+          </p:nvPr>
+        </p:nvSpPr>
+        <p:spPr>
+          <a:xfrm>
+            <a:off x="504000" y="4058640"/>
+            <a:ext cx="4426920" cy="2090880"/>
+          </a:xfrm>
+          <a:prstGeom prst="rect">
+            <a:avLst/>
+          </a:prstGeom>
+        </p:spPr>
+        <p:txBody>
+          <a:bodyPr lIns="0" rIns="0" tIns="0" bIns="0">
+            <a:normAutofit/>
+          </a:bodyPr>
+          <a:p>
+            <a:endParaRPr b="0" lang="en-US" sz="3200" spc="-1" strike="noStrike">
+              <a:latin typeface="Arial"/>
+            </a:endParaRPr>
+          </a:p>
+        </p:txBody>
+      </p:sp>
+    </p:spTree>
+  </p:cSld>
+</p:sldLayout>
+</file>
+
+<file path=ppt/slideLayouts/slideLayout32.xml><?xml version="1.0" encoding="utf-8"?>
+<p:sldLayout xmlns:a="http://schemas.openxmlformats.org/drawingml/2006/main" xmlns:p="http://schemas.openxmlformats.org/presentationml/2006/main" xmlns:r="http://schemas.openxmlformats.org/officeDocument/2006/relationships" xmlns:p14="http://schemas.microsoft.com/office/powerpoint/2010/main" xmlns:p15="http://schemas.microsoft.com/office/powerpoint/2012/main" xmlns:mc="http://schemas.openxmlformats.org/markup-compatibility/2006" type="objAndTwoObj" preserve="1">
+  <p:cSld name="Title Content and 2 Content">
+    <p:spTree>
+      <p:nvGrpSpPr>
+        <p:cNvPr id="1" name=""/>
+        <p:cNvGrpSpPr/>
+        <p:nvPr/>
+      </p:nvGrpSpPr>
+      <p:grpSpPr>
+        <a:xfrm>
+          <a:off x="0" y="0"/>
+          <a:ext cx="0" cy="0"/>
+          <a:chOff x="0" y="0"/>
+          <a:chExt cx="0" cy="0"/>
+        </a:xfrm>
+      </p:grpSpPr>
+      <p:sp>
+        <p:nvSpPr>
+          <p:cNvPr id="91" name="PlaceHolder 1"/>
+          <p:cNvSpPr>
+            <a:spLocks noGrp="1"/>
+          </p:cNvSpPr>
+          <p:nvPr>
+            <p:ph type="title"/>
+          </p:nvPr>
+        </p:nvSpPr>
+        <p:spPr>
+          <a:xfrm>
+            <a:off x="504000" y="301320"/>
+            <a:ext cx="9072000" cy="1261800"/>
+          </a:xfrm>
+          <a:prstGeom prst="rect">
+            <a:avLst/>
+          </a:prstGeom>
+        </p:spPr>
+        <p:txBody>
+          <a:bodyPr lIns="0" rIns="0" tIns="0" bIns="0" anchor="ctr">
+            <a:noAutofit/>
+          </a:bodyPr>
+          <a:p>
+            <a:pPr algn="ctr"/>
+            <a:endParaRPr b="0" lang="en-US" sz="4400" spc="-1" strike="noStrike">
+              <a:latin typeface="Arial"/>
+            </a:endParaRPr>
+          </a:p>
+        </p:txBody>
+      </p:sp>
+      <p:sp>
+        <p:nvSpPr>
+          <p:cNvPr id="92" name="PlaceHolder 2"/>
+          <p:cNvSpPr>
+            <a:spLocks noGrp="1"/>
+          </p:cNvSpPr>
+          <p:nvPr>
+            <p:ph type="body"/>
+          </p:nvPr>
+        </p:nvSpPr>
+        <p:spPr>
+          <a:xfrm>
+            <a:off x="504000" y="1768680"/>
+            <a:ext cx="4426920" cy="4384080"/>
+          </a:xfrm>
+          <a:prstGeom prst="rect">
+            <a:avLst/>
+          </a:prstGeom>
+        </p:spPr>
+        <p:txBody>
+          <a:bodyPr lIns="0" rIns="0" tIns="0" bIns="0">
+            <a:normAutofit/>
+          </a:bodyPr>
+          <a:p>
+            <a:endParaRPr b="0" lang="en-US" sz="3200" spc="-1" strike="noStrike">
+              <a:latin typeface="Arial"/>
+            </a:endParaRPr>
+          </a:p>
+        </p:txBody>
+      </p:sp>
+      <p:sp>
+        <p:nvSpPr>
+          <p:cNvPr id="93" name="PlaceHolder 3"/>
+          <p:cNvSpPr>
+            <a:spLocks noGrp="1"/>
+          </p:cNvSpPr>
+          <p:nvPr>
+            <p:ph type="body"/>
+          </p:nvPr>
+        </p:nvSpPr>
+        <p:spPr>
+          <a:xfrm>
+            <a:off x="5152680" y="1768680"/>
+            <a:ext cx="4426920" cy="2090880"/>
+          </a:xfrm>
+          <a:prstGeom prst="rect">
+            <a:avLst/>
+          </a:prstGeom>
+        </p:spPr>
+        <p:txBody>
+          <a:bodyPr lIns="0" rIns="0" tIns="0" bIns="0">
+            <a:normAutofit/>
+          </a:bodyPr>
+          <a:p>
+            <a:endParaRPr b="0" lang="en-US" sz="3200" spc="-1" strike="noStrike">
+              <a:latin typeface="Arial"/>
+            </a:endParaRPr>
+          </a:p>
+        </p:txBody>
+      </p:sp>
+      <p:sp>
+        <p:nvSpPr>
+          <p:cNvPr id="94" name="PlaceHolder 4"/>
+          <p:cNvSpPr>
+            <a:spLocks noGrp="1"/>
+          </p:cNvSpPr>
+          <p:nvPr>
+            <p:ph type="body"/>
+          </p:nvPr>
+        </p:nvSpPr>
+        <p:spPr>
+          <a:xfrm>
+            <a:off x="5152680" y="4058640"/>
+            <a:ext cx="4426920" cy="2090880"/>
+          </a:xfrm>
+          <a:prstGeom prst="rect">
+            <a:avLst/>
+          </a:prstGeom>
+        </p:spPr>
+        <p:txBody>
+          <a:bodyPr lIns="0" rIns="0" tIns="0" bIns="0">
+            <a:normAutofit/>
+          </a:bodyPr>
+          <a:p>
+            <a:endParaRPr b="0" lang="en-US" sz="3200" spc="-1" strike="noStrike">
+              <a:latin typeface="Arial"/>
+            </a:endParaRPr>
+          </a:p>
+        </p:txBody>
+      </p:sp>
+    </p:spTree>
+  </p:cSld>
+</p:sldLayout>
+</file>
+
+<file path=ppt/slideLayouts/slideLayout33.xml><?xml version="1.0" encoding="utf-8"?>
+<p:sldLayout xmlns:a="http://schemas.openxmlformats.org/drawingml/2006/main" xmlns:p="http://schemas.openxmlformats.org/presentationml/2006/main" xmlns:r="http://schemas.openxmlformats.org/officeDocument/2006/relationships" xmlns:p14="http://schemas.microsoft.com/office/powerpoint/2010/main" xmlns:p15="http://schemas.microsoft.com/office/powerpoint/2012/main" xmlns:mc="http://schemas.openxmlformats.org/markup-compatibility/2006" type="twoObjOverTx" preserve="1">
+  <p:cSld name="Title, 2 Content over Content">
+    <p:spTree>
+      <p:nvGrpSpPr>
+        <p:cNvPr id="1" name=""/>
+        <p:cNvGrpSpPr/>
+        <p:nvPr/>
+      </p:nvGrpSpPr>
+      <p:grpSpPr>
+        <a:xfrm>
+          <a:off x="0" y="0"/>
+          <a:ext cx="0" cy="0"/>
+          <a:chOff x="0" y="0"/>
+          <a:chExt cx="0" cy="0"/>
+        </a:xfrm>
+      </p:grpSpPr>
+      <p:sp>
+        <p:nvSpPr>
+          <p:cNvPr id="95" name="PlaceHolder 1"/>
+          <p:cNvSpPr>
+            <a:spLocks noGrp="1"/>
+          </p:cNvSpPr>
+          <p:nvPr>
+            <p:ph type="title"/>
+          </p:nvPr>
+        </p:nvSpPr>
+        <p:spPr>
+          <a:xfrm>
+            <a:off x="504000" y="301320"/>
+            <a:ext cx="9072000" cy="1261800"/>
+          </a:xfrm>
+          <a:prstGeom prst="rect">
+            <a:avLst/>
+          </a:prstGeom>
+        </p:spPr>
+        <p:txBody>
+          <a:bodyPr lIns="0" rIns="0" tIns="0" bIns="0" anchor="ctr">
+            <a:noAutofit/>
+          </a:bodyPr>
+          <a:p>
+            <a:pPr algn="ctr"/>
+            <a:endParaRPr b="0" lang="en-US" sz="4400" spc="-1" strike="noStrike">
+              <a:latin typeface="Arial"/>
+            </a:endParaRPr>
+          </a:p>
+        </p:txBody>
+      </p:sp>
+      <p:sp>
+        <p:nvSpPr>
+          <p:cNvPr id="96" name="PlaceHolder 2"/>
+          <p:cNvSpPr>
+            <a:spLocks noGrp="1"/>
+          </p:cNvSpPr>
+          <p:nvPr>
+            <p:ph type="body"/>
+          </p:nvPr>
+        </p:nvSpPr>
+        <p:spPr>
+          <a:xfrm>
+            <a:off x="504000" y="1768680"/>
+            <a:ext cx="4426920" cy="2090880"/>
+          </a:xfrm>
+          <a:prstGeom prst="rect">
+            <a:avLst/>
+          </a:prstGeom>
+        </p:spPr>
+        <p:txBody>
+          <a:bodyPr lIns="0" rIns="0" tIns="0" bIns="0">
+            <a:normAutofit/>
+          </a:bodyPr>
+          <a:p>
+            <a:endParaRPr b="0" lang="en-US" sz="3200" spc="-1" strike="noStrike">
+              <a:latin typeface="Arial"/>
+            </a:endParaRPr>
+          </a:p>
+        </p:txBody>
+      </p:sp>
+      <p:sp>
+        <p:nvSpPr>
+          <p:cNvPr id="97" name="PlaceHolder 3"/>
+          <p:cNvSpPr>
+            <a:spLocks noGrp="1"/>
+          </p:cNvSpPr>
+          <p:nvPr>
+            <p:ph type="body"/>
+          </p:nvPr>
+        </p:nvSpPr>
+        <p:spPr>
+          <a:xfrm>
+            <a:off x="5152680" y="1768680"/>
+            <a:ext cx="4426920" cy="2090880"/>
+          </a:xfrm>
+          <a:prstGeom prst="rect">
+            <a:avLst/>
+          </a:prstGeom>
+        </p:spPr>
+        <p:txBody>
+          <a:bodyPr lIns="0" rIns="0" tIns="0" bIns="0">
+            <a:normAutofit/>
+          </a:bodyPr>
+          <a:p>
+            <a:endParaRPr b="0" lang="en-US" sz="3200" spc="-1" strike="noStrike">
+              <a:latin typeface="Arial"/>
+            </a:endParaRPr>
+          </a:p>
+        </p:txBody>
+      </p:sp>
+      <p:sp>
+        <p:nvSpPr>
+          <p:cNvPr id="98" name="PlaceHolder 4"/>
+          <p:cNvSpPr>
+            <a:spLocks noGrp="1"/>
+          </p:cNvSpPr>
+          <p:nvPr>
+            <p:ph type="body"/>
+          </p:nvPr>
+        </p:nvSpPr>
+        <p:spPr>
+          <a:xfrm>
+            <a:off x="504000" y="4058640"/>
+            <a:ext cx="9072000" cy="2090880"/>
+          </a:xfrm>
+          <a:prstGeom prst="rect">
+            <a:avLst/>
+          </a:prstGeom>
+        </p:spPr>
+        <p:txBody>
+          <a:bodyPr lIns="0" rIns="0" tIns="0" bIns="0">
+            <a:normAutofit/>
+          </a:bodyPr>
+          <a:p>
+            <a:endParaRPr b="0" lang="en-US" sz="3200" spc="-1" strike="noStrike">
+              <a:latin typeface="Arial"/>
+            </a:endParaRPr>
+          </a:p>
+        </p:txBody>
+      </p:sp>
+    </p:spTree>
+  </p:cSld>
+</p:sldLayout>
+</file>
+
+<file path=ppt/slideLayouts/slideLayout34.xml><?xml version="1.0" encoding="utf-8"?>
+<p:sldLayout xmlns:a="http://schemas.openxmlformats.org/drawingml/2006/main" xmlns:p="http://schemas.openxmlformats.org/presentationml/2006/main" xmlns:r="http://schemas.openxmlformats.org/officeDocument/2006/relationships" xmlns:p14="http://schemas.microsoft.com/office/powerpoint/2010/main" xmlns:p15="http://schemas.microsoft.com/office/powerpoint/2012/main" xmlns:mc="http://schemas.openxmlformats.org/markup-compatibility/2006" type="objOverTx" preserve="1">
+  <p:cSld name="Title, Content over Content">
+    <p:spTree>
+      <p:nvGrpSpPr>
+        <p:cNvPr id="1" name=""/>
+        <p:cNvGrpSpPr/>
+        <p:nvPr/>
+      </p:nvGrpSpPr>
+      <p:grpSpPr>
+        <a:xfrm>
+          <a:off x="0" y="0"/>
+          <a:ext cx="0" cy="0"/>
+          <a:chOff x="0" y="0"/>
+          <a:chExt cx="0" cy="0"/>
+        </a:xfrm>
+      </p:grpSpPr>
+      <p:sp>
+        <p:nvSpPr>
+          <p:cNvPr id="99" name="PlaceHolder 1"/>
+          <p:cNvSpPr>
+            <a:spLocks noGrp="1"/>
+          </p:cNvSpPr>
+          <p:nvPr>
+            <p:ph type="title"/>
+          </p:nvPr>
+        </p:nvSpPr>
+        <p:spPr>
+          <a:xfrm>
+            <a:off x="504000" y="301320"/>
+            <a:ext cx="9072000" cy="1261800"/>
+          </a:xfrm>
+          <a:prstGeom prst="rect">
+            <a:avLst/>
+          </a:prstGeom>
+        </p:spPr>
+        <p:txBody>
+          <a:bodyPr lIns="0" rIns="0" tIns="0" bIns="0" anchor="ctr">
+            <a:noAutofit/>
+          </a:bodyPr>
+          <a:p>
+            <a:pPr algn="ctr"/>
+            <a:endParaRPr b="0" lang="en-US" sz="4400" spc="-1" strike="noStrike">
+              <a:latin typeface="Arial"/>
+            </a:endParaRPr>
+          </a:p>
+        </p:txBody>
+      </p:sp>
+      <p:sp>
+        <p:nvSpPr>
+          <p:cNvPr id="100" name="PlaceHolder 2"/>
+          <p:cNvSpPr>
+            <a:spLocks noGrp="1"/>
+          </p:cNvSpPr>
+          <p:nvPr>
+            <p:ph type="body"/>
+          </p:nvPr>
+        </p:nvSpPr>
+        <p:spPr>
+          <a:xfrm>
+            <a:off x="504000" y="1768680"/>
+            <a:ext cx="9072000" cy="2090880"/>
+          </a:xfrm>
+          <a:prstGeom prst="rect">
+            <a:avLst/>
+          </a:prstGeom>
+        </p:spPr>
+        <p:txBody>
+          <a:bodyPr lIns="0" rIns="0" tIns="0" bIns="0">
+            <a:normAutofit/>
+          </a:bodyPr>
+          <a:p>
+            <a:endParaRPr b="0" lang="en-US" sz="3200" spc="-1" strike="noStrike">
+              <a:latin typeface="Arial"/>
+            </a:endParaRPr>
+          </a:p>
+        </p:txBody>
+      </p:sp>
+      <p:sp>
+        <p:nvSpPr>
+          <p:cNvPr id="101" name="PlaceHolder 3"/>
+          <p:cNvSpPr>
+            <a:spLocks noGrp="1"/>
+          </p:cNvSpPr>
+          <p:nvPr>
+            <p:ph type="body"/>
+          </p:nvPr>
+        </p:nvSpPr>
+        <p:spPr>
+          <a:xfrm>
+            <a:off x="504000" y="4058640"/>
+            <a:ext cx="9072000" cy="2090880"/>
+          </a:xfrm>
+          <a:prstGeom prst="rect">
+            <a:avLst/>
+          </a:prstGeom>
+        </p:spPr>
+        <p:txBody>
+          <a:bodyPr lIns="0" rIns="0" tIns="0" bIns="0">
+            <a:normAutofit/>
+          </a:bodyPr>
+          <a:p>
+            <a:endParaRPr b="0" lang="en-US" sz="3200" spc="-1" strike="noStrike">
+              <a:latin typeface="Arial"/>
+            </a:endParaRPr>
+          </a:p>
+        </p:txBody>
+      </p:sp>
+    </p:spTree>
+  </p:cSld>
+</p:sldLayout>
+</file>
+
+<file path=ppt/slideLayouts/slideLayout35.xml><?xml version="1.0" encoding="utf-8"?>
+<p:sldLayout xmlns:a="http://schemas.openxmlformats.org/drawingml/2006/main" xmlns:p="http://schemas.openxmlformats.org/presentationml/2006/main" xmlns:r="http://schemas.openxmlformats.org/officeDocument/2006/relationships" xmlns:p14="http://schemas.microsoft.com/office/powerpoint/2010/main" xmlns:p15="http://schemas.microsoft.com/office/powerpoint/2012/main" xmlns:mc="http://schemas.openxmlformats.org/markup-compatibility/2006" type="fourObj" preserve="1">
+  <p:cSld name="Title, 4 Content">
+    <p:spTree>
+      <p:nvGrpSpPr>
+        <p:cNvPr id="1" name=""/>
+        <p:cNvGrpSpPr/>
+        <p:nvPr/>
+      </p:nvGrpSpPr>
+      <p:grpSpPr>
+        <a:xfrm>
+          <a:off x="0" y="0"/>
+          <a:ext cx="0" cy="0"/>
+          <a:chOff x="0" y="0"/>
+          <a:chExt cx="0" cy="0"/>
+        </a:xfrm>
+      </p:grpSpPr>
+      <p:sp>
+        <p:nvSpPr>
+          <p:cNvPr id="102" name="PlaceHolder 1"/>
+          <p:cNvSpPr>
+            <a:spLocks noGrp="1"/>
+          </p:cNvSpPr>
+          <p:nvPr>
+            <p:ph type="title"/>
+          </p:nvPr>
+        </p:nvSpPr>
+        <p:spPr>
+          <a:xfrm>
+            <a:off x="504000" y="301320"/>
+            <a:ext cx="9072000" cy="1261800"/>
+          </a:xfrm>
+          <a:prstGeom prst="rect">
+            <a:avLst/>
+          </a:prstGeom>
+        </p:spPr>
+        <p:txBody>
+          <a:bodyPr lIns="0" rIns="0" tIns="0" bIns="0" anchor="ctr">
+            <a:noAutofit/>
+          </a:bodyPr>
+          <a:p>
+            <a:pPr algn="ctr"/>
+            <a:endParaRPr b="0" lang="en-US" sz="4400" spc="-1" strike="noStrike">
+              <a:latin typeface="Arial"/>
+            </a:endParaRPr>
+          </a:p>
+        </p:txBody>
+      </p:sp>
+      <p:sp>
+        <p:nvSpPr>
+          <p:cNvPr id="103" name="PlaceHolder 2"/>
+          <p:cNvSpPr>
+            <a:spLocks noGrp="1"/>
+          </p:cNvSpPr>
+          <p:nvPr>
+            <p:ph type="body"/>
+          </p:nvPr>
+        </p:nvSpPr>
+        <p:spPr>
+          <a:xfrm>
+            <a:off x="504000" y="1768680"/>
+            <a:ext cx="4426920" cy="2090880"/>
+          </a:xfrm>
+          <a:prstGeom prst="rect">
+            <a:avLst/>
+          </a:prstGeom>
+        </p:spPr>
+        <p:txBody>
+          <a:bodyPr lIns="0" rIns="0" tIns="0" bIns="0">
+            <a:normAutofit/>
+          </a:bodyPr>
+          <a:p>
+            <a:endParaRPr b="0" lang="en-US" sz="3200" spc="-1" strike="noStrike">
+              <a:latin typeface="Arial"/>
+            </a:endParaRPr>
+          </a:p>
+        </p:txBody>
+      </p:sp>
+      <p:sp>
+        <p:nvSpPr>
+          <p:cNvPr id="104" name="PlaceHolder 3"/>
+          <p:cNvSpPr>
+            <a:spLocks noGrp="1"/>
+          </p:cNvSpPr>
+          <p:nvPr>
+            <p:ph type="body"/>
+          </p:nvPr>
+        </p:nvSpPr>
+        <p:spPr>
+          <a:xfrm>
+            <a:off x="5152680" y="1768680"/>
+            <a:ext cx="4426920" cy="2090880"/>
+          </a:xfrm>
+          <a:prstGeom prst="rect">
+            <a:avLst/>
+          </a:prstGeom>
+        </p:spPr>
+        <p:txBody>
+          <a:bodyPr lIns="0" rIns="0" tIns="0" bIns="0">
+            <a:normAutofit/>
+          </a:bodyPr>
+          <a:p>
+            <a:endParaRPr b="0" lang="en-US" sz="3200" spc="-1" strike="noStrike">
+              <a:latin typeface="Arial"/>
+            </a:endParaRPr>
+          </a:p>
+        </p:txBody>
+      </p:sp>
+      <p:sp>
+        <p:nvSpPr>
+          <p:cNvPr id="105" name="PlaceHolder 4"/>
+          <p:cNvSpPr>
+            <a:spLocks noGrp="1"/>
+          </p:cNvSpPr>
+          <p:nvPr>
+            <p:ph type="body"/>
+          </p:nvPr>
+        </p:nvSpPr>
+        <p:spPr>
+          <a:xfrm>
+            <a:off x="504000" y="4058640"/>
+            <a:ext cx="4426920" cy="2090880"/>
+          </a:xfrm>
+          <a:prstGeom prst="rect">
+            <a:avLst/>
+          </a:prstGeom>
+        </p:spPr>
+        <p:txBody>
+          <a:bodyPr lIns="0" rIns="0" tIns="0" bIns="0">
+            <a:normAutofit/>
+          </a:bodyPr>
+          <a:p>
+            <a:endParaRPr b="0" lang="en-US" sz="3200" spc="-1" strike="noStrike">
+              <a:latin typeface="Arial"/>
+            </a:endParaRPr>
+          </a:p>
+        </p:txBody>
+      </p:sp>
+      <p:sp>
+        <p:nvSpPr>
+          <p:cNvPr id="106" name="PlaceHolder 5"/>
+          <p:cNvSpPr>
+            <a:spLocks noGrp="1"/>
+          </p:cNvSpPr>
+          <p:nvPr>
+            <p:ph type="body"/>
+          </p:nvPr>
+        </p:nvSpPr>
+        <p:spPr>
+          <a:xfrm>
+            <a:off x="5152680" y="4058640"/>
+            <a:ext cx="4426920" cy="2090880"/>
+          </a:xfrm>
+          <a:prstGeom prst="rect">
+            <a:avLst/>
+          </a:prstGeom>
+        </p:spPr>
+        <p:txBody>
+          <a:bodyPr lIns="0" rIns="0" tIns="0" bIns="0">
+            <a:normAutofit/>
+          </a:bodyPr>
+          <a:p>
+            <a:endParaRPr b="0" lang="en-US" sz="3200" spc="-1" strike="noStrike">
+              <a:latin typeface="Arial"/>
+            </a:endParaRPr>
+          </a:p>
+        </p:txBody>
+      </p:sp>
+    </p:spTree>
+  </p:cSld>
+</p:sldLayout>
+</file>
+
+<file path=ppt/slideLayouts/slideLayout36.xml><?xml version="1.0" encoding="utf-8"?>
+<p:sldLayout xmlns:a="http://schemas.openxmlformats.org/drawingml/2006/main" xmlns:p="http://schemas.openxmlformats.org/presentationml/2006/main" xmlns:r="http://schemas.openxmlformats.org/officeDocument/2006/relationships" xmlns:p14="http://schemas.microsoft.com/office/powerpoint/2010/main" xmlns:p15="http://schemas.microsoft.com/office/powerpoint/2012/main" xmlns:mc="http://schemas.openxmlformats.org/markup-compatibility/2006" type="blank" preserve="1">
+  <p:cSld name="Title, 6 Content">
+    <p:spTree>
+      <p:nvGrpSpPr>
+        <p:cNvPr id="1" name=""/>
+        <p:cNvGrpSpPr/>
+        <p:nvPr/>
+      </p:nvGrpSpPr>
+      <p:grpSpPr>
+        <a:xfrm>
+          <a:off x="0" y="0"/>
+          <a:ext cx="0" cy="0"/>
+          <a:chOff x="0" y="0"/>
+          <a:chExt cx="0" cy="0"/>
+        </a:xfrm>
+      </p:grpSpPr>
+      <p:sp>
+        <p:nvSpPr>
+          <p:cNvPr id="107" name="PlaceHolder 1"/>
+          <p:cNvSpPr>
+            <a:spLocks noGrp="1"/>
+          </p:cNvSpPr>
+          <p:nvPr>
+            <p:ph type="title"/>
+          </p:nvPr>
+        </p:nvSpPr>
+        <p:spPr>
+          <a:xfrm>
+            <a:off x="504000" y="301320"/>
+            <a:ext cx="9072000" cy="1261800"/>
+          </a:xfrm>
+          <a:prstGeom prst="rect">
+            <a:avLst/>
+          </a:prstGeom>
+        </p:spPr>
+        <p:txBody>
+          <a:bodyPr lIns="0" rIns="0" tIns="0" bIns="0" anchor="ctr">
+            <a:noAutofit/>
+          </a:bodyPr>
+          <a:p>
+            <a:pPr algn="ctr"/>
+            <a:endParaRPr b="0" lang="en-US" sz="4400" spc="-1" strike="noStrike">
+              <a:latin typeface="Arial"/>
+            </a:endParaRPr>
+          </a:p>
+        </p:txBody>
+      </p:sp>
+      <p:sp>
+        <p:nvSpPr>
+          <p:cNvPr id="108" name="PlaceHolder 2"/>
+          <p:cNvSpPr>
+            <a:spLocks noGrp="1"/>
+          </p:cNvSpPr>
+          <p:nvPr>
+            <p:ph type="body"/>
+          </p:nvPr>
+        </p:nvSpPr>
+        <p:spPr>
+          <a:xfrm>
+            <a:off x="504000" y="1768680"/>
+            <a:ext cx="2921040" cy="2090880"/>
+          </a:xfrm>
+          <a:prstGeom prst="rect">
+            <a:avLst/>
+          </a:prstGeom>
+        </p:spPr>
+        <p:txBody>
+          <a:bodyPr lIns="0" rIns="0" tIns="0" bIns="0">
+            <a:normAutofit/>
+          </a:bodyPr>
+          <a:p>
+            <a:endParaRPr b="0" lang="en-US" sz="3200" spc="-1" strike="noStrike">
+              <a:latin typeface="Arial"/>
+            </a:endParaRPr>
+          </a:p>
+        </p:txBody>
+      </p:sp>
+      <p:sp>
+        <p:nvSpPr>
+          <p:cNvPr id="109" name="PlaceHolder 3"/>
+          <p:cNvSpPr>
+            <a:spLocks noGrp="1"/>
+          </p:cNvSpPr>
+          <p:nvPr>
+            <p:ph type="body"/>
+          </p:nvPr>
+        </p:nvSpPr>
+        <p:spPr>
+          <a:xfrm>
+            <a:off x="3571560" y="1768680"/>
+            <a:ext cx="2921040" cy="2090880"/>
+          </a:xfrm>
+          <a:prstGeom prst="rect">
+            <a:avLst/>
+          </a:prstGeom>
+        </p:spPr>
+        <p:txBody>
+          <a:bodyPr lIns="0" rIns="0" tIns="0" bIns="0">
+            <a:normAutofit/>
+          </a:bodyPr>
+          <a:p>
+            <a:endParaRPr b="0" lang="en-US" sz="3200" spc="-1" strike="noStrike">
+              <a:latin typeface="Arial"/>
+            </a:endParaRPr>
+          </a:p>
+        </p:txBody>
+      </p:sp>
+      <p:sp>
+        <p:nvSpPr>
+          <p:cNvPr id="110" name="PlaceHolder 4"/>
+          <p:cNvSpPr>
+            <a:spLocks noGrp="1"/>
+          </p:cNvSpPr>
+          <p:nvPr>
+            <p:ph type="body"/>
+          </p:nvPr>
+        </p:nvSpPr>
+        <p:spPr>
+          <a:xfrm>
+            <a:off x="6639120" y="1768680"/>
+            <a:ext cx="2921040" cy="2090880"/>
+          </a:xfrm>
+          <a:prstGeom prst="rect">
+            <a:avLst/>
+          </a:prstGeom>
+        </p:spPr>
+        <p:txBody>
+          <a:bodyPr lIns="0" rIns="0" tIns="0" bIns="0">
+            <a:normAutofit/>
+          </a:bodyPr>
+          <a:p>
+            <a:endParaRPr b="0" lang="en-US" sz="3200" spc="-1" strike="noStrike">
+              <a:latin typeface="Arial"/>
+            </a:endParaRPr>
+          </a:p>
+        </p:txBody>
+      </p:sp>
+      <p:sp>
+        <p:nvSpPr>
+          <p:cNvPr id="111" name="PlaceHolder 5"/>
+          <p:cNvSpPr>
+            <a:spLocks noGrp="1"/>
+          </p:cNvSpPr>
+          <p:nvPr>
+            <p:ph type="body"/>
+          </p:nvPr>
+        </p:nvSpPr>
+        <p:spPr>
+          <a:xfrm>
+            <a:off x="504000" y="4058640"/>
+            <a:ext cx="2921040" cy="2090880"/>
+          </a:xfrm>
+          <a:prstGeom prst="rect">
+            <a:avLst/>
+          </a:prstGeom>
+        </p:spPr>
+        <p:txBody>
+          <a:bodyPr lIns="0" rIns="0" tIns="0" bIns="0">
+            <a:normAutofit/>
+          </a:bodyPr>
+          <a:p>
+            <a:endParaRPr b="0" lang="en-US" sz="3200" spc="-1" strike="noStrike">
+              <a:latin typeface="Arial"/>
+            </a:endParaRPr>
+          </a:p>
+        </p:txBody>
+      </p:sp>
+      <p:sp>
+        <p:nvSpPr>
+          <p:cNvPr id="112" name="PlaceHolder 6"/>
+          <p:cNvSpPr>
+            <a:spLocks noGrp="1"/>
+          </p:cNvSpPr>
+          <p:nvPr>
+            <p:ph type="body"/>
+          </p:nvPr>
+        </p:nvSpPr>
+        <p:spPr>
+          <a:xfrm>
+            <a:off x="3571560" y="4058640"/>
+            <a:ext cx="2921040" cy="2090880"/>
+          </a:xfrm>
+          <a:prstGeom prst="rect">
+            <a:avLst/>
+          </a:prstGeom>
+        </p:spPr>
+        <p:txBody>
+          <a:bodyPr lIns="0" rIns="0" tIns="0" bIns="0">
+            <a:normAutofit/>
+          </a:bodyPr>
+          <a:p>
+            <a:endParaRPr b="0" lang="en-US" sz="3200" spc="-1" strike="noStrike">
+              <a:latin typeface="Arial"/>
+            </a:endParaRPr>
+          </a:p>
+        </p:txBody>
+      </p:sp>
+      <p:sp>
+        <p:nvSpPr>
+          <p:cNvPr id="113" name="PlaceHolder 7"/>
+          <p:cNvSpPr>
+            <a:spLocks noGrp="1"/>
+          </p:cNvSpPr>
+          <p:nvPr>
+            <p:ph type="body"/>
+          </p:nvPr>
+        </p:nvSpPr>
+        <p:spPr>
+          <a:xfrm>
+            <a:off x="6639120" y="4058640"/>
+            <a:ext cx="2921040" cy="2090880"/>
+          </a:xfrm>
+          <a:prstGeom prst="rect">
+            <a:avLst/>
+          </a:prstGeom>
+        </p:spPr>
+        <p:txBody>
+          <a:bodyPr lIns="0" rIns="0" tIns="0" bIns="0">
+            <a:normAutofit/>
+          </a:bodyPr>
+          <a:p>
+            <a:endParaRPr b="0" lang="en-US" sz="3200" spc="-1" strike="noStrike">
               <a:latin typeface="Arial"/>
             </a:endParaRPr>
           </a:p>
@@ -2263,7 +3464,7 @@
       </p:grpSpPr>
       <p:sp>
         <p:nvSpPr>
-          <p:cNvPr id="9" name="PlaceHolder 1"/>
+          <p:cNvPr id="6" name="PlaceHolder 1"/>
           <p:cNvSpPr>
             <a:spLocks noGrp="1"/>
           </p:cNvSpPr>
@@ -2273,8 +3474,8 @@
         </p:nvSpPr>
         <p:spPr>
           <a:xfrm>
-            <a:off x="504000" y="1080000"/>
-            <a:ext cx="9071640" cy="1728000"/>
+            <a:off x="504000" y="301320"/>
+            <a:ext cx="9072000" cy="1261800"/>
           </a:xfrm>
           <a:prstGeom prst="rect">
             <a:avLst/>
@@ -2286,18 +3487,15 @@
           </a:bodyPr>
           <a:p>
             <a:pPr algn="ctr"/>
-            <a:endParaRPr b="0" lang="en-US" sz="5860" spc="-1" strike="noStrike">
-              <a:solidFill>
-                <a:srgbClr val="ffffff"/>
-              </a:solidFill>
-              <a:latin typeface="Arial"/>
-            </a:endParaRPr>
-          </a:p>
-        </p:txBody>
-      </p:sp>
-      <p:sp>
-        <p:nvSpPr>
-          <p:cNvPr id="10" name="PlaceHolder 2"/>
+            <a:endParaRPr b="0" lang="en-US" sz="4400" spc="-1" strike="noStrike">
+              <a:latin typeface="Arial"/>
+            </a:endParaRPr>
+          </a:p>
+        </p:txBody>
+      </p:sp>
+      <p:sp>
+        <p:nvSpPr>
+          <p:cNvPr id="7" name="PlaceHolder 2"/>
           <p:cNvSpPr>
             <a:spLocks noGrp="1"/>
           </p:cNvSpPr>
@@ -2307,8 +3505,8 @@
         </p:nvSpPr>
         <p:spPr>
           <a:xfrm>
-            <a:off x="504000" y="3168000"/>
-            <a:ext cx="4426920" cy="3672000"/>
+            <a:off x="504000" y="1768680"/>
+            <a:ext cx="4426920" cy="4384080"/>
           </a:xfrm>
           <a:prstGeom prst="rect">
             <a:avLst/>
@@ -2319,18 +3517,15 @@
             <a:normAutofit/>
           </a:bodyPr>
           <a:p>
-            <a:endParaRPr b="0" lang="en-US" sz="4200" spc="-1" strike="noStrike">
-              <a:solidFill>
-                <a:srgbClr val="ffffff"/>
-              </a:solidFill>
-              <a:latin typeface="Arial"/>
-            </a:endParaRPr>
-          </a:p>
-        </p:txBody>
-      </p:sp>
-      <p:sp>
-        <p:nvSpPr>
-          <p:cNvPr id="11" name="PlaceHolder 3"/>
+            <a:endParaRPr b="0" lang="en-US" sz="3200" spc="-1" strike="noStrike">
+              <a:latin typeface="Arial"/>
+            </a:endParaRPr>
+          </a:p>
+        </p:txBody>
+      </p:sp>
+      <p:sp>
+        <p:nvSpPr>
+          <p:cNvPr id="8" name="PlaceHolder 3"/>
           <p:cNvSpPr>
             <a:spLocks noGrp="1"/>
           </p:cNvSpPr>
@@ -2340,8 +3535,8 @@
         </p:nvSpPr>
         <p:spPr>
           <a:xfrm>
-            <a:off x="5152680" y="3168000"/>
-            <a:ext cx="4426920" cy="3672000"/>
+            <a:off x="5152680" y="1768680"/>
+            <a:ext cx="4426920" cy="4384080"/>
           </a:xfrm>
           <a:prstGeom prst="rect">
             <a:avLst/>
@@ -2352,10 +3547,7 @@
             <a:normAutofit/>
           </a:bodyPr>
           <a:p>
-            <a:endParaRPr b="0" lang="en-US" sz="4200" spc="-1" strike="noStrike">
-              <a:solidFill>
-                <a:srgbClr val="ffffff"/>
-              </a:solidFill>
+            <a:endParaRPr b="0" lang="en-US" sz="3200" spc="-1" strike="noStrike">
               <a:latin typeface="Arial"/>
             </a:endParaRPr>
           </a:p>
@@ -2385,7 +3577,7 @@
       </p:grpSpPr>
       <p:sp>
         <p:nvSpPr>
-          <p:cNvPr id="12" name="PlaceHolder 1"/>
+          <p:cNvPr id="9" name="PlaceHolder 1"/>
           <p:cNvSpPr>
             <a:spLocks noGrp="1"/>
           </p:cNvSpPr>
@@ -2395,8 +3587,8 @@
         </p:nvSpPr>
         <p:spPr>
           <a:xfrm>
-            <a:off x="504000" y="1080000"/>
-            <a:ext cx="9071640" cy="1728000"/>
+            <a:off x="504000" y="301320"/>
+            <a:ext cx="9072000" cy="1261800"/>
           </a:xfrm>
           <a:prstGeom prst="rect">
             <a:avLst/>
@@ -2408,10 +3600,7 @@
           </a:bodyPr>
           <a:p>
             <a:pPr algn="ctr"/>
-            <a:endParaRPr b="0" lang="en-US" sz="5860" spc="-1" strike="noStrike">
-              <a:solidFill>
-                <a:srgbClr val="ffffff"/>
-              </a:solidFill>
+            <a:endParaRPr b="0" lang="en-US" sz="4400" spc="-1" strike="noStrike">
               <a:latin typeface="Arial"/>
             </a:endParaRPr>
           </a:p>
@@ -2441,7 +3630,7 @@
       </p:grpSpPr>
       <p:sp>
         <p:nvSpPr>
-          <p:cNvPr id="13" name="PlaceHolder 1"/>
+          <p:cNvPr id="10" name="PlaceHolder 1"/>
           <p:cNvSpPr>
             <a:spLocks noGrp="1"/>
           </p:cNvSpPr>
@@ -2451,8 +3640,8 @@
         </p:nvSpPr>
         <p:spPr>
           <a:xfrm>
-            <a:off x="504000" y="1080000"/>
-            <a:ext cx="9071640" cy="8011440"/>
+            <a:off x="504000" y="301320"/>
+            <a:ext cx="9072000" cy="5850360"/>
           </a:xfrm>
           <a:prstGeom prst="rect">
             <a:avLst/>
@@ -2465,9 +3654,6 @@
           <a:p>
             <a:pPr algn="ctr"/>
             <a:endParaRPr b="0" lang="en-US" sz="3200" spc="-1" strike="noStrike">
-              <a:solidFill>
-                <a:srgbClr val="ffffff"/>
-              </a:solidFill>
               <a:latin typeface="Arial"/>
             </a:endParaRPr>
           </a:p>
@@ -2497,7 +3683,7 @@
       </p:grpSpPr>
       <p:sp>
         <p:nvSpPr>
-          <p:cNvPr id="14" name="PlaceHolder 1"/>
+          <p:cNvPr id="11" name="PlaceHolder 1"/>
           <p:cNvSpPr>
             <a:spLocks noGrp="1"/>
           </p:cNvSpPr>
@@ -2507,8 +3693,8 @@
         </p:nvSpPr>
         <p:spPr>
           <a:xfrm>
-            <a:off x="504000" y="1080000"/>
-            <a:ext cx="9071640" cy="1728000"/>
+            <a:off x="504000" y="301320"/>
+            <a:ext cx="9072000" cy="1261800"/>
           </a:xfrm>
           <a:prstGeom prst="rect">
             <a:avLst/>
@@ -2520,18 +3706,15 @@
           </a:bodyPr>
           <a:p>
             <a:pPr algn="ctr"/>
-            <a:endParaRPr b="0" lang="en-US" sz="5860" spc="-1" strike="noStrike">
-              <a:solidFill>
-                <a:srgbClr val="ffffff"/>
-              </a:solidFill>
-              <a:latin typeface="Arial"/>
-            </a:endParaRPr>
-          </a:p>
-        </p:txBody>
-      </p:sp>
-      <p:sp>
-        <p:nvSpPr>
-          <p:cNvPr id="15" name="PlaceHolder 2"/>
+            <a:endParaRPr b="0" lang="en-US" sz="4400" spc="-1" strike="noStrike">
+              <a:latin typeface="Arial"/>
+            </a:endParaRPr>
+          </a:p>
+        </p:txBody>
+      </p:sp>
+      <p:sp>
+        <p:nvSpPr>
+          <p:cNvPr id="12" name="PlaceHolder 2"/>
           <p:cNvSpPr>
             <a:spLocks noGrp="1"/>
           </p:cNvSpPr>
@@ -2541,8 +3724,8 @@
         </p:nvSpPr>
         <p:spPr>
           <a:xfrm>
-            <a:off x="504000" y="3168000"/>
-            <a:ext cx="4426920" cy="1751400"/>
+            <a:off x="504000" y="1768680"/>
+            <a:ext cx="4426920" cy="2090880"/>
           </a:xfrm>
           <a:prstGeom prst="rect">
             <a:avLst/>
@@ -2553,18 +3736,15 @@
             <a:normAutofit/>
           </a:bodyPr>
           <a:p>
-            <a:endParaRPr b="0" lang="en-US" sz="4200" spc="-1" strike="noStrike">
-              <a:solidFill>
-                <a:srgbClr val="ffffff"/>
-              </a:solidFill>
-              <a:latin typeface="Arial"/>
-            </a:endParaRPr>
-          </a:p>
-        </p:txBody>
-      </p:sp>
-      <p:sp>
-        <p:nvSpPr>
-          <p:cNvPr id="16" name="PlaceHolder 3"/>
+            <a:endParaRPr b="0" lang="en-US" sz="3200" spc="-1" strike="noStrike">
+              <a:latin typeface="Arial"/>
+            </a:endParaRPr>
+          </a:p>
+        </p:txBody>
+      </p:sp>
+      <p:sp>
+        <p:nvSpPr>
+          <p:cNvPr id="13" name="PlaceHolder 3"/>
           <p:cNvSpPr>
             <a:spLocks noGrp="1"/>
           </p:cNvSpPr>
@@ -2574,8 +3754,8 @@
         </p:nvSpPr>
         <p:spPr>
           <a:xfrm>
-            <a:off x="5152680" y="3168000"/>
-            <a:ext cx="4426920" cy="3672000"/>
+            <a:off x="5152680" y="1768680"/>
+            <a:ext cx="4426920" cy="4384080"/>
           </a:xfrm>
           <a:prstGeom prst="rect">
             <a:avLst/>
@@ -2586,18 +3766,15 @@
             <a:normAutofit/>
           </a:bodyPr>
           <a:p>
-            <a:endParaRPr b="0" lang="en-US" sz="4200" spc="-1" strike="noStrike">
-              <a:solidFill>
-                <a:srgbClr val="ffffff"/>
-              </a:solidFill>
-              <a:latin typeface="Arial"/>
-            </a:endParaRPr>
-          </a:p>
-        </p:txBody>
-      </p:sp>
-      <p:sp>
-        <p:nvSpPr>
-          <p:cNvPr id="17" name="PlaceHolder 4"/>
+            <a:endParaRPr b="0" lang="en-US" sz="3200" spc="-1" strike="noStrike">
+              <a:latin typeface="Arial"/>
+            </a:endParaRPr>
+          </a:p>
+        </p:txBody>
+      </p:sp>
+      <p:sp>
+        <p:nvSpPr>
+          <p:cNvPr id="14" name="PlaceHolder 4"/>
           <p:cNvSpPr>
             <a:spLocks noGrp="1"/>
           </p:cNvSpPr>
@@ -2607,8 +3784,8 @@
         </p:nvSpPr>
         <p:spPr>
           <a:xfrm>
-            <a:off x="504000" y="5086080"/>
-            <a:ext cx="4426920" cy="1751400"/>
+            <a:off x="504000" y="4058640"/>
+            <a:ext cx="4426920" cy="2090880"/>
           </a:xfrm>
           <a:prstGeom prst="rect">
             <a:avLst/>
@@ -2619,10 +3796,7 @@
             <a:normAutofit/>
           </a:bodyPr>
           <a:p>
-            <a:endParaRPr b="0" lang="en-US" sz="4200" spc="-1" strike="noStrike">
-              <a:solidFill>
-                <a:srgbClr val="ffffff"/>
-              </a:solidFill>
+            <a:endParaRPr b="0" lang="en-US" sz="3200" spc="-1" strike="noStrike">
               <a:latin typeface="Arial"/>
             </a:endParaRPr>
           </a:p>
@@ -2652,7 +3826,7 @@
       </p:grpSpPr>
       <p:sp>
         <p:nvSpPr>
-          <p:cNvPr id="18" name="PlaceHolder 1"/>
+          <p:cNvPr id="15" name="PlaceHolder 1"/>
           <p:cNvSpPr>
             <a:spLocks noGrp="1"/>
           </p:cNvSpPr>
@@ -2662,8 +3836,8 @@
         </p:nvSpPr>
         <p:spPr>
           <a:xfrm>
-            <a:off x="504000" y="1080000"/>
-            <a:ext cx="9071640" cy="1728000"/>
+            <a:off x="504000" y="301320"/>
+            <a:ext cx="9072000" cy="1261800"/>
           </a:xfrm>
           <a:prstGeom prst="rect">
             <a:avLst/>
@@ -2675,18 +3849,15 @@
           </a:bodyPr>
           <a:p>
             <a:pPr algn="ctr"/>
-            <a:endParaRPr b="0" lang="en-US" sz="5860" spc="-1" strike="noStrike">
-              <a:solidFill>
-                <a:srgbClr val="ffffff"/>
-              </a:solidFill>
-              <a:latin typeface="Arial"/>
-            </a:endParaRPr>
-          </a:p>
-        </p:txBody>
-      </p:sp>
-      <p:sp>
-        <p:nvSpPr>
-          <p:cNvPr id="19" name="PlaceHolder 2"/>
+            <a:endParaRPr b="0" lang="en-US" sz="4400" spc="-1" strike="noStrike">
+              <a:latin typeface="Arial"/>
+            </a:endParaRPr>
+          </a:p>
+        </p:txBody>
+      </p:sp>
+      <p:sp>
+        <p:nvSpPr>
+          <p:cNvPr id="16" name="PlaceHolder 2"/>
           <p:cNvSpPr>
             <a:spLocks noGrp="1"/>
           </p:cNvSpPr>
@@ -2696,8 +3867,8 @@
         </p:nvSpPr>
         <p:spPr>
           <a:xfrm>
-            <a:off x="504000" y="3168000"/>
-            <a:ext cx="4426920" cy="3672000"/>
+            <a:off x="504000" y="1768680"/>
+            <a:ext cx="4426920" cy="4384080"/>
           </a:xfrm>
           <a:prstGeom prst="rect">
             <a:avLst/>
@@ -2708,18 +3879,15 @@
             <a:normAutofit/>
           </a:bodyPr>
           <a:p>
-            <a:endParaRPr b="0" lang="en-US" sz="4200" spc="-1" strike="noStrike">
-              <a:solidFill>
-                <a:srgbClr val="ffffff"/>
-              </a:solidFill>
-              <a:latin typeface="Arial"/>
-            </a:endParaRPr>
-          </a:p>
-        </p:txBody>
-      </p:sp>
-      <p:sp>
-        <p:nvSpPr>
-          <p:cNvPr id="20" name="PlaceHolder 3"/>
+            <a:endParaRPr b="0" lang="en-US" sz="3200" spc="-1" strike="noStrike">
+              <a:latin typeface="Arial"/>
+            </a:endParaRPr>
+          </a:p>
+        </p:txBody>
+      </p:sp>
+      <p:sp>
+        <p:nvSpPr>
+          <p:cNvPr id="17" name="PlaceHolder 3"/>
           <p:cNvSpPr>
             <a:spLocks noGrp="1"/>
           </p:cNvSpPr>
@@ -2729,8 +3897,8 @@
         </p:nvSpPr>
         <p:spPr>
           <a:xfrm>
-            <a:off x="5152680" y="3168000"/>
-            <a:ext cx="4426920" cy="1751400"/>
+            <a:off x="5152680" y="1768680"/>
+            <a:ext cx="4426920" cy="2090880"/>
           </a:xfrm>
           <a:prstGeom prst="rect">
             <a:avLst/>
@@ -2741,18 +3909,15 @@
             <a:normAutofit/>
           </a:bodyPr>
           <a:p>
-            <a:endParaRPr b="0" lang="en-US" sz="4200" spc="-1" strike="noStrike">
-              <a:solidFill>
-                <a:srgbClr val="ffffff"/>
-              </a:solidFill>
-              <a:latin typeface="Arial"/>
-            </a:endParaRPr>
-          </a:p>
-        </p:txBody>
-      </p:sp>
-      <p:sp>
-        <p:nvSpPr>
-          <p:cNvPr id="21" name="PlaceHolder 4"/>
+            <a:endParaRPr b="0" lang="en-US" sz="3200" spc="-1" strike="noStrike">
+              <a:latin typeface="Arial"/>
+            </a:endParaRPr>
+          </a:p>
+        </p:txBody>
+      </p:sp>
+      <p:sp>
+        <p:nvSpPr>
+          <p:cNvPr id="18" name="PlaceHolder 4"/>
           <p:cNvSpPr>
             <a:spLocks noGrp="1"/>
           </p:cNvSpPr>
@@ -2762,8 +3927,8 @@
         </p:nvSpPr>
         <p:spPr>
           <a:xfrm>
-            <a:off x="5152680" y="5086080"/>
-            <a:ext cx="4426920" cy="1751400"/>
+            <a:off x="5152680" y="4058640"/>
+            <a:ext cx="4426920" cy="2090880"/>
           </a:xfrm>
           <a:prstGeom prst="rect">
             <a:avLst/>
@@ -2774,10 +3939,7 @@
             <a:normAutofit/>
           </a:bodyPr>
           <a:p>
-            <a:endParaRPr b="0" lang="en-US" sz="4200" spc="-1" strike="noStrike">
-              <a:solidFill>
-                <a:srgbClr val="ffffff"/>
-              </a:solidFill>
+            <a:endParaRPr b="0" lang="en-US" sz="3200" spc="-1" strike="noStrike">
               <a:latin typeface="Arial"/>
             </a:endParaRPr>
           </a:p>
@@ -2807,7 +3969,7 @@
       </p:grpSpPr>
       <p:sp>
         <p:nvSpPr>
-          <p:cNvPr id="22" name="PlaceHolder 1"/>
+          <p:cNvPr id="19" name="PlaceHolder 1"/>
           <p:cNvSpPr>
             <a:spLocks noGrp="1"/>
           </p:cNvSpPr>
@@ -2817,8 +3979,8 @@
         </p:nvSpPr>
         <p:spPr>
           <a:xfrm>
-            <a:off x="504000" y="1080000"/>
-            <a:ext cx="9071640" cy="1728000"/>
+            <a:off x="504000" y="301320"/>
+            <a:ext cx="9072000" cy="1261800"/>
           </a:xfrm>
           <a:prstGeom prst="rect">
             <a:avLst/>
@@ -2830,18 +3992,15 @@
           </a:bodyPr>
           <a:p>
             <a:pPr algn="ctr"/>
-            <a:endParaRPr b="0" lang="en-US" sz="5860" spc="-1" strike="noStrike">
-              <a:solidFill>
-                <a:srgbClr val="ffffff"/>
-              </a:solidFill>
-              <a:latin typeface="Arial"/>
-            </a:endParaRPr>
-          </a:p>
-        </p:txBody>
-      </p:sp>
-      <p:sp>
-        <p:nvSpPr>
-          <p:cNvPr id="23" name="PlaceHolder 2"/>
+            <a:endParaRPr b="0" lang="en-US" sz="4400" spc="-1" strike="noStrike">
+              <a:latin typeface="Arial"/>
+            </a:endParaRPr>
+          </a:p>
+        </p:txBody>
+      </p:sp>
+      <p:sp>
+        <p:nvSpPr>
+          <p:cNvPr id="20" name="PlaceHolder 2"/>
           <p:cNvSpPr>
             <a:spLocks noGrp="1"/>
           </p:cNvSpPr>
@@ -2851,8 +4010,8 @@
         </p:nvSpPr>
         <p:spPr>
           <a:xfrm>
-            <a:off x="504000" y="3168000"/>
-            <a:ext cx="4426920" cy="1751400"/>
+            <a:off x="504000" y="1768680"/>
+            <a:ext cx="4426920" cy="2090880"/>
           </a:xfrm>
           <a:prstGeom prst="rect">
             <a:avLst/>
@@ -2863,18 +4022,15 @@
             <a:normAutofit/>
           </a:bodyPr>
           <a:p>
-            <a:endParaRPr b="0" lang="en-US" sz="4200" spc="-1" strike="noStrike">
-              <a:solidFill>
-                <a:srgbClr val="ffffff"/>
-              </a:solidFill>
-              <a:latin typeface="Arial"/>
-            </a:endParaRPr>
-          </a:p>
-        </p:txBody>
-      </p:sp>
-      <p:sp>
-        <p:nvSpPr>
-          <p:cNvPr id="24" name="PlaceHolder 3"/>
+            <a:endParaRPr b="0" lang="en-US" sz="3200" spc="-1" strike="noStrike">
+              <a:latin typeface="Arial"/>
+            </a:endParaRPr>
+          </a:p>
+        </p:txBody>
+      </p:sp>
+      <p:sp>
+        <p:nvSpPr>
+          <p:cNvPr id="21" name="PlaceHolder 3"/>
           <p:cNvSpPr>
             <a:spLocks noGrp="1"/>
           </p:cNvSpPr>
@@ -2884,8 +4040,8 @@
         </p:nvSpPr>
         <p:spPr>
           <a:xfrm>
-            <a:off x="5152680" y="3168000"/>
-            <a:ext cx="4426920" cy="1751400"/>
+            <a:off x="5152680" y="1768680"/>
+            <a:ext cx="4426920" cy="2090880"/>
           </a:xfrm>
           <a:prstGeom prst="rect">
             <a:avLst/>
@@ -2896,18 +4052,15 @@
             <a:normAutofit/>
           </a:bodyPr>
           <a:p>
-            <a:endParaRPr b="0" lang="en-US" sz="4200" spc="-1" strike="noStrike">
-              <a:solidFill>
-                <a:srgbClr val="ffffff"/>
-              </a:solidFill>
-              <a:latin typeface="Arial"/>
-            </a:endParaRPr>
-          </a:p>
-        </p:txBody>
-      </p:sp>
-      <p:sp>
-        <p:nvSpPr>
-          <p:cNvPr id="25" name="PlaceHolder 4"/>
+            <a:endParaRPr b="0" lang="en-US" sz="3200" spc="-1" strike="noStrike">
+              <a:latin typeface="Arial"/>
+            </a:endParaRPr>
+          </a:p>
+        </p:txBody>
+      </p:sp>
+      <p:sp>
+        <p:nvSpPr>
+          <p:cNvPr id="22" name="PlaceHolder 4"/>
           <p:cNvSpPr>
             <a:spLocks noGrp="1"/>
           </p:cNvSpPr>
@@ -2917,8 +4070,8 @@
         </p:nvSpPr>
         <p:spPr>
           <a:xfrm>
-            <a:off x="504000" y="5086080"/>
-            <a:ext cx="9071640" cy="1751400"/>
+            <a:off x="504000" y="4058640"/>
+            <a:ext cx="9072000" cy="2090880"/>
           </a:xfrm>
           <a:prstGeom prst="rect">
             <a:avLst/>
@@ -2929,10 +4082,7 @@
             <a:normAutofit/>
           </a:bodyPr>
           <a:p>
-            <a:endParaRPr b="0" lang="en-US" sz="4200" spc="-1" strike="noStrike">
-              <a:solidFill>
-                <a:srgbClr val="ffffff"/>
-              </a:solidFill>
+            <a:endParaRPr b="0" lang="en-US" sz="3200" spc="-1" strike="noStrike">
               <a:latin typeface="Arial"/>
             </a:endParaRPr>
           </a:p>
@@ -2983,7 +4133,7 @@
         <p:spPr>
           <a:xfrm>
             <a:off x="504000" y="1080000"/>
-            <a:ext cx="9071640" cy="1728000"/>
+            <a:ext cx="9071280" cy="1727640"/>
           </a:xfrm>
           <a:prstGeom prst="rect">
             <a:avLst/>
@@ -2994,20 +4144,13 @@
             <a:noAutofit/>
           </a:bodyPr>
           <a:p>
-            <a:pPr algn="ctr"/>
             <a:r>
-              <a:rPr b="0" lang="en-US" sz="5860" spc="-1" strike="noStrike">
-                <a:solidFill>
-                  <a:srgbClr val="ffffff"/>
-                </a:solidFill>
+              <a:rPr b="0" lang="en-US" sz="1800" spc="-1" strike="noStrike">
                 <a:latin typeface="Arial"/>
               </a:rPr>
               <a:t>Click to edit the title text format</a:t>
             </a:r>
-            <a:endParaRPr b="0" lang="en-US" sz="5860" spc="-1" strike="noStrike">
-              <a:solidFill>
-                <a:srgbClr val="ffffff"/>
-              </a:solidFill>
+            <a:endParaRPr b="0" lang="en-US" sz="1800" spc="-1" strike="noStrike">
               <a:latin typeface="Arial"/>
             </a:endParaRPr>
           </a:p>
@@ -3025,8 +4168,8 @@
         </p:nvSpPr>
         <p:spPr>
           <a:xfrm>
-            <a:off x="504000" y="3168000"/>
-            <a:ext cx="9071640" cy="3672000"/>
+            <a:off x="504000" y="1768680"/>
+            <a:ext cx="9072000" cy="4384080"/>
           </a:xfrm>
           <a:prstGeom prst="rect">
             <a:avLst/>
@@ -3034,329 +4177,159 @@
         </p:spPr>
         <p:txBody>
           <a:bodyPr lIns="0" rIns="0" tIns="0" bIns="0">
-            <a:normAutofit fontScale="66000"/>
+            <a:normAutofit/>
           </a:bodyPr>
           <a:p>
             <a:pPr marL="432000" indent="-324000">
               <a:spcBef>
-                <a:spcPts val="1888"/>
+                <a:spcPts val="1417"/>
               </a:spcBef>
               <a:buClr>
-                <a:srgbClr val="ffffff"/>
+                <a:srgbClr val="000000"/>
               </a:buClr>
               <a:buSzPct val="45000"/>
               <a:buFont typeface="Wingdings" charset="2"/>
               <a:buChar char=""/>
             </a:pPr>
             <a:r>
-              <a:rPr b="0" lang="en-US" sz="4200" spc="-1" strike="noStrike">
-                <a:solidFill>
-                  <a:srgbClr val="ffffff"/>
-                </a:solidFill>
+              <a:rPr b="0" lang="en-US" sz="3200" spc="-1" strike="noStrike">
                 <a:latin typeface="Arial"/>
               </a:rPr>
               <a:t>Click to edit the outline text format</a:t>
             </a:r>
-            <a:endParaRPr b="0" lang="en-US" sz="4200" spc="-1" strike="noStrike">
-              <a:solidFill>
-                <a:srgbClr val="ffffff"/>
-              </a:solidFill>
+            <a:endParaRPr b="0" lang="en-US" sz="3200" spc="-1" strike="noStrike">
               <a:latin typeface="Arial"/>
             </a:endParaRPr>
           </a:p>
           <a:p>
             <a:pPr lvl="1" marL="864000" indent="-324000">
               <a:spcBef>
-                <a:spcPts val="1511"/>
+                <a:spcPts val="1134"/>
               </a:spcBef>
               <a:buClr>
-                <a:srgbClr val="ffffff"/>
+                <a:srgbClr val="000000"/>
               </a:buClr>
               <a:buSzPct val="75000"/>
               <a:buFont typeface="Symbol" charset="2"/>
               <a:buChar char=""/>
             </a:pPr>
             <a:r>
-              <a:rPr b="0" lang="en-US" sz="4200" spc="-1" strike="noStrike">
-                <a:solidFill>
-                  <a:srgbClr val="ffffff"/>
-                </a:solidFill>
+              <a:rPr b="0" lang="en-US" sz="2800" spc="-1" strike="noStrike">
                 <a:latin typeface="Arial"/>
               </a:rPr>
               <a:t>Second Outline Level</a:t>
             </a:r>
-            <a:endParaRPr b="0" lang="en-US" sz="4200" spc="-1" strike="noStrike">
-              <a:solidFill>
-                <a:srgbClr val="ffffff"/>
-              </a:solidFill>
+            <a:endParaRPr b="0" lang="en-US" sz="2800" spc="-1" strike="noStrike">
               <a:latin typeface="Arial"/>
             </a:endParaRPr>
           </a:p>
           <a:p>
             <a:pPr lvl="2" marL="1296000" indent="-288000">
               <a:spcBef>
-                <a:spcPts val="1134"/>
+                <a:spcPts val="850"/>
               </a:spcBef>
               <a:buClr>
-                <a:srgbClr val="ffffff"/>
+                <a:srgbClr val="000000"/>
               </a:buClr>
               <a:buSzPct val="45000"/>
               <a:buFont typeface="Wingdings" charset="2"/>
               <a:buChar char=""/>
             </a:pPr>
             <a:r>
-              <a:rPr b="0" lang="en-US" sz="4200" spc="-1" strike="noStrike">
-                <a:solidFill>
-                  <a:srgbClr val="ffffff"/>
-                </a:solidFill>
+              <a:rPr b="0" lang="en-US" sz="2400" spc="-1" strike="noStrike">
                 <a:latin typeface="Arial"/>
               </a:rPr>
               <a:t>Third Outline Level</a:t>
             </a:r>
-            <a:endParaRPr b="0" lang="en-US" sz="4200" spc="-1" strike="noStrike">
-              <a:solidFill>
-                <a:srgbClr val="ffffff"/>
-              </a:solidFill>
+            <a:endParaRPr b="0" lang="en-US" sz="2400" spc="-1" strike="noStrike">
               <a:latin typeface="Arial"/>
             </a:endParaRPr>
           </a:p>
           <a:p>
             <a:pPr lvl="3" marL="1728000" indent="-216000">
               <a:spcBef>
-                <a:spcPts val="754"/>
+                <a:spcPts val="567"/>
               </a:spcBef>
               <a:buClr>
-                <a:srgbClr val="ffffff"/>
+                <a:srgbClr val="000000"/>
               </a:buClr>
               <a:buSzPct val="75000"/>
               <a:buFont typeface="Symbol" charset="2"/>
               <a:buChar char=""/>
             </a:pPr>
             <a:r>
-              <a:rPr b="0" lang="en-US" sz="4200" spc="-1" strike="noStrike">
-                <a:solidFill>
-                  <a:srgbClr val="ffffff"/>
-                </a:solidFill>
+              <a:rPr b="0" lang="en-US" sz="2000" spc="-1" strike="noStrike">
                 <a:latin typeface="Arial"/>
               </a:rPr>
               <a:t>Fourth Outline Level</a:t>
             </a:r>
-            <a:endParaRPr b="0" lang="en-US" sz="4200" spc="-1" strike="noStrike">
-              <a:solidFill>
-                <a:srgbClr val="ffffff"/>
-              </a:solidFill>
+            <a:endParaRPr b="0" lang="en-US" sz="2000" spc="-1" strike="noStrike">
               <a:latin typeface="Arial"/>
             </a:endParaRPr>
           </a:p>
           <a:p>
             <a:pPr lvl="4" marL="2160000" indent="-216000">
               <a:spcBef>
-                <a:spcPts val="377"/>
+                <a:spcPts val="283"/>
               </a:spcBef>
               <a:buClr>
-                <a:srgbClr val="ffffff"/>
+                <a:srgbClr val="000000"/>
               </a:buClr>
               <a:buSzPct val="45000"/>
               <a:buFont typeface="Wingdings" charset="2"/>
               <a:buChar char=""/>
             </a:pPr>
             <a:r>
-              <a:rPr b="0" lang="en-US" sz="4200" spc="-1" strike="noStrike">
-                <a:solidFill>
-                  <a:srgbClr val="ffffff"/>
-                </a:solidFill>
+              <a:rPr b="0" lang="en-US" sz="2000" spc="-1" strike="noStrike">
                 <a:latin typeface="Arial"/>
               </a:rPr>
               <a:t>Fifth Outline Level</a:t>
             </a:r>
-            <a:endParaRPr b="0" lang="en-US" sz="4200" spc="-1" strike="noStrike">
-              <a:solidFill>
-                <a:srgbClr val="ffffff"/>
-              </a:solidFill>
+            <a:endParaRPr b="0" lang="en-US" sz="2000" spc="-1" strike="noStrike">
               <a:latin typeface="Arial"/>
             </a:endParaRPr>
           </a:p>
           <a:p>
             <a:pPr lvl="5" marL="2592000" indent="-216000">
               <a:spcBef>
-                <a:spcPts val="377"/>
+                <a:spcPts val="283"/>
               </a:spcBef>
               <a:buClr>
-                <a:srgbClr val="ffffff"/>
+                <a:srgbClr val="000000"/>
               </a:buClr>
               <a:buSzPct val="45000"/>
               <a:buFont typeface="Wingdings" charset="2"/>
               <a:buChar char=""/>
             </a:pPr>
             <a:r>
-              <a:rPr b="0" lang="en-US" sz="4200" spc="-1" strike="noStrike">
-                <a:solidFill>
-                  <a:srgbClr val="ffffff"/>
-                </a:solidFill>
+              <a:rPr b="0" lang="en-US" sz="2000" spc="-1" strike="noStrike">
                 <a:latin typeface="Arial"/>
               </a:rPr>
               <a:t>Sixth Outline Level</a:t>
             </a:r>
-            <a:endParaRPr b="0" lang="en-US" sz="4200" spc="-1" strike="noStrike">
-              <a:solidFill>
-                <a:srgbClr val="ffffff"/>
-              </a:solidFill>
+            <a:endParaRPr b="0" lang="en-US" sz="2000" spc="-1" strike="noStrike">
               <a:latin typeface="Arial"/>
             </a:endParaRPr>
           </a:p>
           <a:p>
             <a:pPr lvl="6" marL="3024000" indent="-216000">
               <a:spcBef>
-                <a:spcPts val="377"/>
+                <a:spcPts val="283"/>
               </a:spcBef>
               <a:buClr>
-                <a:srgbClr val="ffffff"/>
+                <a:srgbClr val="000000"/>
               </a:buClr>
               <a:buSzPct val="45000"/>
               <a:buFont typeface="Wingdings" charset="2"/>
               <a:buChar char=""/>
             </a:pPr>
             <a:r>
-              <a:rPr b="0" lang="en-US" sz="4200" spc="-1" strike="noStrike">
-                <a:solidFill>
-                  <a:srgbClr val="ffffff"/>
-                </a:solidFill>
+              <a:rPr b="0" lang="en-US" sz="2000" spc="-1" strike="noStrike">
                 <a:latin typeface="Arial"/>
               </a:rPr>
               <a:t>Seventh Outline Level</a:t>
             </a:r>
-            <a:endParaRPr b="0" lang="en-US" sz="4200" spc="-1" strike="noStrike">
-              <a:solidFill>
-                <a:srgbClr val="ffffff"/>
-              </a:solidFill>
-              <a:latin typeface="Arial"/>
-            </a:endParaRPr>
-          </a:p>
-        </p:txBody>
-      </p:sp>
-      <p:sp>
-        <p:nvSpPr>
-          <p:cNvPr id="2" name="PlaceHolder 3"/>
-          <p:cNvSpPr>
-            <a:spLocks noGrp="1"/>
-          </p:cNvSpPr>
-          <p:nvPr>
-            <p:ph type="dt"/>
-          </p:nvPr>
-        </p:nvSpPr>
-        <p:spPr>
-          <a:xfrm>
-            <a:off x="504000" y="6886800"/>
-            <a:ext cx="2348280" cy="520920"/>
-          </a:xfrm>
-          <a:prstGeom prst="rect">
-            <a:avLst/>
-          </a:prstGeom>
-        </p:spPr>
-        <p:txBody>
-          <a:bodyPr lIns="0" rIns="0" tIns="0" bIns="0">
-            <a:noAutofit/>
-          </a:bodyPr>
-          <a:p>
-            <a:r>
-              <a:rPr b="0" lang="en-US" sz="1400" spc="-1" strike="noStrike">
-                <a:solidFill>
-                  <a:srgbClr val="ffffff"/>
-                </a:solidFill>
-                <a:latin typeface="Arial"/>
-              </a:rPr>
-              <a:t>&lt;date/time&gt;</a:t>
-            </a:r>
-            <a:endParaRPr b="0" lang="en-US" sz="1400" spc="-1" strike="noStrike">
-              <a:solidFill>
-                <a:srgbClr val="ffffff"/>
-              </a:solidFill>
-              <a:latin typeface="Arial"/>
-            </a:endParaRPr>
-          </a:p>
-        </p:txBody>
-      </p:sp>
-      <p:sp>
-        <p:nvSpPr>
-          <p:cNvPr id="3" name="PlaceHolder 4"/>
-          <p:cNvSpPr>
-            <a:spLocks noGrp="1"/>
-          </p:cNvSpPr>
-          <p:nvPr>
-            <p:ph type="ftr"/>
-          </p:nvPr>
-        </p:nvSpPr>
-        <p:spPr>
-          <a:xfrm>
-            <a:off x="3447360" y="6886800"/>
-            <a:ext cx="3195000" cy="520920"/>
-          </a:xfrm>
-          <a:prstGeom prst="rect">
-            <a:avLst/>
-          </a:prstGeom>
-        </p:spPr>
-        <p:txBody>
-          <a:bodyPr lIns="0" rIns="0" tIns="0" bIns="0">
-            <a:noAutofit/>
-          </a:bodyPr>
-          <a:p>
-            <a:pPr algn="ctr"/>
-            <a:r>
-              <a:rPr b="0" lang="en-US" sz="1400" spc="-1" strike="noStrike">
-                <a:solidFill>
-                  <a:srgbClr val="ffffff"/>
-                </a:solidFill>
-                <a:latin typeface="Arial"/>
-              </a:rPr>
-              <a:t>&lt;footer&gt;</a:t>
-            </a:r>
-            <a:endParaRPr b="0" lang="en-US" sz="1400" spc="-1" strike="noStrike">
-              <a:solidFill>
-                <a:srgbClr val="ffffff"/>
-              </a:solidFill>
-              <a:latin typeface="Arial"/>
-            </a:endParaRPr>
-          </a:p>
-        </p:txBody>
-      </p:sp>
-      <p:sp>
-        <p:nvSpPr>
-          <p:cNvPr id="4" name="PlaceHolder 5"/>
-          <p:cNvSpPr>
-            <a:spLocks noGrp="1"/>
-          </p:cNvSpPr>
-          <p:nvPr>
-            <p:ph type="sldNum"/>
-          </p:nvPr>
-        </p:nvSpPr>
-        <p:spPr>
-          <a:xfrm>
-            <a:off x="7227360" y="6886800"/>
-            <a:ext cx="2348280" cy="520920"/>
-          </a:xfrm>
-          <a:prstGeom prst="rect">
-            <a:avLst/>
-          </a:prstGeom>
-        </p:spPr>
-        <p:txBody>
-          <a:bodyPr lIns="0" rIns="0" tIns="0" bIns="0">
-            <a:noAutofit/>
-          </a:bodyPr>
-          <a:p>
-            <a:pPr algn="r"/>
-            <a:fld id="{EF34E807-547E-41E1-A476-C4461020FDC5}" type="slidenum">
-              <a:rPr b="0" lang="en-US" sz="1400" spc="-1" strike="noStrike">
-                <a:solidFill>
-                  <a:srgbClr val="ffffff"/>
-                </a:solidFill>
-                <a:latin typeface="Arial"/>
-              </a:rPr>
-              <a:t>&lt;number&gt;</a:t>
-            </a:fld>
-            <a:endParaRPr b="0" lang="en-US" sz="1400" spc="-1" strike="noStrike">
-              <a:solidFill>
-                <a:srgbClr val="ffffff"/>
-              </a:solidFill>
+            <a:endParaRPr b="0" lang="en-US" sz="2000" spc="-1" strike="noStrike">
               <a:latin typeface="Arial"/>
             </a:endParaRPr>
           </a:p>
@@ -3411,7 +4384,7 @@
       </p:grpSpPr>
       <p:sp>
         <p:nvSpPr>
-          <p:cNvPr id="41" name="PlaceHolder 1"/>
+          <p:cNvPr id="38" name="PlaceHolder 1"/>
           <p:cNvSpPr>
             <a:spLocks noGrp="1"/>
           </p:cNvSpPr>
@@ -3421,8 +4394,8 @@
         </p:nvSpPr>
         <p:spPr>
           <a:xfrm>
-            <a:off x="504000" y="301320"/>
-            <a:ext cx="9071640" cy="1262160"/>
+            <a:off x="504000" y="1080000"/>
+            <a:ext cx="9071280" cy="1727640"/>
           </a:xfrm>
           <a:prstGeom prst="rect">
             <a:avLst/>
@@ -3433,22 +4406,21 @@
             <a:noAutofit/>
           </a:bodyPr>
           <a:p>
-            <a:pPr algn="ctr"/>
             <a:r>
-              <a:rPr b="0" lang="en-US" sz="4400" spc="-1" strike="noStrike">
+              <a:rPr b="0" lang="en-US" sz="1800" spc="-1" strike="noStrike">
                 <a:latin typeface="Arial"/>
               </a:rPr>
               <a:t>Click to edit the title text format</a:t>
             </a:r>
-            <a:endParaRPr b="0" lang="en-US" sz="4400" spc="-1" strike="noStrike">
-              <a:latin typeface="Arial"/>
-            </a:endParaRPr>
-          </a:p>
-        </p:txBody>
-      </p:sp>
-      <p:sp>
-        <p:nvSpPr>
-          <p:cNvPr id="42" name="PlaceHolder 2"/>
+            <a:endParaRPr b="0" lang="en-US" sz="1800" spc="-1" strike="noStrike">
+              <a:latin typeface="Arial"/>
+            </a:endParaRPr>
+          </a:p>
+        </p:txBody>
+      </p:sp>
+      <p:sp>
+        <p:nvSpPr>
+          <p:cNvPr id="39" name="PlaceHolder 2"/>
           <p:cNvSpPr>
             <a:spLocks noGrp="1"/>
           </p:cNvSpPr>
@@ -3458,8 +4430,8 @@
         </p:nvSpPr>
         <p:spPr>
           <a:xfrm>
-            <a:off x="504000" y="1769040"/>
-            <a:ext cx="9071640" cy="4384440"/>
+            <a:off x="504000" y="3168000"/>
+            <a:ext cx="9071280" cy="3671640"/>
           </a:xfrm>
           <a:prstGeom prst="rect">
             <a:avLst/>
@@ -3482,12 +4454,12 @@
               <a:buChar char=""/>
             </a:pPr>
             <a:r>
-              <a:rPr b="0" lang="en-US" sz="3200" spc="-1" strike="noStrike">
+              <a:rPr b="0" lang="en-US" sz="1800" spc="-1" strike="noStrike">
                 <a:latin typeface="Arial"/>
               </a:rPr>
               <a:t>Click to edit the outline text format</a:t>
             </a:r>
-            <a:endParaRPr b="0" lang="en-US" sz="3200" spc="-1" strike="noStrike">
+            <a:endParaRPr b="0" lang="en-US" sz="1800" spc="-1" strike="noStrike">
               <a:latin typeface="Arial"/>
             </a:endParaRPr>
           </a:p>
@@ -3504,12 +4476,12 @@
               <a:buChar char=""/>
             </a:pPr>
             <a:r>
-              <a:rPr b="0" lang="en-US" sz="2800" spc="-1" strike="noStrike">
+              <a:rPr b="0" lang="en-US" sz="1800" spc="-1" strike="noStrike">
                 <a:latin typeface="Arial"/>
               </a:rPr>
               <a:t>Second Outline Level</a:t>
             </a:r>
-            <a:endParaRPr b="0" lang="en-US" sz="2800" spc="-1" strike="noStrike">
+            <a:endParaRPr b="0" lang="en-US" sz="1800" spc="-1" strike="noStrike">
               <a:latin typeface="Arial"/>
             </a:endParaRPr>
           </a:p>
@@ -3526,12 +4498,12 @@
               <a:buChar char=""/>
             </a:pPr>
             <a:r>
-              <a:rPr b="0" lang="en-US" sz="2400" spc="-1" strike="noStrike">
+              <a:rPr b="0" lang="en-US" sz="1800" spc="-1" strike="noStrike">
                 <a:latin typeface="Arial"/>
               </a:rPr>
               <a:t>Third Outline Level</a:t>
             </a:r>
-            <a:endParaRPr b="0" lang="en-US" sz="2400" spc="-1" strike="noStrike">
+            <a:endParaRPr b="0" lang="en-US" sz="1800" spc="-1" strike="noStrike">
               <a:latin typeface="Arial"/>
             </a:endParaRPr>
           </a:p>
@@ -3548,12 +4520,12 @@
               <a:buChar char=""/>
             </a:pPr>
             <a:r>
-              <a:rPr b="0" lang="en-US" sz="2000" spc="-1" strike="noStrike">
+              <a:rPr b="0" lang="en-US" sz="1800" spc="-1" strike="noStrike">
                 <a:latin typeface="Arial"/>
               </a:rPr>
               <a:t>Fourth Outline Level</a:t>
             </a:r>
-            <a:endParaRPr b="0" lang="en-US" sz="2000" spc="-1" strike="noStrike">
+            <a:endParaRPr b="0" lang="en-US" sz="1800" spc="-1" strike="noStrike">
               <a:latin typeface="Arial"/>
             </a:endParaRPr>
           </a:p>
@@ -3570,12 +4542,12 @@
               <a:buChar char=""/>
             </a:pPr>
             <a:r>
-              <a:rPr b="0" lang="en-US" sz="2000" spc="-1" strike="noStrike">
+              <a:rPr b="0" lang="en-US" sz="1800" spc="-1" strike="noStrike">
                 <a:latin typeface="Arial"/>
               </a:rPr>
               <a:t>Fifth Outline Level</a:t>
             </a:r>
-            <a:endParaRPr b="0" lang="en-US" sz="2000" spc="-1" strike="noStrike">
+            <a:endParaRPr b="0" lang="en-US" sz="1800" spc="-1" strike="noStrike">
               <a:latin typeface="Arial"/>
             </a:endParaRPr>
           </a:p>
@@ -3592,12 +4564,12 @@
               <a:buChar char=""/>
             </a:pPr>
             <a:r>
-              <a:rPr b="0" lang="en-US" sz="2000" spc="-1" strike="noStrike">
+              <a:rPr b="0" lang="en-US" sz="1800" spc="-1" strike="noStrike">
                 <a:latin typeface="Arial"/>
               </a:rPr>
               <a:t>Sixth Outline Level</a:t>
             </a:r>
-            <a:endParaRPr b="0" lang="en-US" sz="2000" spc="-1" strike="noStrike">
+            <a:endParaRPr b="0" lang="en-US" sz="1800" spc="-1" strike="noStrike">
               <a:latin typeface="Arial"/>
             </a:endParaRPr>
           </a:p>
@@ -3614,122 +4586,12 @@
               <a:buChar char=""/>
             </a:pPr>
             <a:r>
-              <a:rPr b="0" lang="en-US" sz="2000" spc="-1" strike="noStrike">
+              <a:rPr b="0" lang="en-US" sz="1800" spc="-1" strike="noStrike">
                 <a:latin typeface="Arial"/>
               </a:rPr>
               <a:t>Seventh Outline Level</a:t>
             </a:r>
-            <a:endParaRPr b="0" lang="en-US" sz="2000" spc="-1" strike="noStrike">
-              <a:latin typeface="Arial"/>
-            </a:endParaRPr>
-          </a:p>
-        </p:txBody>
-      </p:sp>
-      <p:sp>
-        <p:nvSpPr>
-          <p:cNvPr id="43" name="PlaceHolder 3"/>
-          <p:cNvSpPr>
-            <a:spLocks noGrp="1"/>
-          </p:cNvSpPr>
-          <p:nvPr>
-            <p:ph type="dt"/>
-          </p:nvPr>
-        </p:nvSpPr>
-        <p:spPr>
-          <a:xfrm>
-            <a:off x="504000" y="6887160"/>
-            <a:ext cx="2348280" cy="521280"/>
-          </a:xfrm>
-          <a:prstGeom prst="rect">
-            <a:avLst/>
-          </a:prstGeom>
-        </p:spPr>
-        <p:txBody>
-          <a:bodyPr lIns="0" rIns="0" tIns="0" bIns="0">
-            <a:noAutofit/>
-          </a:bodyPr>
-          <a:p>
-            <a:r>
-              <a:rPr b="0" lang="en-US" sz="1400" spc="-1" strike="noStrike">
-                <a:latin typeface="Arial"/>
-              </a:rPr>
-              <a:t>&lt;date/time&gt;</a:t>
-            </a:r>
-            <a:endParaRPr b="0" lang="en-US" sz="1400" spc="-1" strike="noStrike">
-              <a:latin typeface="Arial"/>
-            </a:endParaRPr>
-          </a:p>
-        </p:txBody>
-      </p:sp>
-      <p:sp>
-        <p:nvSpPr>
-          <p:cNvPr id="44" name="PlaceHolder 4"/>
-          <p:cNvSpPr>
-            <a:spLocks noGrp="1"/>
-          </p:cNvSpPr>
-          <p:nvPr>
-            <p:ph type="ftr"/>
-          </p:nvPr>
-        </p:nvSpPr>
-        <p:spPr>
-          <a:xfrm>
-            <a:off x="3447360" y="6887160"/>
-            <a:ext cx="3195000" cy="521280"/>
-          </a:xfrm>
-          <a:prstGeom prst="rect">
-            <a:avLst/>
-          </a:prstGeom>
-        </p:spPr>
-        <p:txBody>
-          <a:bodyPr lIns="0" rIns="0" tIns="0" bIns="0">
-            <a:noAutofit/>
-          </a:bodyPr>
-          <a:p>
-            <a:pPr algn="ctr"/>
-            <a:r>
-              <a:rPr b="0" lang="en-US" sz="1400" spc="-1" strike="noStrike">
-                <a:latin typeface="Arial"/>
-              </a:rPr>
-              <a:t>&lt;footer&gt;</a:t>
-            </a:r>
-            <a:endParaRPr b="0" lang="en-US" sz="1400" spc="-1" strike="noStrike">
-              <a:latin typeface="Arial"/>
-            </a:endParaRPr>
-          </a:p>
-        </p:txBody>
-      </p:sp>
-      <p:sp>
-        <p:nvSpPr>
-          <p:cNvPr id="45" name="PlaceHolder 5"/>
-          <p:cNvSpPr>
-            <a:spLocks noGrp="1"/>
-          </p:cNvSpPr>
-          <p:nvPr>
-            <p:ph type="sldNum"/>
-          </p:nvPr>
-        </p:nvSpPr>
-        <p:spPr>
-          <a:xfrm>
-            <a:off x="7227360" y="6887160"/>
-            <a:ext cx="2348280" cy="521280"/>
-          </a:xfrm>
-          <a:prstGeom prst="rect">
-            <a:avLst/>
-          </a:prstGeom>
-        </p:spPr>
-        <p:txBody>
-          <a:bodyPr lIns="0" rIns="0" tIns="0" bIns="0">
-            <a:noAutofit/>
-          </a:bodyPr>
-          <a:p>
-            <a:pPr algn="r"/>
-            <a:fld id="{CE4D772A-3D6E-402F-B899-706835D4DCDB}" type="slidenum">
-              <a:rPr b="0" lang="en-US" sz="1400" spc="-1" strike="noStrike">
-                <a:latin typeface="Arial"/>
-              </a:rPr>
-              <a:t>&lt;number&gt;</a:t>
-            </a:fld>
-            <a:endParaRPr b="0" lang="en-US" sz="1400" spc="-1" strike="noStrike">
+            <a:endParaRPr b="0" lang="en-US" sz="1800" spc="-1" strike="noStrike">
               <a:latin typeface="Arial"/>
             </a:endParaRPr>
           </a:p>
@@ -3751,6 +4613,269 @@
     <p:sldLayoutId id="2147483671" r:id="rId12"/>
     <p:sldLayoutId id="2147483672" r:id="rId13"/>
     <p:sldLayoutId id="2147483673" r:id="rId14"/>
+  </p:sldLayoutIdLst>
+</p:sldMaster>
+</file>
+
+<file path=ppt/slideMasters/slideMaster3.xml><?xml version="1.0" encoding="utf-8"?>
+<p:sldMaster xmlns:a="http://schemas.openxmlformats.org/drawingml/2006/main" xmlns:p="http://schemas.openxmlformats.org/presentationml/2006/main" xmlns:r="http://schemas.openxmlformats.org/officeDocument/2006/relationships" xmlns:p14="http://schemas.microsoft.com/office/powerpoint/2010/main" xmlns:p15="http://schemas.microsoft.com/office/powerpoint/2012/main" xmlns:mc="http://schemas.openxmlformats.org/markup-compatibility/2006">
+  <p:cSld>
+    <p:bg>
+      <p:bgPr>
+        <a:blipFill rotWithShape="0">
+          <a:blip r:embed="rId2"/>
+          <a:stretch>
+            <a:fillRect/>
+          </a:stretch>
+        </a:blipFill>
+      </p:bgPr>
+    </p:bg>
+    <p:spTree>
+      <p:nvGrpSpPr>
+        <p:cNvPr id="1" name=""/>
+        <p:cNvGrpSpPr/>
+        <p:nvPr/>
+      </p:nvGrpSpPr>
+      <p:grpSpPr>
+        <a:xfrm>
+          <a:off x="0" y="0"/>
+          <a:ext cx="0" cy="0"/>
+          <a:chOff x="0" y="0"/>
+          <a:chExt cx="0" cy="0"/>
+        </a:xfrm>
+      </p:grpSpPr>
+      <p:sp>
+        <p:nvSpPr>
+          <p:cNvPr id="76" name="PlaceHolder 1"/>
+          <p:cNvSpPr>
+            <a:spLocks noGrp="1"/>
+          </p:cNvSpPr>
+          <p:nvPr>
+            <p:ph type="title"/>
+          </p:nvPr>
+        </p:nvSpPr>
+        <p:spPr>
+          <a:xfrm>
+            <a:off x="504000" y="301320"/>
+            <a:ext cx="9072000" cy="1261800"/>
+          </a:xfrm>
+          <a:prstGeom prst="rect">
+            <a:avLst/>
+          </a:prstGeom>
+        </p:spPr>
+        <p:txBody>
+          <a:bodyPr lIns="0" rIns="0" tIns="0" bIns="0" anchor="ctr">
+            <a:noAutofit/>
+          </a:bodyPr>
+          <a:p>
+            <a:pPr algn="ctr"/>
+            <a:r>
+              <a:rPr b="0" lang="en-US" sz="4400" spc="-1" strike="noStrike">
+                <a:latin typeface="Arial"/>
+              </a:rPr>
+              <a:t>Click to edit the title text format</a:t>
+            </a:r>
+            <a:endParaRPr b="0" lang="en-US" sz="4400" spc="-1" strike="noStrike">
+              <a:latin typeface="Arial"/>
+            </a:endParaRPr>
+          </a:p>
+        </p:txBody>
+      </p:sp>
+      <p:sp>
+        <p:nvSpPr>
+          <p:cNvPr id="77" name="PlaceHolder 2"/>
+          <p:cNvSpPr>
+            <a:spLocks noGrp="1"/>
+          </p:cNvSpPr>
+          <p:nvPr>
+            <p:ph type="body"/>
+          </p:nvPr>
+        </p:nvSpPr>
+        <p:spPr>
+          <a:xfrm>
+            <a:off x="504000" y="1768680"/>
+            <a:ext cx="9072000" cy="4384080"/>
+          </a:xfrm>
+          <a:prstGeom prst="rect">
+            <a:avLst/>
+          </a:prstGeom>
+        </p:spPr>
+        <p:txBody>
+          <a:bodyPr lIns="0" rIns="0" tIns="0" bIns="0">
+            <a:normAutofit/>
+          </a:bodyPr>
+          <a:p>
+            <a:pPr marL="432000" indent="-324000">
+              <a:spcBef>
+                <a:spcPts val="1417"/>
+              </a:spcBef>
+              <a:buClr>
+                <a:srgbClr val="000000"/>
+              </a:buClr>
+              <a:buSzPct val="45000"/>
+              <a:buFont typeface="Wingdings" charset="2"/>
+              <a:buChar char=""/>
+            </a:pPr>
+            <a:r>
+              <a:rPr b="0" lang="en-US" sz="3200" spc="-1" strike="noStrike">
+                <a:latin typeface="Arial"/>
+              </a:rPr>
+              <a:t>Click to edit the outline text format</a:t>
+            </a:r>
+            <a:endParaRPr b="0" lang="en-US" sz="3200" spc="-1" strike="noStrike">
+              <a:latin typeface="Arial"/>
+            </a:endParaRPr>
+          </a:p>
+          <a:p>
+            <a:pPr lvl="1" marL="864000" indent="-324000">
+              <a:spcBef>
+                <a:spcPts val="1134"/>
+              </a:spcBef>
+              <a:buClr>
+                <a:srgbClr val="000000"/>
+              </a:buClr>
+              <a:buSzPct val="75000"/>
+              <a:buFont typeface="Symbol" charset="2"/>
+              <a:buChar char=""/>
+            </a:pPr>
+            <a:r>
+              <a:rPr b="0" lang="en-US" sz="2800" spc="-1" strike="noStrike">
+                <a:latin typeface="Arial"/>
+              </a:rPr>
+              <a:t>Second Outline Level</a:t>
+            </a:r>
+            <a:endParaRPr b="0" lang="en-US" sz="2800" spc="-1" strike="noStrike">
+              <a:latin typeface="Arial"/>
+            </a:endParaRPr>
+          </a:p>
+          <a:p>
+            <a:pPr lvl="2" marL="1296000" indent="-288000">
+              <a:spcBef>
+                <a:spcPts val="850"/>
+              </a:spcBef>
+              <a:buClr>
+                <a:srgbClr val="000000"/>
+              </a:buClr>
+              <a:buSzPct val="45000"/>
+              <a:buFont typeface="Wingdings" charset="2"/>
+              <a:buChar char=""/>
+            </a:pPr>
+            <a:r>
+              <a:rPr b="0" lang="en-US" sz="2400" spc="-1" strike="noStrike">
+                <a:latin typeface="Arial"/>
+              </a:rPr>
+              <a:t>Third Outline Level</a:t>
+            </a:r>
+            <a:endParaRPr b="0" lang="en-US" sz="2400" spc="-1" strike="noStrike">
+              <a:latin typeface="Arial"/>
+            </a:endParaRPr>
+          </a:p>
+          <a:p>
+            <a:pPr lvl="3" marL="1728000" indent="-216000">
+              <a:spcBef>
+                <a:spcPts val="567"/>
+              </a:spcBef>
+              <a:buClr>
+                <a:srgbClr val="000000"/>
+              </a:buClr>
+              <a:buSzPct val="75000"/>
+              <a:buFont typeface="Symbol" charset="2"/>
+              <a:buChar char=""/>
+            </a:pPr>
+            <a:r>
+              <a:rPr b="0" lang="en-US" sz="2000" spc="-1" strike="noStrike">
+                <a:latin typeface="Arial"/>
+              </a:rPr>
+              <a:t>Fourth Outline Level</a:t>
+            </a:r>
+            <a:endParaRPr b="0" lang="en-US" sz="2000" spc="-1" strike="noStrike">
+              <a:latin typeface="Arial"/>
+            </a:endParaRPr>
+          </a:p>
+          <a:p>
+            <a:pPr lvl="4" marL="2160000" indent="-216000">
+              <a:spcBef>
+                <a:spcPts val="283"/>
+              </a:spcBef>
+              <a:buClr>
+                <a:srgbClr val="000000"/>
+              </a:buClr>
+              <a:buSzPct val="45000"/>
+              <a:buFont typeface="Wingdings" charset="2"/>
+              <a:buChar char=""/>
+            </a:pPr>
+            <a:r>
+              <a:rPr b="0" lang="en-US" sz="2000" spc="-1" strike="noStrike">
+                <a:latin typeface="Arial"/>
+              </a:rPr>
+              <a:t>Fifth Outline Level</a:t>
+            </a:r>
+            <a:endParaRPr b="0" lang="en-US" sz="2000" spc="-1" strike="noStrike">
+              <a:latin typeface="Arial"/>
+            </a:endParaRPr>
+          </a:p>
+          <a:p>
+            <a:pPr lvl="5" marL="2592000" indent="-216000">
+              <a:spcBef>
+                <a:spcPts val="283"/>
+              </a:spcBef>
+              <a:buClr>
+                <a:srgbClr val="000000"/>
+              </a:buClr>
+              <a:buSzPct val="45000"/>
+              <a:buFont typeface="Wingdings" charset="2"/>
+              <a:buChar char=""/>
+            </a:pPr>
+            <a:r>
+              <a:rPr b="0" lang="en-US" sz="2000" spc="-1" strike="noStrike">
+                <a:latin typeface="Arial"/>
+              </a:rPr>
+              <a:t>Sixth Outline Level</a:t>
+            </a:r>
+            <a:endParaRPr b="0" lang="en-US" sz="2000" spc="-1" strike="noStrike">
+              <a:latin typeface="Arial"/>
+            </a:endParaRPr>
+          </a:p>
+          <a:p>
+            <a:pPr lvl="6" marL="3024000" indent="-216000">
+              <a:spcBef>
+                <a:spcPts val="283"/>
+              </a:spcBef>
+              <a:buClr>
+                <a:srgbClr val="000000"/>
+              </a:buClr>
+              <a:buSzPct val="45000"/>
+              <a:buFont typeface="Wingdings" charset="2"/>
+              <a:buChar char=""/>
+            </a:pPr>
+            <a:r>
+              <a:rPr b="0" lang="en-US" sz="2000" spc="-1" strike="noStrike">
+                <a:latin typeface="Arial"/>
+              </a:rPr>
+              <a:t>Seventh Outline Level</a:t>
+            </a:r>
+            <a:endParaRPr b="0" lang="en-US" sz="2000" spc="-1" strike="noStrike">
+              <a:latin typeface="Arial"/>
+            </a:endParaRPr>
+          </a:p>
+        </p:txBody>
+      </p:sp>
+    </p:spTree>
+  </p:cSld>
+  <p:clrMap bg1="lt1" bg2="lt2" tx1="dk1" tx2="dk2" accent1="accent1" accent2="accent2" accent3="accent3" accent4="accent4" accent5="accent5" accent6="accent6" hlink="hlink" folHlink="folHlink"/>
+  <p:sldLayoutIdLst>
+    <p:sldLayoutId id="2147483675" r:id="rId3"/>
+    <p:sldLayoutId id="2147483676" r:id="rId4"/>
+    <p:sldLayoutId id="2147483677" r:id="rId5"/>
+    <p:sldLayoutId id="2147483678" r:id="rId6"/>
+    <p:sldLayoutId id="2147483679" r:id="rId7"/>
+    <p:sldLayoutId id="2147483680" r:id="rId8"/>
+    <p:sldLayoutId id="2147483681" r:id="rId9"/>
+    <p:sldLayoutId id="2147483682" r:id="rId10"/>
+    <p:sldLayoutId id="2147483683" r:id="rId11"/>
+    <p:sldLayoutId id="2147483684" r:id="rId12"/>
+    <p:sldLayoutId id="2147483685" r:id="rId13"/>
+    <p:sldLayoutId id="2147483686" r:id="rId14"/>
   </p:sldLayoutIdLst>
 </p:sldMaster>
 </file>
@@ -3774,14 +4899,14 @@
       </p:grpSpPr>
       <p:sp>
         <p:nvSpPr>
-          <p:cNvPr id="82" name="TextShape 1"/>
-          <p:cNvSpPr txBox="1"/>
+          <p:cNvPr id="114" name="CustomShape 1"/>
+          <p:cNvSpPr/>
           <p:nvPr/>
         </p:nvSpPr>
         <p:spPr>
           <a:xfrm>
             <a:off x="504000" y="1080000"/>
-            <a:ext cx="9071640" cy="1728000"/>
+            <a:ext cx="9071280" cy="1727640"/>
           </a:xfrm>
           <a:prstGeom prst="rect">
             <a:avLst/>
@@ -3791,12 +4916,22 @@
             <a:noFill/>
           </a:ln>
         </p:spPr>
+        <p:style>
+          <a:lnRef idx="0"/>
+          <a:fillRef idx="0"/>
+          <a:effectRef idx="0"/>
+          <a:fontRef idx="minor"/>
+        </p:style>
         <p:txBody>
           <a:bodyPr lIns="0" rIns="0" tIns="0" bIns="0" anchor="ctr">
             <a:noAutofit/>
           </a:bodyPr>
           <a:p>
-            <a:pPr algn="ctr"/>
+            <a:pPr algn="ctr">
+              <a:lnSpc>
+                <a:spcPct val="100000"/>
+              </a:lnSpc>
+            </a:pPr>
             <a:r>
               <a:rPr b="0" lang="en-US" sz="5860" spc="-1" strike="noStrike">
                 <a:solidFill>
@@ -3807,24 +4942,21 @@
               <a:t>Project Report</a:t>
             </a:r>
             <a:endParaRPr b="0" lang="en-US" sz="5860" spc="-1" strike="noStrike">
-              <a:solidFill>
-                <a:srgbClr val="ffffff"/>
-              </a:solidFill>
-              <a:latin typeface="Arial"/>
-            </a:endParaRPr>
-          </a:p>
-        </p:txBody>
-      </p:sp>
-      <p:sp>
-        <p:nvSpPr>
-          <p:cNvPr id="83" name="TextShape 2"/>
-          <p:cNvSpPr txBox="1"/>
+              <a:latin typeface="Arial"/>
+            </a:endParaRPr>
+          </a:p>
+        </p:txBody>
+      </p:sp>
+      <p:sp>
+        <p:nvSpPr>
+          <p:cNvPr id="115" name="CustomShape 2"/>
+          <p:cNvSpPr/>
           <p:nvPr/>
         </p:nvSpPr>
         <p:spPr>
           <a:xfrm>
             <a:off x="504000" y="3168000"/>
-            <a:ext cx="9071640" cy="3672000"/>
+            <a:ext cx="9071280" cy="3671640"/>
           </a:xfrm>
           <a:prstGeom prst="rect">
             <a:avLst/>
@@ -3834,12 +4966,22 @@
             <a:noFill/>
           </a:ln>
         </p:spPr>
+        <p:style>
+          <a:lnRef idx="0"/>
+          <a:fillRef idx="0"/>
+          <a:effectRef idx="0"/>
+          <a:fontRef idx="minor"/>
+        </p:style>
         <p:txBody>
           <a:bodyPr lIns="0" rIns="0" tIns="0" bIns="0" anchor="ctr">
             <a:noAutofit/>
           </a:bodyPr>
           <a:p>
-            <a:pPr algn="ctr"/>
+            <a:pPr algn="ctr">
+              <a:lnSpc>
+                <a:spcPct val="100000"/>
+              </a:lnSpc>
+            </a:pPr>
             <a:r>
               <a:rPr b="0" lang="en-US" sz="3200" spc="-1" strike="noStrike">
                 <a:solidFill>
@@ -3850,23 +4992,25 @@
               <a:t>Machine Learning for Computer Vision</a:t>
             </a:r>
             <a:endParaRPr b="0" lang="en-US" sz="3200" spc="-1" strike="noStrike">
-              <a:solidFill>
-                <a:srgbClr val="ffffff"/>
-              </a:solidFill>
-              <a:latin typeface="Arial"/>
-            </a:endParaRPr>
-          </a:p>
-          <a:p>
-            <a:pPr algn="ctr"/>
-            <a:endParaRPr b="0" lang="en-US" sz="3200" spc="-1" strike="noStrike">
-              <a:solidFill>
-                <a:srgbClr val="ffffff"/>
-              </a:solidFill>
-              <a:latin typeface="Arial"/>
-            </a:endParaRPr>
-          </a:p>
-          <a:p>
-            <a:pPr algn="ctr"/>
+              <a:latin typeface="Arial"/>
+            </a:endParaRPr>
+          </a:p>
+          <a:p>
+            <a:pPr algn="ctr">
+              <a:lnSpc>
+                <a:spcPct val="100000"/>
+              </a:lnSpc>
+            </a:pPr>
+            <a:endParaRPr b="0" lang="en-US" sz="3200" spc="-1" strike="noStrike">
+              <a:latin typeface="Arial"/>
+            </a:endParaRPr>
+          </a:p>
+          <a:p>
+            <a:pPr algn="ctr">
+              <a:lnSpc>
+                <a:spcPct val="100000"/>
+              </a:lnSpc>
+            </a:pPr>
             <a:r>
               <a:rPr b="0" lang="en-US" sz="2400" spc="-1" strike="noStrike">
                 <a:solidFill>
@@ -3877,18 +5021,394 @@
               <a:t>Hanying Zhang</a:t>
             </a:r>
             <a:endParaRPr b="0" lang="en-US" sz="2400" spc="-1" strike="noStrike">
-              <a:solidFill>
-                <a:srgbClr val="ffffff"/>
-              </a:solidFill>
-              <a:latin typeface="Arial"/>
-            </a:endParaRPr>
-          </a:p>
-          <a:p>
-            <a:pPr algn="ctr"/>
+              <a:latin typeface="Arial"/>
+            </a:endParaRPr>
+          </a:p>
+          <a:p>
+            <a:pPr algn="ctr">
+              <a:lnSpc>
+                <a:spcPct val="100000"/>
+              </a:lnSpc>
+            </a:pPr>
             <a:endParaRPr b="0" lang="en-US" sz="2400" spc="-1" strike="noStrike">
-              <a:solidFill>
-                <a:srgbClr val="ffffff"/>
-              </a:solidFill>
+              <a:latin typeface="Arial"/>
+            </a:endParaRPr>
+          </a:p>
+        </p:txBody>
+      </p:sp>
+    </p:spTree>
+  </p:cSld>
+  <mc:AlternateContent>
+    <mc:Choice Requires="p14">
+      <p:transition spd="slow" p14:dur="2000"/>
+    </mc:Choice>
+    <mc:Fallback>
+      <p:transition spd="slow"/>
+    </mc:Fallback>
+  </mc:AlternateContent>
+</p:sld>
+</file>
+
+<file path=ppt/slides/slide10.xml><?xml version="1.0" encoding="utf-8"?>
+<p:sld xmlns:a="http://schemas.openxmlformats.org/drawingml/2006/main" xmlns:p="http://schemas.openxmlformats.org/presentationml/2006/main" xmlns:r="http://schemas.openxmlformats.org/officeDocument/2006/relationships" xmlns:p14="http://schemas.microsoft.com/office/powerpoint/2010/main" xmlns:p15="http://schemas.microsoft.com/office/powerpoint/2012/main" xmlns:mc="http://schemas.openxmlformats.org/markup-compatibility/2006">
+  <p:cSld>
+    <p:spTree>
+      <p:nvGrpSpPr>
+        <p:cNvPr id="1" name=""/>
+        <p:cNvGrpSpPr/>
+        <p:nvPr/>
+      </p:nvGrpSpPr>
+      <p:grpSpPr>
+        <a:xfrm>
+          <a:off x="0" y="0"/>
+          <a:ext cx="0" cy="0"/>
+          <a:chOff x="0" y="0"/>
+          <a:chExt cx="0" cy="0"/>
+        </a:xfrm>
+      </p:grpSpPr>
+      <p:sp>
+        <p:nvSpPr>
+          <p:cNvPr id="146" name="CustomShape 1"/>
+          <p:cNvSpPr/>
+          <p:nvPr/>
+        </p:nvSpPr>
+        <p:spPr>
+          <a:xfrm>
+            <a:off x="504000" y="301320"/>
+            <a:ext cx="9071280" cy="1261800"/>
+          </a:xfrm>
+          <a:prstGeom prst="rect">
+            <a:avLst/>
+          </a:prstGeom>
+          <a:noFill/>
+          <a:ln>
+            <a:noFill/>
+          </a:ln>
+        </p:spPr>
+        <p:style>
+          <a:lnRef idx="0"/>
+          <a:fillRef idx="0"/>
+          <a:effectRef idx="0"/>
+          <a:fontRef idx="minor"/>
+        </p:style>
+        <p:txBody>
+          <a:bodyPr lIns="0" rIns="0" tIns="0" bIns="0" anchor="ctr">
+            <a:noAutofit/>
+          </a:bodyPr>
+          <a:p>
+            <a:pPr algn="ctr">
+              <a:lnSpc>
+                <a:spcPct val="100000"/>
+              </a:lnSpc>
+            </a:pPr>
+            <a:r>
+              <a:rPr b="0" lang="en-US" sz="4400" spc="-1" strike="noStrike">
+                <a:latin typeface="Arial"/>
+              </a:rPr>
+              <a:t>Visualization – Attention Matrix</a:t>
+            </a:r>
+            <a:endParaRPr b="0" lang="en-US" sz="4400" spc="-1" strike="noStrike">
+              <a:latin typeface="Arial"/>
+            </a:endParaRPr>
+          </a:p>
+        </p:txBody>
+      </p:sp>
+      <p:sp>
+        <p:nvSpPr>
+          <p:cNvPr id="147" name="CustomShape 2"/>
+          <p:cNvSpPr/>
+          <p:nvPr/>
+        </p:nvSpPr>
+        <p:spPr>
+          <a:xfrm>
+            <a:off x="504000" y="1769040"/>
+            <a:ext cx="9071280" cy="4384080"/>
+          </a:xfrm>
+          <a:prstGeom prst="rect">
+            <a:avLst/>
+          </a:prstGeom>
+          <a:noFill/>
+          <a:ln>
+            <a:noFill/>
+          </a:ln>
+        </p:spPr>
+        <p:style>
+          <a:lnRef idx="0"/>
+          <a:fillRef idx="0"/>
+          <a:effectRef idx="0"/>
+          <a:fontRef idx="minor"/>
+        </p:style>
+      </p:sp>
+      <p:pic>
+        <p:nvPicPr>
+          <p:cNvPr id="148" name="" descr=""/>
+          <p:cNvPicPr/>
+          <p:nvPr/>
+        </p:nvPicPr>
+        <p:blipFill>
+          <a:blip r:embed="rId1"/>
+          <a:stretch/>
+        </p:blipFill>
+        <p:spPr>
+          <a:xfrm>
+            <a:off x="548640" y="2103120"/>
+            <a:ext cx="4553280" cy="3990600"/>
+          </a:xfrm>
+          <a:prstGeom prst="rect">
+            <a:avLst/>
+          </a:prstGeom>
+          <a:ln>
+            <a:noFill/>
+          </a:ln>
+        </p:spPr>
+      </p:pic>
+      <p:pic>
+        <p:nvPicPr>
+          <p:cNvPr id="149" name="" descr=""/>
+          <p:cNvPicPr/>
+          <p:nvPr/>
+        </p:nvPicPr>
+        <p:blipFill>
+          <a:blip r:embed="rId2"/>
+          <a:stretch/>
+        </p:blipFill>
+        <p:spPr>
+          <a:xfrm>
+            <a:off x="4642200" y="2043360"/>
+            <a:ext cx="4867560" cy="4266000"/>
+          </a:xfrm>
+          <a:prstGeom prst="rect">
+            <a:avLst/>
+          </a:prstGeom>
+          <a:ln>
+            <a:noFill/>
+          </a:ln>
+        </p:spPr>
+      </p:pic>
+    </p:spTree>
+  </p:cSld>
+  <mc:AlternateContent>
+    <mc:Choice Requires="p14">
+      <p:transition spd="slow" p14:dur="2000"/>
+    </mc:Choice>
+    <mc:Fallback>
+      <p:transition spd="slow"/>
+    </mc:Fallback>
+  </mc:AlternateContent>
+</p:sld>
+</file>
+
+<file path=ppt/slides/slide11.xml><?xml version="1.0" encoding="utf-8"?>
+<p:sld xmlns:a="http://schemas.openxmlformats.org/drawingml/2006/main" xmlns:p="http://schemas.openxmlformats.org/presentationml/2006/main" xmlns:r="http://schemas.openxmlformats.org/officeDocument/2006/relationships" xmlns:p14="http://schemas.microsoft.com/office/powerpoint/2010/main" xmlns:p15="http://schemas.microsoft.com/office/powerpoint/2012/main" xmlns:mc="http://schemas.openxmlformats.org/markup-compatibility/2006">
+  <p:cSld>
+    <p:spTree>
+      <p:nvGrpSpPr>
+        <p:cNvPr id="1" name=""/>
+        <p:cNvGrpSpPr/>
+        <p:nvPr/>
+      </p:nvGrpSpPr>
+      <p:grpSpPr>
+        <a:xfrm>
+          <a:off x="0" y="0"/>
+          <a:ext cx="0" cy="0"/>
+          <a:chOff x="0" y="0"/>
+          <a:chExt cx="0" cy="0"/>
+        </a:xfrm>
+      </p:grpSpPr>
+      <p:sp>
+        <p:nvSpPr>
+          <p:cNvPr id="150" name="CustomShape 1"/>
+          <p:cNvSpPr/>
+          <p:nvPr/>
+        </p:nvSpPr>
+        <p:spPr>
+          <a:xfrm>
+            <a:off x="504000" y="301320"/>
+            <a:ext cx="9071280" cy="1261800"/>
+          </a:xfrm>
+          <a:prstGeom prst="rect">
+            <a:avLst/>
+          </a:prstGeom>
+          <a:noFill/>
+          <a:ln>
+            <a:noFill/>
+          </a:ln>
+        </p:spPr>
+        <p:style>
+          <a:lnRef idx="0"/>
+          <a:fillRef idx="0"/>
+          <a:effectRef idx="0"/>
+          <a:fontRef idx="minor"/>
+        </p:style>
+        <p:txBody>
+          <a:bodyPr lIns="0" rIns="0" tIns="0" bIns="0" anchor="ctr">
+            <a:noAutofit/>
+          </a:bodyPr>
+          <a:p>
+            <a:pPr algn="ctr">
+              <a:lnSpc>
+                <a:spcPct val="100000"/>
+              </a:lnSpc>
+            </a:pPr>
+            <a:r>
+              <a:rPr b="0" lang="en-US" sz="4400" spc="-1" strike="noStrike">
+                <a:latin typeface="Arial"/>
+              </a:rPr>
+              <a:t>Visualization – Attention Matrix</a:t>
+            </a:r>
+            <a:endParaRPr b="0" lang="en-US" sz="4400" spc="-1" strike="noStrike">
+              <a:latin typeface="Arial"/>
+            </a:endParaRPr>
+          </a:p>
+        </p:txBody>
+      </p:sp>
+      <p:sp>
+        <p:nvSpPr>
+          <p:cNvPr id="151" name="CustomShape 2"/>
+          <p:cNvSpPr/>
+          <p:nvPr/>
+        </p:nvSpPr>
+        <p:spPr>
+          <a:xfrm>
+            <a:off x="504000" y="1769040"/>
+            <a:ext cx="9071280" cy="4384080"/>
+          </a:xfrm>
+          <a:prstGeom prst="rect">
+            <a:avLst/>
+          </a:prstGeom>
+          <a:noFill/>
+          <a:ln>
+            <a:noFill/>
+          </a:ln>
+        </p:spPr>
+        <p:style>
+          <a:lnRef idx="0"/>
+          <a:fillRef idx="0"/>
+          <a:effectRef idx="0"/>
+          <a:fontRef idx="minor"/>
+        </p:style>
+      </p:sp>
+      <p:pic>
+        <p:nvPicPr>
+          <p:cNvPr id="152" name="" descr=""/>
+          <p:cNvPicPr/>
+          <p:nvPr/>
+        </p:nvPicPr>
+        <p:blipFill>
+          <a:blip r:embed="rId1"/>
+          <a:stretch/>
+        </p:blipFill>
+        <p:spPr>
+          <a:xfrm>
+            <a:off x="618840" y="2109240"/>
+            <a:ext cx="4375080" cy="3834360"/>
+          </a:xfrm>
+          <a:prstGeom prst="rect">
+            <a:avLst/>
+          </a:prstGeom>
+          <a:ln>
+            <a:noFill/>
+          </a:ln>
+        </p:spPr>
+      </p:pic>
+      <p:pic>
+        <p:nvPicPr>
+          <p:cNvPr id="153" name="" descr=""/>
+          <p:cNvPicPr/>
+          <p:nvPr/>
+        </p:nvPicPr>
+        <p:blipFill>
+          <a:blip r:embed="rId2"/>
+          <a:stretch/>
+        </p:blipFill>
+        <p:spPr>
+          <a:xfrm>
+            <a:off x="5060880" y="2194560"/>
+            <a:ext cx="4448880" cy="3899160"/>
+          </a:xfrm>
+          <a:prstGeom prst="rect">
+            <a:avLst/>
+          </a:prstGeom>
+          <a:ln>
+            <a:noFill/>
+          </a:ln>
+        </p:spPr>
+      </p:pic>
+    </p:spTree>
+  </p:cSld>
+  <mc:AlternateContent>
+    <mc:Choice Requires="p14">
+      <p:transition spd="slow" p14:dur="2000"/>
+    </mc:Choice>
+    <mc:Fallback>
+      <p:transition spd="slow"/>
+    </mc:Fallback>
+  </mc:AlternateContent>
+</p:sld>
+</file>
+
+<file path=ppt/slides/slide12.xml><?xml version="1.0" encoding="utf-8"?>
+<p:sld xmlns:a="http://schemas.openxmlformats.org/drawingml/2006/main" xmlns:p="http://schemas.openxmlformats.org/presentationml/2006/main" xmlns:r="http://schemas.openxmlformats.org/officeDocument/2006/relationships" xmlns:p14="http://schemas.microsoft.com/office/powerpoint/2010/main" xmlns:p15="http://schemas.microsoft.com/office/powerpoint/2012/main" xmlns:mc="http://schemas.openxmlformats.org/markup-compatibility/2006">
+  <p:cSld>
+    <p:spTree>
+      <p:nvGrpSpPr>
+        <p:cNvPr id="1" name=""/>
+        <p:cNvGrpSpPr/>
+        <p:nvPr/>
+      </p:nvGrpSpPr>
+      <p:grpSpPr>
+        <a:xfrm>
+          <a:off x="0" y="0"/>
+          <a:ext cx="0" cy="0"/>
+          <a:chOff x="0" y="0"/>
+          <a:chExt cx="0" cy="0"/>
+        </a:xfrm>
+      </p:grpSpPr>
+      <p:sp>
+        <p:nvSpPr>
+          <p:cNvPr id="154" name="CustomShape 1"/>
+          <p:cNvSpPr/>
+          <p:nvPr/>
+        </p:nvSpPr>
+        <p:spPr>
+          <a:xfrm>
+            <a:off x="640080" y="3168000"/>
+            <a:ext cx="8935200" cy="1261800"/>
+          </a:xfrm>
+          <a:prstGeom prst="rect">
+            <a:avLst/>
+          </a:prstGeom>
+          <a:noFill/>
+          <a:ln>
+            <a:noFill/>
+          </a:ln>
+        </p:spPr>
+        <p:style>
+          <a:lnRef idx="0"/>
+          <a:fillRef idx="0"/>
+          <a:effectRef idx="0"/>
+          <a:fontRef idx="minor"/>
+        </p:style>
+        <p:txBody>
+          <a:bodyPr lIns="0" rIns="0" tIns="0" bIns="0" anchor="ctr">
+            <a:noAutofit/>
+          </a:bodyPr>
+          <a:p>
+            <a:pPr algn="ctr">
+              <a:lnSpc>
+                <a:spcPct val="100000"/>
+              </a:lnSpc>
+            </a:pPr>
+            <a:r>
+              <a:rPr b="0" lang="en-US" sz="1800" spc="-1" strike="noStrike">
+                <a:solidFill>
+                  <a:srgbClr val="ffffff"/>
+                </a:solidFill>
+                <a:latin typeface="Arial"/>
+              </a:rPr>
+              <a:t>Thank you for your ATTENTION.</a:t>
+            </a:r>
+            <a:endParaRPr b="0" lang="en-US" sz="1800" spc="-1" strike="noStrike">
               <a:latin typeface="Arial"/>
             </a:endParaRPr>
           </a:p>
@@ -3926,14 +5446,14 @@
       </p:grpSpPr>
       <p:sp>
         <p:nvSpPr>
-          <p:cNvPr id="84" name="TextShape 1"/>
+          <p:cNvPr id="116" name="TextShape 1"/>
           <p:cNvSpPr txBox="1"/>
           <p:nvPr/>
         </p:nvSpPr>
         <p:spPr>
           <a:xfrm>
-            <a:off x="504000" y="301320"/>
-            <a:ext cx="9071640" cy="1262160"/>
+            <a:off x="504000" y="1080000"/>
+            <a:ext cx="9071280" cy="1727640"/>
           </a:xfrm>
           <a:prstGeom prst="rect">
             <a:avLst/>
@@ -3953,7 +5473,7 @@
               <a:rPr b="0" lang="en-US" sz="4400" spc="-1" strike="noStrike">
                 <a:latin typeface="Arial"/>
               </a:rPr>
-              <a:t>ViT – Vision Transormer</a:t>
+              <a:t>Executive Summary</a:t>
             </a:r>
             <a:endParaRPr b="0" lang="en-US" sz="4400" spc="-1" strike="noStrike">
               <a:latin typeface="Arial"/>
@@ -3963,14 +5483,14 @@
       </p:sp>
       <p:sp>
         <p:nvSpPr>
-          <p:cNvPr id="85" name="TextShape 2"/>
+          <p:cNvPr id="117" name="TextShape 2"/>
           <p:cNvSpPr txBox="1"/>
           <p:nvPr/>
         </p:nvSpPr>
         <p:spPr>
           <a:xfrm>
-            <a:off x="504000" y="1769040"/>
-            <a:ext cx="9071640" cy="4384440"/>
+            <a:off x="1280160" y="3348000"/>
+            <a:ext cx="7680960" cy="2477160"/>
           </a:xfrm>
           <a:prstGeom prst="rect">
             <a:avLst/>
@@ -3981,11 +5501,89 @@
           </a:ln>
         </p:spPr>
         <p:txBody>
-          <a:bodyPr lIns="0" rIns="0" tIns="0" bIns="0">
-            <a:normAutofit/>
-          </a:bodyPr>
-          <a:p>
-            <a:endParaRPr b="0" lang="en-US" sz="3200" spc="-1" strike="noStrike">
+          <a:bodyPr lIns="90000" rIns="90000" tIns="45000" bIns="45000">
+            <a:noAutofit/>
+          </a:bodyPr>
+          <a:p>
+            <a:pPr marL="216000" indent="-216000">
+              <a:buClr>
+                <a:srgbClr val="000000"/>
+              </a:buClr>
+              <a:buSzPct val="45000"/>
+              <a:buFont typeface="Wingdings" charset="2"/>
+              <a:buChar char=""/>
+            </a:pPr>
+            <a:r>
+              <a:rPr b="0" lang="en-US" sz="2200" spc="-1" strike="noStrike">
+                <a:latin typeface="Arial"/>
+              </a:rPr>
+              <a:t>In this project the Vision Transformer(ViT) paper is studied and implemented. </a:t>
+            </a:r>
+            <a:endParaRPr b="0" lang="en-US" sz="2200" spc="-1" strike="noStrike">
+              <a:latin typeface="Arial"/>
+            </a:endParaRPr>
+          </a:p>
+          <a:p>
+            <a:pPr marL="216000" indent="-216000">
+              <a:buClr>
+                <a:srgbClr val="000000"/>
+              </a:buClr>
+              <a:buSzPct val="45000"/>
+              <a:buFont typeface="Wingdings" charset="2"/>
+              <a:buChar char=""/>
+            </a:pPr>
+            <a:endParaRPr b="0" lang="en-US" sz="2200" spc="-1" strike="noStrike">
+              <a:latin typeface="Arial"/>
+            </a:endParaRPr>
+          </a:p>
+          <a:p>
+            <a:pPr marL="216000" indent="-216000">
+              <a:buClr>
+                <a:srgbClr val="000000"/>
+              </a:buClr>
+              <a:buSzPct val="45000"/>
+              <a:buFont typeface="Wingdings" charset="2"/>
+              <a:buChar char=""/>
+            </a:pPr>
+            <a:r>
+              <a:rPr b="0" lang="en-US" sz="2200" spc="-1" strike="noStrike">
+                <a:latin typeface="Arial"/>
+              </a:rPr>
+              <a:t>An experiment is also carried out to test the performance of the model on a new dataset. </a:t>
+            </a:r>
+            <a:endParaRPr b="0" lang="en-US" sz="2200" spc="-1" strike="noStrike">
+              <a:latin typeface="Arial"/>
+            </a:endParaRPr>
+          </a:p>
+          <a:p>
+            <a:pPr marL="216000" indent="-216000">
+              <a:buClr>
+                <a:srgbClr val="000000"/>
+              </a:buClr>
+              <a:buSzPct val="45000"/>
+              <a:buFont typeface="Wingdings" charset="2"/>
+              <a:buChar char=""/>
+            </a:pPr>
+            <a:endParaRPr b="0" lang="en-US" sz="2200" spc="-1" strike="noStrike">
+              <a:latin typeface="Arial"/>
+            </a:endParaRPr>
+          </a:p>
+          <a:p>
+            <a:pPr marL="216000" indent="-216000">
+              <a:buClr>
+                <a:srgbClr val="000000"/>
+              </a:buClr>
+              <a:buSzPct val="45000"/>
+              <a:buFont typeface="Wingdings" charset="2"/>
+              <a:buChar char=""/>
+            </a:pPr>
+            <a:r>
+              <a:rPr b="0" lang="en-US" sz="2200" spc="-1" strike="noStrike">
+                <a:latin typeface="Arial"/>
+              </a:rPr>
+              <a:t>The positional embedding and attention matrix are also studied.</a:t>
+            </a:r>
+            <a:endParaRPr b="0" lang="en-US" sz="2200" spc="-1" strike="noStrike">
               <a:latin typeface="Arial"/>
             </a:endParaRPr>
           </a:p>
@@ -4023,14 +5621,14 @@
       </p:grpSpPr>
       <p:sp>
         <p:nvSpPr>
-          <p:cNvPr id="86" name="TextShape 1"/>
-          <p:cNvSpPr txBox="1"/>
+          <p:cNvPr id="118" name="CustomShape 1"/>
+          <p:cNvSpPr/>
           <p:nvPr/>
         </p:nvSpPr>
         <p:spPr>
           <a:xfrm>
-            <a:off x="2376000" y="3168000"/>
-            <a:ext cx="7199640" cy="1262160"/>
+            <a:off x="504000" y="301320"/>
+            <a:ext cx="9071280" cy="1261800"/>
           </a:xfrm>
           <a:prstGeom prst="rect">
             <a:avLst/>
@@ -4040,43 +5638,63 @@
             <a:noFill/>
           </a:ln>
         </p:spPr>
+        <p:style>
+          <a:lnRef idx="0"/>
+          <a:fillRef idx="0"/>
+          <a:effectRef idx="0"/>
+          <a:fontRef idx="minor"/>
+        </p:style>
         <p:txBody>
           <a:bodyPr lIns="0" rIns="0" tIns="0" bIns="0" anchor="ctr">
             <a:noAutofit/>
           </a:bodyPr>
           <a:p>
-            <a:pPr algn="ctr"/>
+            <a:pPr algn="ctr">
+              <a:lnSpc>
+                <a:spcPct val="100000"/>
+              </a:lnSpc>
+            </a:pPr>
             <a:r>
-              <a:rPr b="0" lang="en-US" sz="2200" spc="-1" strike="noStrike">
-                <a:solidFill>
-                  <a:srgbClr val="ffffff"/>
-                </a:solidFill>
+              <a:rPr b="0" lang="en-US" sz="4400" spc="-1" strike="noStrike">
                 <a:latin typeface="Arial"/>
               </a:rPr>
-              <a:t>This work is licensed under a Creative Commons Attribution-ShareAlike 3.0 Unported License.</a:t>
+              <a:t>ViT – Vision Transormer</a:t>
             </a:r>
-            <a:br/>
-            <a:r>
-              <a:rPr b="0" lang="en-US" sz="2200" spc="-1" strike="noStrike">
-                <a:solidFill>
-                  <a:srgbClr val="ffffff"/>
-                </a:solidFill>
-                <a:latin typeface="Arial"/>
-              </a:rPr>
-              <a:t>It makes use of the works of Mateus Machado Luna.</a:t>
-            </a:r>
-            <a:endParaRPr b="0" lang="en-US" sz="2200" spc="-1" strike="noStrike">
-              <a:solidFill>
-                <a:srgbClr val="ffffff"/>
-              </a:solidFill>
-              <a:latin typeface="Arial"/>
-            </a:endParaRPr>
-          </a:p>
-        </p:txBody>
+            <a:endParaRPr b="0" lang="en-US" sz="4400" spc="-1" strike="noStrike">
+              <a:latin typeface="Arial"/>
+            </a:endParaRPr>
+          </a:p>
+        </p:txBody>
+      </p:sp>
+      <p:sp>
+        <p:nvSpPr>
+          <p:cNvPr id="119" name="CustomShape 2"/>
+          <p:cNvSpPr/>
+          <p:nvPr/>
+        </p:nvSpPr>
+        <p:spPr>
+          <a:xfrm>
+            <a:off x="504000" y="1769040"/>
+            <a:ext cx="9071280" cy="4384080"/>
+          </a:xfrm>
+          <a:prstGeom prst="rect">
+            <a:avLst/>
+          </a:prstGeom>
+          <a:noFill/>
+          <a:ln>
+            <a:noFill/>
+          </a:ln>
+        </p:spPr>
+        <p:style>
+          <a:lnRef idx="0"/>
+          <a:fillRef idx="0"/>
+          <a:effectRef idx="0"/>
+          <a:fontRef idx="minor"/>
+        </p:style>
       </p:sp>
       <p:pic>
         <p:nvPicPr>
-          <p:cNvPr id="87" name="" descr=""/>
+          <p:cNvPr id="120" name="" descr=""/>
           <p:cNvPicPr/>
           <p:nvPr/>
         </p:nvPicPr>
@@ -4086,8 +5704,1680 @@
         </p:blipFill>
         <p:spPr>
           <a:xfrm>
-            <a:off x="816120" y="3621600"/>
-            <a:ext cx="1271880" cy="447480"/>
+            <a:off x="3147480" y="1290600"/>
+            <a:ext cx="4076280" cy="3098520"/>
+          </a:xfrm>
+          <a:prstGeom prst="rect">
+            <a:avLst/>
+          </a:prstGeom>
+          <a:ln>
+            <a:noFill/>
+          </a:ln>
+        </p:spPr>
+      </p:pic>
+      <p:pic>
+        <p:nvPicPr>
+          <p:cNvPr id="121" name="" descr=""/>
+          <p:cNvPicPr/>
+          <p:nvPr/>
+        </p:nvPicPr>
+        <p:blipFill>
+          <a:blip r:embed="rId2"/>
+          <a:stretch/>
+        </p:blipFill>
+        <p:spPr>
+          <a:xfrm>
+            <a:off x="1013040" y="4389120"/>
+            <a:ext cx="8313840" cy="2560320"/>
+          </a:xfrm>
+          <a:prstGeom prst="rect">
+            <a:avLst/>
+          </a:prstGeom>
+          <a:ln>
+            <a:noFill/>
+          </a:ln>
+        </p:spPr>
+      </p:pic>
+    </p:spTree>
+  </p:cSld>
+  <mc:AlternateContent>
+    <mc:Choice Requires="p14">
+      <p:transition spd="slow" p14:dur="2000"/>
+    </mc:Choice>
+    <mc:Fallback>
+      <p:transition spd="slow"/>
+    </mc:Fallback>
+  </mc:AlternateContent>
+</p:sld>
+</file>
+
+<file path=ppt/slides/slide4.xml><?xml version="1.0" encoding="utf-8"?>
+<p:sld xmlns:a="http://schemas.openxmlformats.org/drawingml/2006/main" xmlns:p="http://schemas.openxmlformats.org/presentationml/2006/main" xmlns:r="http://schemas.openxmlformats.org/officeDocument/2006/relationships" xmlns:p14="http://schemas.microsoft.com/office/powerpoint/2010/main" xmlns:p15="http://schemas.microsoft.com/office/powerpoint/2012/main" xmlns:mc="http://schemas.openxmlformats.org/markup-compatibility/2006">
+  <p:cSld>
+    <p:spTree>
+      <p:nvGrpSpPr>
+        <p:cNvPr id="1" name=""/>
+        <p:cNvGrpSpPr/>
+        <p:nvPr/>
+      </p:nvGrpSpPr>
+      <p:grpSpPr>
+        <a:xfrm>
+          <a:off x="0" y="0"/>
+          <a:ext cx="0" cy="0"/>
+          <a:chOff x="0" y="0"/>
+          <a:chExt cx="0" cy="0"/>
+        </a:xfrm>
+      </p:grpSpPr>
+      <p:sp>
+        <p:nvSpPr>
+          <p:cNvPr id="122" name="CustomShape 1"/>
+          <p:cNvSpPr/>
+          <p:nvPr/>
+        </p:nvSpPr>
+        <p:spPr>
+          <a:xfrm>
+            <a:off x="504000" y="301320"/>
+            <a:ext cx="9071280" cy="1261800"/>
+          </a:xfrm>
+          <a:prstGeom prst="rect">
+            <a:avLst/>
+          </a:prstGeom>
+          <a:noFill/>
+          <a:ln>
+            <a:noFill/>
+          </a:ln>
+        </p:spPr>
+        <p:style>
+          <a:lnRef idx="0"/>
+          <a:fillRef idx="0"/>
+          <a:effectRef idx="0"/>
+          <a:fontRef idx="minor"/>
+        </p:style>
+        <p:txBody>
+          <a:bodyPr lIns="0" rIns="0" tIns="0" bIns="0" anchor="ctr">
+            <a:noAutofit/>
+          </a:bodyPr>
+          <a:p>
+            <a:pPr algn="ctr">
+              <a:lnSpc>
+                <a:spcPct val="100000"/>
+              </a:lnSpc>
+            </a:pPr>
+            <a:r>
+              <a:rPr b="0" lang="en-US" sz="4400" spc="-1" strike="noStrike">
+                <a:latin typeface="Arial"/>
+              </a:rPr>
+              <a:t>Transformer in ViT</a:t>
+            </a:r>
+            <a:endParaRPr b="0" lang="en-US" sz="4400" spc="-1" strike="noStrike">
+              <a:latin typeface="Arial"/>
+            </a:endParaRPr>
+          </a:p>
+        </p:txBody>
+      </p:sp>
+      <p:sp>
+        <p:nvSpPr>
+          <p:cNvPr id="123" name="CustomShape 2"/>
+          <p:cNvSpPr/>
+          <p:nvPr/>
+        </p:nvSpPr>
+        <p:spPr>
+          <a:xfrm>
+            <a:off x="504000" y="1769040"/>
+            <a:ext cx="9071280" cy="4384080"/>
+          </a:xfrm>
+          <a:prstGeom prst="rect">
+            <a:avLst/>
+          </a:prstGeom>
+          <a:noFill/>
+          <a:ln>
+            <a:noFill/>
+          </a:ln>
+        </p:spPr>
+        <p:style>
+          <a:lnRef idx="0"/>
+          <a:fillRef idx="0"/>
+          <a:effectRef idx="0"/>
+          <a:fontRef idx="minor"/>
+        </p:style>
+      </p:sp>
+      <p:pic>
+        <p:nvPicPr>
+          <p:cNvPr id="124" name="" descr=""/>
+          <p:cNvPicPr/>
+          <p:nvPr/>
+        </p:nvPicPr>
+        <p:blipFill>
+          <a:blip r:embed="rId1"/>
+          <a:stretch/>
+        </p:blipFill>
+        <p:spPr>
+          <a:xfrm>
+            <a:off x="504000" y="2881800"/>
+            <a:ext cx="2676600" cy="2503440"/>
+          </a:xfrm>
+          <a:prstGeom prst="rect">
+            <a:avLst/>
+          </a:prstGeom>
+          <a:ln>
+            <a:noFill/>
+          </a:ln>
+        </p:spPr>
+      </p:pic>
+      <p:pic>
+        <p:nvPicPr>
+          <p:cNvPr id="125" name="" descr=""/>
+          <p:cNvPicPr/>
+          <p:nvPr/>
+        </p:nvPicPr>
+        <p:blipFill>
+          <a:blip r:embed="rId2"/>
+          <a:stretch/>
+        </p:blipFill>
+        <p:spPr>
+          <a:xfrm>
+            <a:off x="3110400" y="1920240"/>
+            <a:ext cx="2057040" cy="4105080"/>
+          </a:xfrm>
+          <a:prstGeom prst="rect">
+            <a:avLst/>
+          </a:prstGeom>
+          <a:ln>
+            <a:noFill/>
+          </a:ln>
+        </p:spPr>
+      </p:pic>
+      <p:pic>
+        <p:nvPicPr>
+          <p:cNvPr id="126" name="" descr=""/>
+          <p:cNvPicPr/>
+          <p:nvPr/>
+        </p:nvPicPr>
+        <p:blipFill>
+          <a:blip r:embed="rId3"/>
+          <a:stretch/>
+        </p:blipFill>
+        <p:spPr>
+          <a:xfrm>
+            <a:off x="5091840" y="2824920"/>
+            <a:ext cx="4556160" cy="2410200"/>
+          </a:xfrm>
+          <a:prstGeom prst="rect">
+            <a:avLst/>
+          </a:prstGeom>
+          <a:ln>
+            <a:noFill/>
+          </a:ln>
+        </p:spPr>
+      </p:pic>
+    </p:spTree>
+  </p:cSld>
+  <mc:AlternateContent>
+    <mc:Choice Requires="p14">
+      <p:transition spd="slow" p14:dur="2000"/>
+    </mc:Choice>
+    <mc:Fallback>
+      <p:transition spd="slow"/>
+    </mc:Fallback>
+  </mc:AlternateContent>
+</p:sld>
+</file>
+
+<file path=ppt/slides/slide5.xml><?xml version="1.0" encoding="utf-8"?>
+<p:sld xmlns:a="http://schemas.openxmlformats.org/drawingml/2006/main" xmlns:p="http://schemas.openxmlformats.org/presentationml/2006/main" xmlns:r="http://schemas.openxmlformats.org/officeDocument/2006/relationships" xmlns:p14="http://schemas.microsoft.com/office/powerpoint/2010/main" xmlns:p15="http://schemas.microsoft.com/office/powerpoint/2012/main" xmlns:mc="http://schemas.openxmlformats.org/markup-compatibility/2006">
+  <p:cSld>
+    <p:spTree>
+      <p:nvGrpSpPr>
+        <p:cNvPr id="1" name=""/>
+        <p:cNvGrpSpPr/>
+        <p:nvPr/>
+      </p:nvGrpSpPr>
+      <p:grpSpPr>
+        <a:xfrm>
+          <a:off x="0" y="0"/>
+          <a:ext cx="0" cy="0"/>
+          <a:chOff x="0" y="0"/>
+          <a:chExt cx="0" cy="0"/>
+        </a:xfrm>
+      </p:grpSpPr>
+      <p:sp>
+        <p:nvSpPr>
+          <p:cNvPr id="127" name="CustomShape 1"/>
+          <p:cNvSpPr/>
+          <p:nvPr/>
+        </p:nvSpPr>
+        <p:spPr>
+          <a:xfrm>
+            <a:off x="504000" y="301320"/>
+            <a:ext cx="9071280" cy="1261800"/>
+          </a:xfrm>
+          <a:prstGeom prst="rect">
+            <a:avLst/>
+          </a:prstGeom>
+          <a:noFill/>
+          <a:ln>
+            <a:noFill/>
+          </a:ln>
+        </p:spPr>
+        <p:style>
+          <a:lnRef idx="0"/>
+          <a:fillRef idx="0"/>
+          <a:effectRef idx="0"/>
+          <a:fontRef idx="minor"/>
+        </p:style>
+        <p:txBody>
+          <a:bodyPr lIns="0" rIns="0" tIns="0" bIns="0" anchor="ctr">
+            <a:noAutofit/>
+          </a:bodyPr>
+          <a:p>
+            <a:pPr algn="ctr">
+              <a:lnSpc>
+                <a:spcPct val="100000"/>
+              </a:lnSpc>
+            </a:pPr>
+            <a:r>
+              <a:rPr b="0" lang="en-US" sz="4400" spc="-1" strike="noStrike">
+                <a:latin typeface="Arial"/>
+              </a:rPr>
+              <a:t>Classification – Dataset</a:t>
+            </a:r>
+            <a:endParaRPr b="0" lang="en-US" sz="4400" spc="-1" strike="noStrike">
+              <a:latin typeface="Arial"/>
+            </a:endParaRPr>
+          </a:p>
+        </p:txBody>
+      </p:sp>
+      <p:sp>
+        <p:nvSpPr>
+          <p:cNvPr id="128" name="CustomShape 2"/>
+          <p:cNvSpPr/>
+          <p:nvPr/>
+        </p:nvSpPr>
+        <p:spPr>
+          <a:xfrm>
+            <a:off x="504000" y="1769040"/>
+            <a:ext cx="9071280" cy="4384080"/>
+          </a:xfrm>
+          <a:prstGeom prst="rect">
+            <a:avLst/>
+          </a:prstGeom>
+          <a:noFill/>
+          <a:ln>
+            <a:noFill/>
+          </a:ln>
+        </p:spPr>
+        <p:style>
+          <a:lnRef idx="0"/>
+          <a:fillRef idx="0"/>
+          <a:effectRef idx="0"/>
+          <a:fontRef idx="minor"/>
+        </p:style>
+      </p:sp>
+      <p:pic>
+        <p:nvPicPr>
+          <p:cNvPr id="129" name="" descr=""/>
+          <p:cNvPicPr/>
+          <p:nvPr/>
+        </p:nvPicPr>
+        <p:blipFill>
+          <a:blip r:embed="rId1"/>
+          <a:stretch/>
+        </p:blipFill>
+        <p:spPr>
+          <a:xfrm>
+            <a:off x="3200400" y="1463040"/>
+            <a:ext cx="3809520" cy="2352240"/>
+          </a:xfrm>
+          <a:prstGeom prst="rect">
+            <a:avLst/>
+          </a:prstGeom>
+          <a:ln>
+            <a:noFill/>
+          </a:ln>
+        </p:spPr>
+      </p:pic>
+      <p:sp>
+        <p:nvSpPr>
+          <p:cNvPr id="130" name="TextShape 3"/>
+          <p:cNvSpPr txBox="1"/>
+          <p:nvPr/>
+        </p:nvSpPr>
+        <p:spPr>
+          <a:xfrm>
+            <a:off x="1280160" y="4197960"/>
+            <a:ext cx="7680960" cy="2789640"/>
+          </a:xfrm>
+          <a:prstGeom prst="rect">
+            <a:avLst/>
+          </a:prstGeom>
+          <a:noFill/>
+          <a:ln>
+            <a:noFill/>
+          </a:ln>
+        </p:spPr>
+        <p:txBody>
+          <a:bodyPr lIns="90000" rIns="90000" tIns="45000" bIns="45000">
+            <a:noAutofit/>
+          </a:bodyPr>
+          <a:p>
+            <a:pPr marL="216000" indent="-216000">
+              <a:buClr>
+                <a:srgbClr val="000000"/>
+              </a:buClr>
+              <a:buSzPct val="45000"/>
+              <a:buFont typeface="Wingdings" charset="2"/>
+              <a:buChar char=""/>
+            </a:pPr>
+            <a:r>
+              <a:rPr b="0" lang="en-US" sz="2200" spc="-1" strike="noStrike">
+                <a:latin typeface="Arial"/>
+              </a:rPr>
+              <a:t>A dogs vs. cats competition that is still accepts test submissions </a:t>
+            </a:r>
+            <a:endParaRPr b="0" lang="en-US" sz="2200" spc="-1" strike="noStrike">
+              <a:latin typeface="Arial"/>
+            </a:endParaRPr>
+          </a:p>
+          <a:p>
+            <a:pPr marL="216000" indent="-216000">
+              <a:buClr>
+                <a:srgbClr val="000000"/>
+              </a:buClr>
+              <a:buSzPct val="45000"/>
+              <a:buFont typeface="Wingdings" charset="2"/>
+              <a:buChar char=""/>
+            </a:pPr>
+            <a:endParaRPr b="0" lang="en-US" sz="2200" spc="-1" strike="noStrike">
+              <a:latin typeface="Arial"/>
+            </a:endParaRPr>
+          </a:p>
+          <a:p>
+            <a:pPr marL="216000" indent="-216000">
+              <a:buClr>
+                <a:srgbClr val="000000"/>
+              </a:buClr>
+              <a:buSzPct val="45000"/>
+              <a:buFont typeface="Wingdings" charset="2"/>
+              <a:buChar char=""/>
+            </a:pPr>
+            <a:r>
+              <a:rPr b="0" lang="en-US" sz="2200" spc="-1" strike="noStrike">
+                <a:latin typeface="Arial"/>
+              </a:rPr>
+              <a:t>The dataset is slightly different from the competition on Kaggle</a:t>
+            </a:r>
+            <a:endParaRPr b="0" lang="en-US" sz="2200" spc="-1" strike="noStrike">
+              <a:latin typeface="Arial"/>
+            </a:endParaRPr>
+          </a:p>
+          <a:p>
+            <a:pPr marL="216000" indent="-216000">
+              <a:buClr>
+                <a:srgbClr val="000000"/>
+              </a:buClr>
+              <a:buSzPct val="45000"/>
+              <a:buFont typeface="Wingdings" charset="2"/>
+              <a:buChar char=""/>
+            </a:pPr>
+            <a:endParaRPr b="0" lang="en-US" sz="2200" spc="-1" strike="noStrike">
+              <a:latin typeface="Arial"/>
+            </a:endParaRPr>
+          </a:p>
+          <a:p>
+            <a:pPr marL="216000" indent="-216000">
+              <a:buClr>
+                <a:srgbClr val="000000"/>
+              </a:buClr>
+              <a:buSzPct val="45000"/>
+              <a:buFont typeface="Wingdings" charset="2"/>
+              <a:buChar char=""/>
+            </a:pPr>
+            <a:r>
+              <a:rPr b="0" lang="en-US" sz="2200" spc="-1" strike="noStrike">
+                <a:latin typeface="Arial"/>
+              </a:rPr>
+              <a:t>Train set:        20k images</a:t>
+            </a:r>
+            <a:endParaRPr b="0" lang="en-US" sz="2200" spc="-1" strike="noStrike">
+              <a:latin typeface="Arial"/>
+            </a:endParaRPr>
+          </a:p>
+          <a:p>
+            <a:pPr marL="216000" indent="-216000">
+              <a:buClr>
+                <a:srgbClr val="000000"/>
+              </a:buClr>
+              <a:buSzPct val="45000"/>
+              <a:buFont typeface="Wingdings" charset="2"/>
+              <a:buChar char=""/>
+            </a:pPr>
+            <a:r>
+              <a:rPr b="0" lang="en-US" sz="2200" spc="-1" strike="noStrike">
+                <a:latin typeface="Arial"/>
+              </a:rPr>
+              <a:t>Validation set: 2k   images</a:t>
+            </a:r>
+            <a:endParaRPr b="0" lang="en-US" sz="2200" spc="-1" strike="noStrike">
+              <a:latin typeface="Arial"/>
+            </a:endParaRPr>
+          </a:p>
+          <a:p>
+            <a:pPr marL="216000" indent="-216000">
+              <a:buClr>
+                <a:srgbClr val="000000"/>
+              </a:buClr>
+              <a:buSzPct val="45000"/>
+              <a:buFont typeface="Wingdings" charset="2"/>
+              <a:buChar char=""/>
+            </a:pPr>
+            <a:r>
+              <a:rPr b="0" lang="en-US" sz="2200" spc="-1" strike="noStrike">
+                <a:latin typeface="Arial"/>
+              </a:rPr>
+              <a:t>Test set:          2k   images</a:t>
+            </a:r>
+            <a:endParaRPr b="0" lang="en-US" sz="2200" spc="-1" strike="noStrike">
+              <a:latin typeface="Arial"/>
+            </a:endParaRPr>
+          </a:p>
+        </p:txBody>
+      </p:sp>
+    </p:spTree>
+  </p:cSld>
+  <mc:AlternateContent>
+    <mc:Choice Requires="p14">
+      <p:transition spd="slow" p14:dur="2000"/>
+    </mc:Choice>
+    <mc:Fallback>
+      <p:transition spd="slow"/>
+    </mc:Fallback>
+  </mc:AlternateContent>
+</p:sld>
+</file>
+
+<file path=ppt/slides/slide6.xml><?xml version="1.0" encoding="utf-8"?>
+<p:sld xmlns:a="http://schemas.openxmlformats.org/drawingml/2006/main" xmlns:p="http://schemas.openxmlformats.org/presentationml/2006/main" xmlns:r="http://schemas.openxmlformats.org/officeDocument/2006/relationships" xmlns:p14="http://schemas.microsoft.com/office/powerpoint/2010/main" xmlns:p15="http://schemas.microsoft.com/office/powerpoint/2012/main" xmlns:mc="http://schemas.openxmlformats.org/markup-compatibility/2006">
+  <p:cSld>
+    <p:spTree>
+      <p:nvGrpSpPr>
+        <p:cNvPr id="1" name=""/>
+        <p:cNvGrpSpPr/>
+        <p:nvPr/>
+      </p:nvGrpSpPr>
+      <p:grpSpPr>
+        <a:xfrm>
+          <a:off x="0" y="0"/>
+          <a:ext cx="0" cy="0"/>
+          <a:chOff x="0" y="0"/>
+          <a:chExt cx="0" cy="0"/>
+        </a:xfrm>
+      </p:grpSpPr>
+      <p:sp>
+        <p:nvSpPr>
+          <p:cNvPr id="131" name="CustomShape 1"/>
+          <p:cNvSpPr/>
+          <p:nvPr/>
+        </p:nvSpPr>
+        <p:spPr>
+          <a:xfrm>
+            <a:off x="504000" y="301320"/>
+            <a:ext cx="9071280" cy="1261800"/>
+          </a:xfrm>
+          <a:prstGeom prst="rect">
+            <a:avLst/>
+          </a:prstGeom>
+          <a:noFill/>
+          <a:ln>
+            <a:noFill/>
+          </a:ln>
+        </p:spPr>
+        <p:style>
+          <a:lnRef idx="0"/>
+          <a:fillRef idx="0"/>
+          <a:effectRef idx="0"/>
+          <a:fontRef idx="minor"/>
+        </p:style>
+        <p:txBody>
+          <a:bodyPr lIns="0" rIns="0" tIns="0" bIns="0" anchor="ctr">
+            <a:noAutofit/>
+          </a:bodyPr>
+          <a:p>
+            <a:pPr algn="ctr">
+              <a:lnSpc>
+                <a:spcPct val="100000"/>
+              </a:lnSpc>
+            </a:pPr>
+            <a:r>
+              <a:rPr b="0" lang="en-US" sz="4400" spc="-1" strike="noStrike">
+                <a:latin typeface="Arial"/>
+              </a:rPr>
+              <a:t>Classification – Fine Tune</a:t>
+            </a:r>
+            <a:endParaRPr b="0" lang="en-US" sz="4400" spc="-1" strike="noStrike">
+              <a:latin typeface="Arial"/>
+            </a:endParaRPr>
+          </a:p>
+        </p:txBody>
+      </p:sp>
+      <p:sp>
+        <p:nvSpPr>
+          <p:cNvPr id="132" name="CustomShape 2"/>
+          <p:cNvSpPr/>
+          <p:nvPr/>
+        </p:nvSpPr>
+        <p:spPr>
+          <a:xfrm>
+            <a:off x="504000" y="1769040"/>
+            <a:ext cx="9071280" cy="4384080"/>
+          </a:xfrm>
+          <a:prstGeom prst="rect">
+            <a:avLst/>
+          </a:prstGeom>
+          <a:noFill/>
+          <a:ln>
+            <a:noFill/>
+          </a:ln>
+        </p:spPr>
+        <p:style>
+          <a:lnRef idx="0"/>
+          <a:fillRef idx="0"/>
+          <a:effectRef idx="0"/>
+          <a:fontRef idx="minor"/>
+        </p:style>
+      </p:sp>
+      <p:sp>
+        <p:nvSpPr>
+          <p:cNvPr id="133" name="TextShape 3"/>
+          <p:cNvSpPr txBox="1"/>
+          <p:nvPr/>
+        </p:nvSpPr>
+        <p:spPr>
+          <a:xfrm>
+            <a:off x="1280160" y="1828800"/>
+            <a:ext cx="7680960" cy="5158800"/>
+          </a:xfrm>
+          <a:prstGeom prst="rect">
+            <a:avLst/>
+          </a:prstGeom>
+          <a:noFill/>
+          <a:ln>
+            <a:noFill/>
+          </a:ln>
+        </p:spPr>
+        <p:txBody>
+          <a:bodyPr lIns="90000" rIns="90000" tIns="45000" bIns="45000">
+            <a:noAutofit/>
+          </a:bodyPr>
+          <a:p>
+            <a:pPr marL="216000" indent="-216000">
+              <a:buClr>
+                <a:srgbClr val="000000"/>
+              </a:buClr>
+              <a:buSzPct val="45000"/>
+              <a:buFont typeface="Wingdings" charset="2"/>
+              <a:buChar char=""/>
+            </a:pPr>
+            <a:r>
+              <a:rPr b="0" lang="en-US" sz="2200" spc="-1" strike="noStrike">
+                <a:latin typeface="Arial"/>
+              </a:rPr>
+              <a:t>Pre-trained model: jx_vit_base_p16_224-80ecf9dd.pth </a:t>
+            </a:r>
+            <a:endParaRPr b="0" lang="en-US" sz="2200" spc="-1" strike="noStrike">
+              <a:latin typeface="Arial"/>
+            </a:endParaRPr>
+          </a:p>
+          <a:p>
+            <a:pPr marL="216000" indent="-216000">
+              <a:buClr>
+                <a:srgbClr val="000000"/>
+              </a:buClr>
+              <a:buSzPct val="45000"/>
+              <a:buFont typeface="Wingdings" charset="2"/>
+              <a:buChar char=""/>
+            </a:pPr>
+            <a:endParaRPr b="0" lang="en-US" sz="2200" spc="-1" strike="noStrike">
+              <a:latin typeface="Arial"/>
+            </a:endParaRPr>
+          </a:p>
+          <a:p>
+            <a:pPr marL="216000" indent="-216000">
+              <a:buClr>
+                <a:srgbClr val="000000"/>
+              </a:buClr>
+              <a:buSzPct val="45000"/>
+              <a:buFont typeface="Wingdings" charset="2"/>
+              <a:buChar char=""/>
+            </a:pPr>
+            <a:r>
+              <a:rPr b="0" lang="en-US" sz="2200" spc="-1" strike="noStrike">
+                <a:latin typeface="Arial"/>
+              </a:rPr>
+              <a:t>Replace the head with one FC layer, the weight is [2,768] where 768 is the dim of the output of Transformer</a:t>
+            </a:r>
+            <a:endParaRPr b="0" lang="en-US" sz="2200" spc="-1" strike="noStrike">
+              <a:latin typeface="Arial"/>
+            </a:endParaRPr>
+          </a:p>
+          <a:p>
+            <a:pPr marL="216000" indent="-216000">
+              <a:buClr>
+                <a:srgbClr val="000000"/>
+              </a:buClr>
+              <a:buSzPct val="45000"/>
+              <a:buFont typeface="Wingdings" charset="2"/>
+              <a:buChar char=""/>
+            </a:pPr>
+            <a:endParaRPr b="0" lang="en-US" sz="2200" spc="-1" strike="noStrike">
+              <a:latin typeface="Arial"/>
+            </a:endParaRPr>
+          </a:p>
+          <a:p>
+            <a:pPr marL="216000" indent="-216000">
+              <a:buClr>
+                <a:srgbClr val="000000"/>
+              </a:buClr>
+              <a:buSzPct val="45000"/>
+              <a:buFont typeface="Wingdings" charset="2"/>
+              <a:buChar char=""/>
+            </a:pPr>
+            <a:r>
+              <a:rPr b="0" lang="en-US" sz="2200" spc="-1" strike="noStrike">
+                <a:latin typeface="Arial"/>
+              </a:rPr>
+              <a:t>First experiment: All weights in the model except for the ones in the head is fixed </a:t>
+            </a:r>
+            <a:endParaRPr b="0" lang="en-US" sz="2200" spc="-1" strike="noStrike">
+              <a:latin typeface="Arial"/>
+            </a:endParaRPr>
+          </a:p>
+          <a:p>
+            <a:pPr marL="216000" indent="-216000">
+              <a:buClr>
+                <a:srgbClr val="000000"/>
+              </a:buClr>
+              <a:buSzPct val="45000"/>
+              <a:buFont typeface="Wingdings" charset="2"/>
+              <a:buChar char=""/>
+            </a:pPr>
+            <a:endParaRPr b="0" lang="en-US" sz="2200" spc="-1" strike="noStrike">
+              <a:latin typeface="Arial"/>
+            </a:endParaRPr>
+          </a:p>
+          <a:p>
+            <a:pPr marL="216000" indent="-216000">
+              <a:buClr>
+                <a:srgbClr val="000000"/>
+              </a:buClr>
+              <a:buSzPct val="45000"/>
+              <a:buFont typeface="Wingdings" charset="2"/>
+              <a:buChar char=""/>
+            </a:pPr>
+            <a:r>
+              <a:rPr b="0" lang="en-US" sz="2200" spc="-1" strike="noStrike">
+                <a:latin typeface="Arial"/>
+              </a:rPr>
+              <a:t>Fine Tune: All weights in the model are trainable </a:t>
+            </a:r>
+            <a:endParaRPr b="0" lang="en-US" sz="2200" spc="-1" strike="noStrike">
+              <a:latin typeface="Arial"/>
+            </a:endParaRPr>
+          </a:p>
+          <a:p>
+            <a:pPr marL="216000" indent="-216000">
+              <a:buClr>
+                <a:srgbClr val="000000"/>
+              </a:buClr>
+              <a:buSzPct val="45000"/>
+              <a:buFont typeface="Wingdings" charset="2"/>
+              <a:buChar char=""/>
+            </a:pPr>
+            <a:endParaRPr b="0" lang="en-US" sz="2200" spc="-1" strike="noStrike">
+              <a:latin typeface="Arial"/>
+            </a:endParaRPr>
+          </a:p>
+          <a:p>
+            <a:pPr marL="216000" indent="-216000">
+              <a:buClr>
+                <a:srgbClr val="000000"/>
+              </a:buClr>
+              <a:buSzPct val="45000"/>
+              <a:buFont typeface="Wingdings" charset="2"/>
+              <a:buChar char=""/>
+            </a:pPr>
+            <a:r>
+              <a:rPr b="0" lang="en-US" sz="2200" spc="-1" strike="noStrike">
+                <a:latin typeface="Arial"/>
+              </a:rPr>
+              <a:t>Settings</a:t>
+            </a:r>
+            <a:endParaRPr b="0" lang="en-US" sz="2200" spc="-1" strike="noStrike">
+              <a:latin typeface="Arial"/>
+            </a:endParaRPr>
+          </a:p>
+          <a:p>
+            <a:pPr lvl="2" marL="648000" indent="-216000">
+              <a:buClr>
+                <a:srgbClr val="000000"/>
+              </a:buClr>
+              <a:buSzPct val="45000"/>
+              <a:buFont typeface="Wingdings" charset="2"/>
+              <a:buChar char=""/>
+            </a:pPr>
+            <a:r>
+              <a:rPr b="0" lang="en-US" sz="2200" spc="-1" strike="noStrike">
+                <a:latin typeface="Arial"/>
+              </a:rPr>
+              <a:t>5 epochs</a:t>
+            </a:r>
+            <a:endParaRPr b="0" lang="en-US" sz="2200" spc="-1" strike="noStrike">
+              <a:latin typeface="Arial"/>
+            </a:endParaRPr>
+          </a:p>
+          <a:p>
+            <a:pPr lvl="2" marL="648000" indent="-216000">
+              <a:buClr>
+                <a:srgbClr val="000000"/>
+              </a:buClr>
+              <a:buSzPct val="45000"/>
+              <a:buFont typeface="Wingdings" charset="2"/>
+              <a:buChar char=""/>
+            </a:pPr>
+            <a:r>
+              <a:rPr b="0" lang="en-US" sz="2200" spc="-1" strike="noStrike">
+                <a:latin typeface="Arial"/>
+              </a:rPr>
+              <a:t>Batch size: 16</a:t>
+            </a:r>
+            <a:endParaRPr b="0" lang="en-US" sz="2200" spc="-1" strike="noStrike">
+              <a:latin typeface="Arial"/>
+            </a:endParaRPr>
+          </a:p>
+          <a:p>
+            <a:pPr lvl="2" marL="648000" indent="-216000">
+              <a:buClr>
+                <a:srgbClr val="000000"/>
+              </a:buClr>
+              <a:buSzPct val="45000"/>
+              <a:buFont typeface="Wingdings" charset="2"/>
+              <a:buChar char=""/>
+            </a:pPr>
+            <a:r>
+              <a:rPr b="0" lang="en-US" sz="2200" spc="-1" strike="noStrike">
+                <a:latin typeface="Arial"/>
+              </a:rPr>
+              <a:t>Optimizer: Adam</a:t>
+            </a:r>
+            <a:endParaRPr b="0" lang="en-US" sz="2200" spc="-1" strike="noStrike">
+              <a:latin typeface="Arial"/>
+            </a:endParaRPr>
+          </a:p>
+          <a:p>
+            <a:pPr lvl="2" marL="648000" indent="-216000">
+              <a:buClr>
+                <a:srgbClr val="000000"/>
+              </a:buClr>
+              <a:buSzPct val="45000"/>
+              <a:buFont typeface="Wingdings" charset="2"/>
+              <a:buChar char=""/>
+            </a:pPr>
+            <a:r>
+              <a:rPr b="0" lang="en-US" sz="2200" spc="-1" strike="noStrike">
+                <a:latin typeface="Arial"/>
+              </a:rPr>
+              <a:t>Learning rate: 0.0001</a:t>
+            </a:r>
+            <a:endParaRPr b="0" lang="en-US" sz="2200" spc="-1" strike="noStrike">
+              <a:latin typeface="Arial"/>
+            </a:endParaRPr>
+          </a:p>
+          <a:p>
+            <a:pPr lvl="2" marL="648000" indent="-216000">
+              <a:buClr>
+                <a:srgbClr val="000000"/>
+              </a:buClr>
+              <a:buSzPct val="45000"/>
+              <a:buFont typeface="Wingdings" charset="2"/>
+              <a:buChar char=""/>
+            </a:pPr>
+            <a:r>
+              <a:rPr b="0" lang="en-US" sz="2200" spc="-1" strike="noStrike">
+                <a:latin typeface="Arial"/>
+              </a:rPr>
+              <a:t>CosineAnneallingLR decay</a:t>
+            </a:r>
+            <a:endParaRPr b="0" lang="en-US" sz="2200" spc="-1" strike="noStrike">
+              <a:latin typeface="Arial"/>
+            </a:endParaRPr>
+          </a:p>
+        </p:txBody>
+      </p:sp>
+    </p:spTree>
+  </p:cSld>
+  <mc:AlternateContent>
+    <mc:Choice Requires="p14">
+      <p:transition spd="slow" p14:dur="2000"/>
+    </mc:Choice>
+    <mc:Fallback>
+      <p:transition spd="slow"/>
+    </mc:Fallback>
+  </mc:AlternateContent>
+</p:sld>
+</file>
+
+<file path=ppt/slides/slide7.xml><?xml version="1.0" encoding="utf-8"?>
+<p:sld xmlns:a="http://schemas.openxmlformats.org/drawingml/2006/main" xmlns:p="http://schemas.openxmlformats.org/presentationml/2006/main" xmlns:r="http://schemas.openxmlformats.org/officeDocument/2006/relationships" xmlns:p14="http://schemas.microsoft.com/office/powerpoint/2010/main" xmlns:p15="http://schemas.microsoft.com/office/powerpoint/2012/main" xmlns:mc="http://schemas.openxmlformats.org/markup-compatibility/2006">
+  <p:cSld>
+    <p:spTree>
+      <p:nvGrpSpPr>
+        <p:cNvPr id="1" name=""/>
+        <p:cNvGrpSpPr/>
+        <p:nvPr/>
+      </p:nvGrpSpPr>
+      <p:grpSpPr>
+        <a:xfrm>
+          <a:off x="0" y="0"/>
+          <a:ext cx="0" cy="0"/>
+          <a:chOff x="0" y="0"/>
+          <a:chExt cx="0" cy="0"/>
+        </a:xfrm>
+      </p:grpSpPr>
+      <p:sp>
+        <p:nvSpPr>
+          <p:cNvPr id="134" name="CustomShape 1"/>
+          <p:cNvSpPr/>
+          <p:nvPr/>
+        </p:nvSpPr>
+        <p:spPr>
+          <a:xfrm>
+            <a:off x="504000" y="301320"/>
+            <a:ext cx="9071280" cy="1261800"/>
+          </a:xfrm>
+          <a:prstGeom prst="rect">
+            <a:avLst/>
+          </a:prstGeom>
+          <a:noFill/>
+          <a:ln>
+            <a:noFill/>
+          </a:ln>
+        </p:spPr>
+        <p:style>
+          <a:lnRef idx="0"/>
+          <a:fillRef idx="0"/>
+          <a:effectRef idx="0"/>
+          <a:fontRef idx="minor"/>
+        </p:style>
+        <p:txBody>
+          <a:bodyPr lIns="0" rIns="0" tIns="0" bIns="0" anchor="ctr">
+            <a:noAutofit/>
+          </a:bodyPr>
+          <a:p>
+            <a:pPr algn="ctr">
+              <a:lnSpc>
+                <a:spcPct val="100000"/>
+              </a:lnSpc>
+            </a:pPr>
+            <a:r>
+              <a:rPr b="0" lang="en-US" sz="4400" spc="-1" strike="noStrike">
+                <a:latin typeface="Arial"/>
+              </a:rPr>
+              <a:t>Classification – Results</a:t>
+            </a:r>
+            <a:endParaRPr b="0" lang="en-US" sz="4400" spc="-1" strike="noStrike">
+              <a:latin typeface="Arial"/>
+            </a:endParaRPr>
+          </a:p>
+        </p:txBody>
+      </p:sp>
+      <p:sp>
+        <p:nvSpPr>
+          <p:cNvPr id="135" name="CustomShape 2"/>
+          <p:cNvSpPr/>
+          <p:nvPr/>
+        </p:nvSpPr>
+        <p:spPr>
+          <a:xfrm>
+            <a:off x="504000" y="1769040"/>
+            <a:ext cx="9071280" cy="4384080"/>
+          </a:xfrm>
+          <a:prstGeom prst="rect">
+            <a:avLst/>
+          </a:prstGeom>
+          <a:noFill/>
+          <a:ln>
+            <a:noFill/>
+          </a:ln>
+        </p:spPr>
+        <p:style>
+          <a:lnRef idx="0"/>
+          <a:fillRef idx="0"/>
+          <a:effectRef idx="0"/>
+          <a:fontRef idx="minor"/>
+        </p:style>
+      </p:sp>
+      <p:sp>
+        <p:nvSpPr>
+          <p:cNvPr id="136" name="TextShape 3"/>
+          <p:cNvSpPr txBox="1"/>
+          <p:nvPr/>
+        </p:nvSpPr>
+        <p:spPr>
+          <a:xfrm>
+            <a:off x="1280160" y="1828800"/>
+            <a:ext cx="7680960" cy="2789640"/>
+          </a:xfrm>
+          <a:prstGeom prst="rect">
+            <a:avLst/>
+          </a:prstGeom>
+          <a:noFill/>
+          <a:ln>
+            <a:noFill/>
+          </a:ln>
+        </p:spPr>
+        <p:txBody>
+          <a:bodyPr lIns="90000" rIns="90000" tIns="45000" bIns="45000">
+            <a:noAutofit/>
+          </a:bodyPr>
+          <a:p>
+            <a:pPr marL="216000" indent="-216000">
+              <a:buClr>
+                <a:srgbClr val="000000"/>
+              </a:buClr>
+              <a:buSzPct val="45000"/>
+              <a:buFont typeface="Wingdings" charset="2"/>
+              <a:buChar char=""/>
+            </a:pPr>
+            <a:r>
+              <a:rPr b="0" lang="en-US" sz="2200" spc="-1" strike="noStrike">
+                <a:latin typeface="Arial"/>
+              </a:rPr>
+              <a:t>Test Accuracy: </a:t>
+            </a:r>
+            <a:endParaRPr b="0" lang="en-US" sz="2200" spc="-1" strike="noStrike">
+              <a:latin typeface="Arial"/>
+            </a:endParaRPr>
+          </a:p>
+          <a:p>
+            <a:pPr lvl="2" marL="648000" indent="-216000">
+              <a:buClr>
+                <a:srgbClr val="000000"/>
+              </a:buClr>
+              <a:buSzPct val="45000"/>
+              <a:buFont typeface="Wingdings" charset="2"/>
+              <a:buChar char=""/>
+            </a:pPr>
+            <a:r>
+              <a:rPr b="0" lang="en-US" sz="2200" spc="-1" strike="noStrike">
+                <a:latin typeface="Arial"/>
+              </a:rPr>
+              <a:t>96.5%   before Fine Tune </a:t>
+            </a:r>
+            <a:endParaRPr b="0" lang="en-US" sz="2200" spc="-1" strike="noStrike">
+              <a:latin typeface="Arial"/>
+            </a:endParaRPr>
+          </a:p>
+          <a:p>
+            <a:pPr lvl="2" marL="648000" indent="-216000">
+              <a:buClr>
+                <a:srgbClr val="000000"/>
+              </a:buClr>
+              <a:buSzPct val="45000"/>
+              <a:buFont typeface="Wingdings" charset="2"/>
+              <a:buChar char=""/>
+            </a:pPr>
+            <a:r>
+              <a:rPr b="0" lang="en-US" sz="2200" spc="-1" strike="noStrike">
+                <a:latin typeface="Arial"/>
+              </a:rPr>
+              <a:t>98.65% after Fine Tune</a:t>
+            </a:r>
+            <a:endParaRPr b="0" lang="en-US" sz="2200" spc="-1" strike="noStrike">
+              <a:latin typeface="Arial"/>
+            </a:endParaRPr>
+          </a:p>
+          <a:p>
+            <a:pPr marL="216000" indent="-216000">
+              <a:buClr>
+                <a:srgbClr val="000000"/>
+              </a:buClr>
+              <a:buSzPct val="45000"/>
+              <a:buFont typeface="Wingdings" charset="2"/>
+              <a:buChar char=""/>
+            </a:pPr>
+            <a:endParaRPr b="0" lang="en-US" sz="2200" spc="-1" strike="noStrike">
+              <a:latin typeface="Arial"/>
+            </a:endParaRPr>
+          </a:p>
+          <a:p>
+            <a:pPr marL="216000" indent="-216000">
+              <a:buClr>
+                <a:srgbClr val="000000"/>
+              </a:buClr>
+              <a:buSzPct val="45000"/>
+              <a:buFont typeface="Wingdings" charset="2"/>
+              <a:buChar char=""/>
+            </a:pPr>
+            <a:r>
+              <a:rPr b="0" lang="en-US" sz="2200" spc="-1" strike="noStrike">
+                <a:latin typeface="Arial"/>
+              </a:rPr>
+              <a:t>obvious that the accuracy becomes better after fine-tune</a:t>
+            </a:r>
+            <a:endParaRPr b="0" lang="en-US" sz="2200" spc="-1" strike="noStrike">
+              <a:latin typeface="Arial"/>
+            </a:endParaRPr>
+          </a:p>
+          <a:p>
+            <a:pPr marL="216000" indent="-216000">
+              <a:buClr>
+                <a:srgbClr val="000000"/>
+              </a:buClr>
+              <a:buSzPct val="45000"/>
+              <a:buFont typeface="Wingdings" charset="2"/>
+              <a:buChar char=""/>
+            </a:pPr>
+            <a:endParaRPr b="0" lang="en-US" sz="2200" spc="-1" strike="noStrike">
+              <a:latin typeface="Arial"/>
+            </a:endParaRPr>
+          </a:p>
+          <a:p>
+            <a:pPr marL="216000" indent="-216000">
+              <a:buClr>
+                <a:srgbClr val="000000"/>
+              </a:buClr>
+              <a:buSzPct val="45000"/>
+              <a:buFont typeface="Wingdings" charset="2"/>
+              <a:buChar char=""/>
+            </a:pPr>
+            <a:r>
+              <a:rPr b="0" lang="en-US" sz="2200" spc="-1" strike="noStrike">
+                <a:latin typeface="Arial"/>
+              </a:rPr>
+              <a:t>Training with more epochs and bigger learning rates are also explored, but these parameters failed to give better results</a:t>
+            </a:r>
+            <a:endParaRPr b="0" lang="en-US" sz="2200" spc="-1" strike="noStrike">
+              <a:latin typeface="Arial"/>
+            </a:endParaRPr>
+          </a:p>
+        </p:txBody>
+      </p:sp>
+      <p:pic>
+        <p:nvPicPr>
+          <p:cNvPr id="137" name="" descr=""/>
+          <p:cNvPicPr/>
+          <p:nvPr/>
+        </p:nvPicPr>
+        <p:blipFill>
+          <a:blip r:embed="rId1"/>
+          <a:stretch/>
+        </p:blipFill>
+        <p:spPr>
+          <a:xfrm>
+            <a:off x="2103120" y="4677840"/>
+            <a:ext cx="6035040" cy="2363040"/>
+          </a:xfrm>
+          <a:prstGeom prst="rect">
+            <a:avLst/>
+          </a:prstGeom>
+          <a:ln>
+            <a:noFill/>
+          </a:ln>
+        </p:spPr>
+      </p:pic>
+    </p:spTree>
+  </p:cSld>
+  <mc:AlternateContent>
+    <mc:Choice Requires="p14">
+      <p:transition spd="slow" p14:dur="2000"/>
+    </mc:Choice>
+    <mc:Fallback>
+      <p:transition spd="slow"/>
+    </mc:Fallback>
+  </mc:AlternateContent>
+</p:sld>
+</file>
+
+<file path=ppt/slides/slide8.xml><?xml version="1.0" encoding="utf-8"?>
+<p:sld xmlns:a="http://schemas.openxmlformats.org/drawingml/2006/main" xmlns:p="http://schemas.openxmlformats.org/presentationml/2006/main" xmlns:r="http://schemas.openxmlformats.org/officeDocument/2006/relationships" xmlns:p14="http://schemas.microsoft.com/office/powerpoint/2010/main" xmlns:p15="http://schemas.microsoft.com/office/powerpoint/2012/main" xmlns:mc="http://schemas.openxmlformats.org/markup-compatibility/2006">
+  <p:cSld>
+    <p:spTree>
+      <p:nvGrpSpPr>
+        <p:cNvPr id="1" name=""/>
+        <p:cNvGrpSpPr/>
+        <p:nvPr/>
+      </p:nvGrpSpPr>
+      <p:grpSpPr>
+        <a:xfrm>
+          <a:off x="0" y="0"/>
+          <a:ext cx="0" cy="0"/>
+          <a:chOff x="0" y="0"/>
+          <a:chExt cx="0" cy="0"/>
+        </a:xfrm>
+      </p:grpSpPr>
+      <p:sp>
+        <p:nvSpPr>
+          <p:cNvPr id="138" name="CustomShape 1"/>
+          <p:cNvSpPr/>
+          <p:nvPr/>
+        </p:nvSpPr>
+        <p:spPr>
+          <a:xfrm>
+            <a:off x="504000" y="301320"/>
+            <a:ext cx="9071280" cy="1261800"/>
+          </a:xfrm>
+          <a:prstGeom prst="rect">
+            <a:avLst/>
+          </a:prstGeom>
+          <a:noFill/>
+          <a:ln>
+            <a:noFill/>
+          </a:ln>
+        </p:spPr>
+        <p:style>
+          <a:lnRef idx="0"/>
+          <a:fillRef idx="0"/>
+          <a:effectRef idx="0"/>
+          <a:fontRef idx="minor"/>
+        </p:style>
+        <p:txBody>
+          <a:bodyPr lIns="0" rIns="0" tIns="0" bIns="0" anchor="ctr">
+            <a:noAutofit/>
+          </a:bodyPr>
+          <a:p>
+            <a:pPr algn="ctr">
+              <a:lnSpc>
+                <a:spcPct val="100000"/>
+              </a:lnSpc>
+            </a:pPr>
+            <a:r>
+              <a:rPr b="0" lang="en-US" sz="4400" spc="-1" strike="noStrike">
+                <a:latin typeface="Arial"/>
+              </a:rPr>
+              <a:t>Visualization – Positional Embedding</a:t>
+            </a:r>
+            <a:endParaRPr b="0" lang="en-US" sz="4400" spc="-1" strike="noStrike">
+              <a:latin typeface="Arial"/>
+            </a:endParaRPr>
+          </a:p>
+        </p:txBody>
+      </p:sp>
+      <p:sp>
+        <p:nvSpPr>
+          <p:cNvPr id="139" name="CustomShape 2"/>
+          <p:cNvSpPr/>
+          <p:nvPr/>
+        </p:nvSpPr>
+        <p:spPr>
+          <a:xfrm>
+            <a:off x="504000" y="1769040"/>
+            <a:ext cx="9071280" cy="4384080"/>
+          </a:xfrm>
+          <a:prstGeom prst="rect">
+            <a:avLst/>
+          </a:prstGeom>
+          <a:noFill/>
+          <a:ln>
+            <a:noFill/>
+          </a:ln>
+        </p:spPr>
+        <p:style>
+          <a:lnRef idx="0"/>
+          <a:fillRef idx="0"/>
+          <a:effectRef idx="0"/>
+          <a:fontRef idx="minor"/>
+        </p:style>
+      </p:sp>
+      <p:sp>
+        <p:nvSpPr>
+          <p:cNvPr id="140" name="TextShape 3"/>
+          <p:cNvSpPr txBox="1"/>
+          <p:nvPr/>
+        </p:nvSpPr>
+        <p:spPr>
+          <a:xfrm>
+            <a:off x="4023360" y="1828800"/>
+            <a:ext cx="5577840" cy="5289480"/>
+          </a:xfrm>
+          <a:prstGeom prst="rect">
+            <a:avLst/>
+          </a:prstGeom>
+          <a:noFill/>
+          <a:ln>
+            <a:noFill/>
+          </a:ln>
+        </p:spPr>
+        <p:txBody>
+          <a:bodyPr lIns="90000" rIns="90000" tIns="45000" bIns="45000">
+            <a:noAutofit/>
+          </a:bodyPr>
+          <a:p>
+            <a:pPr marL="216000" indent="-216000">
+              <a:buClr>
+                <a:srgbClr val="000000"/>
+              </a:buClr>
+              <a:buSzPct val="45000"/>
+              <a:buFont typeface="Wingdings" charset="2"/>
+              <a:buChar char=""/>
+            </a:pPr>
+            <a:r>
+              <a:rPr b="0" lang="en-US" sz="2000" spc="-1" strike="noStrike">
+                <a:latin typeface="Arial"/>
+              </a:rPr>
+              <a:t>Several variations of position embedding methods were tried in the original paper</a:t>
+            </a:r>
+            <a:endParaRPr b="0" lang="en-US" sz="2000" spc="-1" strike="noStrike">
+              <a:latin typeface="Arial"/>
+            </a:endParaRPr>
+          </a:p>
+          <a:p>
+            <a:pPr lvl="2" marL="648000" indent="-216000">
+              <a:buClr>
+                <a:srgbClr val="000000"/>
+              </a:buClr>
+              <a:buSzPct val="45000"/>
+              <a:buFont typeface="Wingdings" charset="2"/>
+              <a:buChar char=""/>
+            </a:pPr>
+            <a:r>
+              <a:rPr b="0" lang="en-US" sz="2000" spc="-1" strike="noStrike">
+                <a:latin typeface="Arial"/>
+              </a:rPr>
+              <a:t>No positional embedding</a:t>
+            </a:r>
+            <a:endParaRPr b="0" lang="en-US" sz="2000" spc="-1" strike="noStrike">
+              <a:latin typeface="Arial"/>
+            </a:endParaRPr>
+          </a:p>
+          <a:p>
+            <a:pPr lvl="2" marL="648000" indent="-216000">
+              <a:buClr>
+                <a:srgbClr val="000000"/>
+              </a:buClr>
+              <a:buSzPct val="45000"/>
+              <a:buFont typeface="Wingdings" charset="2"/>
+              <a:buChar char=""/>
+            </a:pPr>
+            <a:r>
+              <a:rPr b="0" lang="en-US" sz="2000" spc="-1" strike="noStrike">
+                <a:latin typeface="Arial"/>
+              </a:rPr>
+              <a:t>1D positional embedding</a:t>
+            </a:r>
+            <a:endParaRPr b="0" lang="en-US" sz="2000" spc="-1" strike="noStrike">
+              <a:latin typeface="Arial"/>
+            </a:endParaRPr>
+          </a:p>
+          <a:p>
+            <a:pPr lvl="2" marL="648000" indent="-216000">
+              <a:buClr>
+                <a:srgbClr val="000000"/>
+              </a:buClr>
+              <a:buSzPct val="45000"/>
+              <a:buFont typeface="Wingdings" charset="2"/>
+              <a:buChar char=""/>
+            </a:pPr>
+            <a:r>
+              <a:rPr b="0" lang="en-US" sz="2000" spc="-1" strike="noStrike">
+                <a:latin typeface="Arial"/>
+              </a:rPr>
+              <a:t>2D positional embedding</a:t>
+            </a:r>
+            <a:endParaRPr b="0" lang="en-US" sz="2000" spc="-1" strike="noStrike">
+              <a:latin typeface="Arial"/>
+            </a:endParaRPr>
+          </a:p>
+          <a:p>
+            <a:pPr lvl="2" marL="648000" indent="-216000">
+              <a:buClr>
+                <a:srgbClr val="000000"/>
+              </a:buClr>
+              <a:buSzPct val="45000"/>
+              <a:buFont typeface="Wingdings" charset="2"/>
+              <a:buChar char=""/>
+            </a:pPr>
+            <a:r>
+              <a:rPr b="0" lang="en-US" sz="2000" spc="-1" strike="noStrike">
+                <a:latin typeface="Arial"/>
+              </a:rPr>
+              <a:t>Relative positional embedding</a:t>
+            </a:r>
+            <a:endParaRPr b="0" lang="en-US" sz="2000" spc="-1" strike="noStrike">
+              <a:latin typeface="Arial"/>
+            </a:endParaRPr>
+          </a:p>
+          <a:p>
+            <a:pPr marL="216000" indent="-216000">
+              <a:buClr>
+                <a:srgbClr val="000000"/>
+              </a:buClr>
+              <a:buSzPct val="45000"/>
+              <a:buFont typeface="Wingdings" charset="2"/>
+              <a:buChar char=""/>
+            </a:pPr>
+            <a:endParaRPr b="0" lang="en-US" sz="2000" spc="-1" strike="noStrike">
+              <a:latin typeface="Arial"/>
+            </a:endParaRPr>
+          </a:p>
+          <a:p>
+            <a:pPr marL="216000" indent="-216000">
+              <a:buClr>
+                <a:srgbClr val="000000"/>
+              </a:buClr>
+              <a:buSzPct val="45000"/>
+              <a:buFont typeface="Wingdings" charset="2"/>
+              <a:buChar char=""/>
+            </a:pPr>
+            <a:r>
+              <a:rPr b="0" lang="en-US" sz="2000" spc="-1" strike="noStrike">
+                <a:latin typeface="Arial"/>
+              </a:rPr>
+              <a:t>The latter 3 ones give similar performance</a:t>
+            </a:r>
+            <a:endParaRPr b="0" lang="en-US" sz="2000" spc="-1" strike="noStrike">
+              <a:latin typeface="Arial"/>
+            </a:endParaRPr>
+          </a:p>
+          <a:p>
+            <a:pPr marL="216000" indent="-216000">
+              <a:buClr>
+                <a:srgbClr val="000000"/>
+              </a:buClr>
+              <a:buSzPct val="45000"/>
+              <a:buFont typeface="Wingdings" charset="2"/>
+              <a:buChar char=""/>
+            </a:pPr>
+            <a:endParaRPr b="0" lang="en-US" sz="2000" spc="-1" strike="noStrike">
+              <a:latin typeface="Arial"/>
+            </a:endParaRPr>
+          </a:p>
+          <a:p>
+            <a:pPr marL="216000" indent="-216000">
+              <a:buClr>
+                <a:srgbClr val="000000"/>
+              </a:buClr>
+              <a:buSzPct val="45000"/>
+              <a:buFont typeface="Wingdings" charset="2"/>
+              <a:buChar char=""/>
+            </a:pPr>
+            <a:r>
+              <a:rPr b="0" lang="en-US" sz="2000" spc="-1" strike="noStrike">
+                <a:latin typeface="Arial"/>
+              </a:rPr>
+              <a:t>Visualize the 1D positional embedding for explanation - computing the cosine similarity between the i-th embedding and all the embeddings(except for the class_token one)</a:t>
+            </a:r>
+            <a:endParaRPr b="0" lang="en-US" sz="2000" spc="-1" strike="noStrike">
+              <a:latin typeface="Arial"/>
+            </a:endParaRPr>
+          </a:p>
+          <a:p>
+            <a:pPr marL="216000" indent="-216000">
+              <a:buClr>
+                <a:srgbClr val="000000"/>
+              </a:buClr>
+              <a:buSzPct val="45000"/>
+              <a:buFont typeface="Wingdings" charset="2"/>
+              <a:buChar char=""/>
+            </a:pPr>
+            <a:r>
+              <a:rPr b="0" lang="en-US" sz="2000" spc="-1" strike="noStrike">
+                <a:latin typeface="Arial"/>
+              </a:rPr>
+              <a:t>we can see that each patch of the image has the embedding correctly representing the positions in the image. Thus we can say that 1D positional embedding is enough for this model.</a:t>
+            </a:r>
+            <a:endParaRPr b="0" lang="en-US" sz="2000" spc="-1" strike="noStrike">
+              <a:latin typeface="Arial"/>
+            </a:endParaRPr>
+          </a:p>
+        </p:txBody>
+      </p:sp>
+      <p:pic>
+        <p:nvPicPr>
+          <p:cNvPr id="141" name="" descr=""/>
+          <p:cNvPicPr/>
+          <p:nvPr/>
+        </p:nvPicPr>
+        <p:blipFill>
+          <a:blip r:embed="rId1"/>
+          <a:stretch/>
+        </p:blipFill>
+        <p:spPr>
+          <a:xfrm>
+            <a:off x="457200" y="2205720"/>
+            <a:ext cx="3600360" cy="3463560"/>
+          </a:xfrm>
+          <a:prstGeom prst="rect">
+            <a:avLst/>
+          </a:prstGeom>
+          <a:ln>
+            <a:noFill/>
+          </a:ln>
+        </p:spPr>
+      </p:pic>
+    </p:spTree>
+  </p:cSld>
+  <mc:AlternateContent>
+    <mc:Choice Requires="p14">
+      <p:transition spd="slow" p14:dur="2000"/>
+    </mc:Choice>
+    <mc:Fallback>
+      <p:transition spd="slow"/>
+    </mc:Fallback>
+  </mc:AlternateContent>
+</p:sld>
+</file>
+
+<file path=ppt/slides/slide9.xml><?xml version="1.0" encoding="utf-8"?>
+<p:sld xmlns:a="http://schemas.openxmlformats.org/drawingml/2006/main" xmlns:p="http://schemas.openxmlformats.org/presentationml/2006/main" xmlns:r="http://schemas.openxmlformats.org/officeDocument/2006/relationships" xmlns:p14="http://schemas.microsoft.com/office/powerpoint/2010/main" xmlns:p15="http://schemas.microsoft.com/office/powerpoint/2012/main" xmlns:mc="http://schemas.openxmlformats.org/markup-compatibility/2006">
+  <p:cSld>
+    <p:spTree>
+      <p:nvGrpSpPr>
+        <p:cNvPr id="1" name=""/>
+        <p:cNvGrpSpPr/>
+        <p:nvPr/>
+      </p:nvGrpSpPr>
+      <p:grpSpPr>
+        <a:xfrm>
+          <a:off x="0" y="0"/>
+          <a:ext cx="0" cy="0"/>
+          <a:chOff x="0" y="0"/>
+          <a:chExt cx="0" cy="0"/>
+        </a:xfrm>
+      </p:grpSpPr>
+      <p:sp>
+        <p:nvSpPr>
+          <p:cNvPr id="142" name="CustomShape 1"/>
+          <p:cNvSpPr/>
+          <p:nvPr/>
+        </p:nvSpPr>
+        <p:spPr>
+          <a:xfrm>
+            <a:off x="504000" y="301320"/>
+            <a:ext cx="9071280" cy="1261800"/>
+          </a:xfrm>
+          <a:prstGeom prst="rect">
+            <a:avLst/>
+          </a:prstGeom>
+          <a:noFill/>
+          <a:ln>
+            <a:noFill/>
+          </a:ln>
+        </p:spPr>
+        <p:style>
+          <a:lnRef idx="0"/>
+          <a:fillRef idx="0"/>
+          <a:effectRef idx="0"/>
+          <a:fontRef idx="minor"/>
+        </p:style>
+        <p:txBody>
+          <a:bodyPr lIns="0" rIns="0" tIns="0" bIns="0" anchor="ctr">
+            <a:noAutofit/>
+          </a:bodyPr>
+          <a:p>
+            <a:pPr algn="ctr">
+              <a:lnSpc>
+                <a:spcPct val="100000"/>
+              </a:lnSpc>
+            </a:pPr>
+            <a:r>
+              <a:rPr b="0" lang="en-US" sz="4400" spc="-1" strike="noStrike">
+                <a:latin typeface="Arial"/>
+              </a:rPr>
+              <a:t>Visualization – Attention Matrix</a:t>
+            </a:r>
+            <a:endParaRPr b="0" lang="en-US" sz="4400" spc="-1" strike="noStrike">
+              <a:latin typeface="Arial"/>
+            </a:endParaRPr>
+          </a:p>
+        </p:txBody>
+      </p:sp>
+      <p:sp>
+        <p:nvSpPr>
+          <p:cNvPr id="143" name="CustomShape 2"/>
+          <p:cNvSpPr/>
+          <p:nvPr/>
+        </p:nvSpPr>
+        <p:spPr>
+          <a:xfrm>
+            <a:off x="504000" y="1769040"/>
+            <a:ext cx="9071280" cy="4384080"/>
+          </a:xfrm>
+          <a:prstGeom prst="rect">
+            <a:avLst/>
+          </a:prstGeom>
+          <a:noFill/>
+          <a:ln>
+            <a:noFill/>
+          </a:ln>
+        </p:spPr>
+        <p:style>
+          <a:lnRef idx="0"/>
+          <a:fillRef idx="0"/>
+          <a:effectRef idx="0"/>
+          <a:fontRef idx="minor"/>
+        </p:style>
+      </p:sp>
+      <p:sp>
+        <p:nvSpPr>
+          <p:cNvPr id="144" name="TextShape 3"/>
+          <p:cNvSpPr txBox="1"/>
+          <p:nvPr/>
+        </p:nvSpPr>
+        <p:spPr>
+          <a:xfrm>
+            <a:off x="1280160" y="1645920"/>
+            <a:ext cx="7955280" cy="2011680"/>
+          </a:xfrm>
+          <a:prstGeom prst="rect">
+            <a:avLst/>
+          </a:prstGeom>
+          <a:noFill/>
+          <a:ln>
+            <a:noFill/>
+          </a:ln>
+        </p:spPr>
+        <p:txBody>
+          <a:bodyPr lIns="90000" rIns="90000" tIns="45000" bIns="45000">
+            <a:noAutofit/>
+          </a:bodyPr>
+          <a:p>
+            <a:pPr marL="216000" indent="-216000">
+              <a:buClr>
+                <a:srgbClr val="000000"/>
+              </a:buClr>
+              <a:buSzPct val="45000"/>
+              <a:buFont typeface="Wingdings" charset="2"/>
+              <a:buChar char=""/>
+            </a:pPr>
+            <a:r>
+              <a:rPr b="0" lang="en-US" sz="2000" spc="-1" strike="noStrike">
+                <a:latin typeface="Arial"/>
+              </a:rPr>
+              <a:t>The attention matrix, i.e., matmul(Q,K^T)/_(sqrt(D_K))</a:t>
+            </a:r>
+            <a:endParaRPr b="0" lang="en-US" sz="2000" spc="-1" strike="noStrike">
+              <a:latin typeface="Arial"/>
+            </a:endParaRPr>
+          </a:p>
+          <a:p>
+            <a:pPr marL="216000" indent="-216000">
+              <a:buClr>
+                <a:srgbClr val="000000"/>
+              </a:buClr>
+              <a:buSzPct val="45000"/>
+              <a:buFont typeface="Wingdings" charset="2"/>
+              <a:buChar char=""/>
+            </a:pPr>
+            <a:endParaRPr b="0" lang="en-US" sz="2000" spc="-1" strike="noStrike">
+              <a:latin typeface="Arial"/>
+            </a:endParaRPr>
+          </a:p>
+          <a:p>
+            <a:pPr marL="216000" indent="-216000">
+              <a:buClr>
+                <a:srgbClr val="000000"/>
+              </a:buClr>
+              <a:buSzPct val="45000"/>
+              <a:buFont typeface="Wingdings" charset="2"/>
+              <a:buChar char=""/>
+            </a:pPr>
+            <a:r>
+              <a:rPr b="0" lang="en-US" sz="2000" spc="-1" strike="noStrike">
+                <a:latin typeface="Arial"/>
+              </a:rPr>
+              <a:t>To see how the attention mechanism works</a:t>
+            </a:r>
+            <a:endParaRPr b="0" lang="en-US" sz="2000" spc="-1" strike="noStrike">
+              <a:latin typeface="Arial"/>
+            </a:endParaRPr>
+          </a:p>
+          <a:p>
+            <a:pPr marL="216000" indent="-216000">
+              <a:buClr>
+                <a:srgbClr val="000000"/>
+              </a:buClr>
+              <a:buSzPct val="45000"/>
+              <a:buFont typeface="Wingdings" charset="2"/>
+              <a:buChar char=""/>
+            </a:pPr>
+            <a:endParaRPr b="0" lang="en-US" sz="2000" spc="-1" strike="noStrike">
+              <a:latin typeface="Arial"/>
+            </a:endParaRPr>
+          </a:p>
+          <a:p>
+            <a:pPr marL="216000" indent="-216000">
+              <a:buClr>
+                <a:srgbClr val="000000"/>
+              </a:buClr>
+              <a:buSzPct val="45000"/>
+              <a:buFont typeface="Wingdings" charset="2"/>
+              <a:buChar char=""/>
+            </a:pPr>
+            <a:r>
+              <a:rPr b="0" lang="en-US" sz="2000" spc="-1" strike="noStrike">
+                <a:latin typeface="Arial"/>
+              </a:rPr>
+              <a:t>One image from the test set which contains two objects is selected to show the attentions</a:t>
+            </a:r>
+            <a:endParaRPr b="0" lang="en-US" sz="2000" spc="-1" strike="noStrike">
+              <a:latin typeface="Arial"/>
+            </a:endParaRPr>
+          </a:p>
+        </p:txBody>
+      </p:sp>
+      <p:pic>
+        <p:nvPicPr>
+          <p:cNvPr id="145" name="" descr=""/>
+          <p:cNvPicPr/>
+          <p:nvPr/>
+        </p:nvPicPr>
+        <p:blipFill>
+          <a:blip r:embed="rId1"/>
+          <a:stretch/>
+        </p:blipFill>
+        <p:spPr>
+          <a:xfrm rot="17400">
+            <a:off x="3384360" y="3912480"/>
+            <a:ext cx="3193200" cy="2388600"/>
           </a:xfrm>
           <a:prstGeom prst="rect">
             <a:avLst/>
@@ -4560,4 +7850,230 @@
     </a:fmtScheme>
   </a:themeElements>
 </a:theme>
+</file>
+
+<file path=ppt/theme/theme3.xml><?xml version="1.0" encoding="utf-8"?>
+<a:theme xmlns:a="http://schemas.openxmlformats.org/drawingml/2006/main" name="Office Theme">
+  <a:themeElements>
+    <a:clrScheme name="Office">
+      <a:dk1>
+        <a:sysClr val="windowText" lastClr="000000"/>
+      </a:dk1>
+      <a:lt1>
+        <a:sysClr val="window" lastClr="FFFFFF"/>
+      </a:lt1>
+      <a:dk2>
+        <a:srgbClr val="1f497d"/>
+      </a:dk2>
+      <a:lt2>
+        <a:srgbClr val="eeece1"/>
+      </a:lt2>
+      <a:accent1>
+        <a:srgbClr val="4f81bd"/>
+      </a:accent1>
+      <a:accent2>
+        <a:srgbClr val="c0504d"/>
+      </a:accent2>
+      <a:accent3>
+        <a:srgbClr val="9bbb59"/>
+      </a:accent3>
+      <a:accent4>
+        <a:srgbClr val="8064a2"/>
+      </a:accent4>
+      <a:accent5>
+        <a:srgbClr val="4bacc6"/>
+      </a:accent5>
+      <a:accent6>
+        <a:srgbClr val="f79646"/>
+      </a:accent6>
+      <a:hlink>
+        <a:srgbClr val="0000ff"/>
+      </a:hlink>
+      <a:folHlink>
+        <a:srgbClr val="800080"/>
+      </a:folHlink>
+    </a:clrScheme>
+    <a:fontScheme name="Office">
+      <a:majorFont>
+        <a:latin typeface="Arial"/>
+        <a:ea typeface="DejaVu Sans"/>
+        <a:cs typeface="DejaVu Sans"/>
+      </a:majorFont>
+      <a:minorFont>
+        <a:latin typeface="Arial"/>
+        <a:ea typeface="DejaVu Sans"/>
+        <a:cs typeface="DejaVu Sans"/>
+      </a:minorFont>
+    </a:fontScheme>
+    <a:fmtScheme name="Office">
+      <a:fillStyleLst>
+        <a:solidFill>
+          <a:schemeClr val="phClr"/>
+        </a:solidFill>
+        <a:gradFill rotWithShape="1">
+          <a:gsLst>
+            <a:gs pos="0">
+              <a:schemeClr val="phClr">
+                <a:tint val="50000"/>
+                <a:satMod val="300000"/>
+              </a:schemeClr>
+            </a:gs>
+            <a:gs pos="35000">
+              <a:schemeClr val="phClr">
+                <a:tint val="37000"/>
+                <a:satMod val="300000"/>
+              </a:schemeClr>
+            </a:gs>
+            <a:gs pos="100000">
+              <a:schemeClr val="phClr">
+                <a:tint val="15000"/>
+                <a:satMod val="350000"/>
+              </a:schemeClr>
+            </a:gs>
+          </a:gsLst>
+          <a:lin ang="16200000" scaled="1"/>
+        </a:gradFill>
+        <a:gradFill rotWithShape="1">
+          <a:gsLst>
+            <a:gs pos="0">
+              <a:schemeClr val="phClr">
+                <a:shade val="51000"/>
+                <a:satMod val="130000"/>
+              </a:schemeClr>
+            </a:gs>
+            <a:gs pos="80000">
+              <a:schemeClr val="phClr">
+                <a:shade val="93000"/>
+                <a:satMod val="130000"/>
+              </a:schemeClr>
+            </a:gs>
+            <a:gs pos="100000">
+              <a:schemeClr val="phClr">
+                <a:shade val="94000"/>
+                <a:satMod val="135000"/>
+              </a:schemeClr>
+            </a:gs>
+          </a:gsLst>
+          <a:lin ang="16200000" scaled="0"/>
+        </a:gradFill>
+      </a:fillStyleLst>
+      <a:lnStyleLst>
+        <a:ln w="9525" cap="flat" cmpd="sng" algn="ctr">
+          <a:solidFill>
+            <a:schemeClr val="phClr">
+              <a:shade val="95000"/>
+              <a:satMod val="105000"/>
+            </a:schemeClr>
+          </a:solidFill>
+          <a:prstDash val="solid"/>
+          <a:miter/>
+        </a:ln>
+        <a:ln w="25400" cap="flat" cmpd="sng" algn="ctr">
+          <a:solidFill>
+            <a:schemeClr val="phClr"/>
+          </a:solidFill>
+          <a:prstDash val="solid"/>
+          <a:miter/>
+        </a:ln>
+        <a:ln w="38100" cap="flat" cmpd="sng" algn="ctr">
+          <a:solidFill>
+            <a:schemeClr val="phClr"/>
+          </a:solidFill>
+          <a:prstDash val="solid"/>
+          <a:miter/>
+        </a:ln>
+      </a:lnStyleLst>
+      <a:effectStyleLst>
+        <a:effectStyle>
+          <a:effectLst>
+            <a:outerShdw blurRad="40000" dist="20000" dir="5400000" rotWithShape="0">
+              <a:srgbClr val="000000">
+                <a:alpha val="38000"/>
+              </a:srgbClr>
+            </a:outerShdw>
+          </a:effectLst>
+        </a:effectStyle>
+        <a:effectStyle>
+          <a:effectLst>
+            <a:outerShdw blurRad="40000" dist="23000" dir="5400000" rotWithShape="0">
+              <a:srgbClr val="000000">
+                <a:alpha val="35000"/>
+              </a:srgbClr>
+            </a:outerShdw>
+          </a:effectLst>
+        </a:effectStyle>
+        <a:effectStyle>
+          <a:effectLst>
+            <a:outerShdw blurRad="40000" dist="23000" dir="5400000" rotWithShape="0">
+              <a:srgbClr val="000000">
+                <a:alpha val="35000"/>
+              </a:srgbClr>
+            </a:outerShdw>
+          </a:effectLst>
+          <a:scene3d>
+            <a:camera prst="orthographicFront">
+              <a:rot lat="0" lon="0" rev="0"/>
+            </a:camera>
+            <a:lightRig rig="threePt" dir="t">
+              <a:rot lat="0" lon="0" rev="1200000"/>
+            </a:lightRig>
+          </a:scene3d>
+          <a:sp3d>
+            <a:bevelT w="63500" h="25400"/>
+          </a:sp3d>
+        </a:effectStyle>
+      </a:effectStyleLst>
+      <a:bgFillStyleLst>
+        <a:solidFill>
+          <a:schemeClr val="phClr"/>
+        </a:solidFill>
+        <a:gradFill rotWithShape="1">
+          <a:gsLst>
+            <a:gs pos="0">
+              <a:schemeClr val="phClr">
+                <a:tint val="40000"/>
+                <a:satMod val="350000"/>
+              </a:schemeClr>
+            </a:gs>
+            <a:gs pos="40000">
+              <a:schemeClr val="phClr">
+                <a:tint val="45000"/>
+                <a:shade val="99000"/>
+                <a:satMod val="350000"/>
+              </a:schemeClr>
+            </a:gs>
+            <a:gs pos="100000">
+              <a:schemeClr val="phClr">
+                <a:shade val="20000"/>
+                <a:satMod val="255000"/>
+              </a:schemeClr>
+            </a:gs>
+          </a:gsLst>
+          <a:path path="circle">
+            <a:fillToRect l="50000" t="-80000" r="50000" b="180000"/>
+          </a:path>
+        </a:gradFill>
+        <a:gradFill rotWithShape="1">
+          <a:gsLst>
+            <a:gs pos="0">
+              <a:schemeClr val="phClr">
+                <a:tint val="80000"/>
+                <a:satMod val="300000"/>
+              </a:schemeClr>
+            </a:gs>
+            <a:gs pos="100000">
+              <a:schemeClr val="phClr">
+                <a:shade val="30000"/>
+                <a:satMod val="200000"/>
+              </a:schemeClr>
+            </a:gs>
+          </a:gsLst>
+          <a:path path="circle">
+            <a:fillToRect l="50000" t="50000" r="50000" b="50000"/>
+          </a:path>
+        </a:gradFill>
+      </a:bgFillStyleLst>
+    </a:fmtScheme>
+  </a:themeElements>
+</a:theme>
 </file>